--- a/Chapter_7/EnsembleLearning.pptx
+++ b/Chapter_7/EnsembleLearning.pptx
@@ -34,24 +34,24 @@
   <p:notesSz cx="6858000" cy="9144000"/>
   <p:embeddedFontLst>
     <p:embeddedFont>
-      <p:font typeface="Calibri" panose="020F0502020204030204" pitchFamily="34" charset="0"/>
+      <p:font typeface="腾祥嘉丽线黑简" panose="02010600030101010101" charset="-122"/>
       <p:regular r:id="rId24"/>
-      <p:bold r:id="rId25"/>
-      <p:italic r:id="rId26"/>
-      <p:boldItalic r:id="rId27"/>
     </p:embeddedFont>
     <p:embeddedFont>
-      <p:font typeface="Open Sans Light" panose="020B0604020202020204" charset="0"/>
-      <p:regular r:id="rId28"/>
-    </p:embeddedFont>
-    <p:embeddedFont>
-      <p:font typeface="腾祥嘉丽线黑简" panose="02010600030101010101" charset="-122"/>
-      <p:regular r:id="rId29"/>
+      <p:font typeface="Calibri" panose="020F0502020204030204" pitchFamily="34" charset="0"/>
+      <p:regular r:id="rId25"/>
+      <p:bold r:id="rId26"/>
+      <p:italic r:id="rId27"/>
+      <p:boldItalic r:id="rId28"/>
     </p:embeddedFont>
     <p:embeddedFont>
       <p:font typeface="Microsoft Yahei" panose="020B0503020204020204" pitchFamily="34" charset="-122"/>
-      <p:regular r:id="rId30"/>
-      <p:bold r:id="rId31"/>
+      <p:regular r:id="rId29"/>
+      <p:bold r:id="rId30"/>
+    </p:embeddedFont>
+    <p:embeddedFont>
+      <p:font typeface="Open Sans Light" panose="02010600030101010101" charset="0"/>
+      <p:regular r:id="rId31"/>
     </p:embeddedFont>
   </p:embeddedFontLst>
   <p:defaultTextStyle>
@@ -250,7 +250,7 @@
           <a:p>
             <a:fld id="{E91DDA70-9ABB-48BD-AFA1-521354C93EB2}" type="datetimeFigureOut">
               <a:rPr lang="zh-CN" altLang="en-US" smtClean="0"/>
-              <a:t>2018/6/20</a:t>
+              <a:t>2021/11/17</a:t>
             </a:fld>
             <a:endParaRPr lang="zh-CN" altLang="en-US"/>
           </a:p>
@@ -314,38 +314,37 @@
           <a:p>
             <a:pPr lvl="0"/>
             <a:r>
-              <a:rPr lang="zh-CN" altLang="en-US" smtClean="0"/>
+              <a:rPr lang="zh-CN" altLang="en-US"/>
               <a:t>单击此处编辑母版文本样式</a:t>
             </a:r>
           </a:p>
           <a:p>
             <a:pPr lvl="1"/>
             <a:r>
-              <a:rPr lang="zh-CN" altLang="en-US" smtClean="0"/>
+              <a:rPr lang="zh-CN" altLang="en-US"/>
               <a:t>第二级</a:t>
             </a:r>
           </a:p>
           <a:p>
             <a:pPr lvl="2"/>
             <a:r>
-              <a:rPr lang="zh-CN" altLang="en-US" smtClean="0"/>
+              <a:rPr lang="zh-CN" altLang="en-US"/>
               <a:t>第三级</a:t>
             </a:r>
           </a:p>
           <a:p>
             <a:pPr lvl="3"/>
             <a:r>
-              <a:rPr lang="zh-CN" altLang="en-US" smtClean="0"/>
+              <a:rPr lang="zh-CN" altLang="en-US"/>
               <a:t>第四级</a:t>
             </a:r>
           </a:p>
           <a:p>
             <a:pPr lvl="4"/>
             <a:r>
-              <a:rPr lang="zh-CN" altLang="en-US" smtClean="0"/>
+              <a:rPr lang="zh-CN" altLang="en-US"/>
               <a:t>第五级</a:t>
             </a:r>
-            <a:endParaRPr lang="zh-CN" altLang="en-US"/>
           </a:p>
         </p:txBody>
       </p:sp>
@@ -563,10 +562,9 @@
           </a:lstStyle>
           <a:p>
             <a:r>
-              <a:rPr lang="zh-CN" altLang="en-US" dirty="0" smtClean="0"/>
+              <a:rPr lang="zh-CN" altLang="en-US" dirty="0"/>
               <a:t>单击此处编辑母版标题样式</a:t>
             </a:r>
-            <a:endParaRPr lang="zh-CN" altLang="en-US" dirty="0"/>
           </a:p>
         </p:txBody>
       </p:sp>
@@ -684,18 +682,17 @@
           </a:lstStyle>
           <a:p>
             <a:r>
-              <a:rPr lang="zh-CN" altLang="en-US" dirty="0" smtClean="0"/>
+              <a:rPr lang="zh-CN" altLang="en-US" dirty="0"/>
               <a:t>作者信息</a:t>
             </a:r>
             <a:r>
-              <a:rPr lang="en-US" altLang="zh-CN" dirty="0" smtClean="0"/>
+              <a:rPr lang="en-US" altLang="zh-CN" dirty="0"/>
               <a:t>/</a:t>
             </a:r>
             <a:r>
-              <a:rPr lang="zh-CN" altLang="en-US" dirty="0" smtClean="0"/>
+              <a:rPr lang="zh-CN" altLang="en-US" dirty="0"/>
               <a:t>副标题</a:t>
             </a:r>
-            <a:endParaRPr lang="zh-CN" altLang="en-US" dirty="0"/>
           </a:p>
         </p:txBody>
       </p:sp>
@@ -716,7 +713,7 @@
           <a:p>
             <a:fld id="{BF353E24-75C5-4466-B8AD-0A8FC8EA8740}" type="datetimeFigureOut">
               <a:rPr lang="zh-CN" altLang="en-US" smtClean="0"/>
-              <a:t>2018/6/20</a:t>
+              <a:t>2021/11/17</a:t>
             </a:fld>
             <a:endParaRPr lang="zh-CN" altLang="en-US"/>
           </a:p>
@@ -832,7 +829,7 @@
             <a:lstStyle/>
             <a:p>
               <a:r>
-                <a:rPr lang="zh-CN" altLang="en-US" sz="1050" dirty="0" smtClean="0">
+                <a:rPr lang="zh-CN" altLang="en-US" sz="1050" dirty="0">
                   <a:solidFill>
                     <a:schemeClr val="tx2">
                       <a:lumMod val="75000"/>
@@ -844,7 +841,7 @@
                 <a:t>           </a:t>
               </a:r>
               <a:r>
-                <a:rPr lang="zh-CN" altLang="en-US" sz="1300" dirty="0" smtClean="0">
+                <a:rPr lang="zh-CN" altLang="en-US" sz="1300" dirty="0">
                   <a:solidFill>
                     <a:schemeClr val="tx2">
                       <a:lumMod val="75000"/>
@@ -855,7 +852,7 @@
                 </a:rPr>
                 <a:t>信息学院</a:t>
               </a:r>
-              <a:endParaRPr lang="en-US" altLang="zh-CN" sz="1300" dirty="0" smtClean="0">
+              <a:endParaRPr lang="en-US" altLang="zh-CN" sz="1300" dirty="0">
                 <a:solidFill>
                   <a:schemeClr val="tx2">
                     <a:lumMod val="75000"/>
@@ -867,7 +864,7 @@
             </a:p>
             <a:p>
               <a:r>
-                <a:rPr lang="en-US" altLang="zh-CN" sz="700" dirty="0" smtClean="0">
+                <a:rPr lang="en-US" altLang="zh-CN" sz="700" dirty="0">
                   <a:solidFill>
                     <a:schemeClr val="tx2">
                       <a:lumMod val="75000"/>
@@ -882,7 +879,7 @@
             </a:p>
             <a:p>
               <a:r>
-                <a:rPr lang="en-US" altLang="zh-CN" sz="600" dirty="0" smtClean="0">
+                <a:rPr lang="en-US" altLang="zh-CN" sz="600" dirty="0">
                   <a:solidFill>
                     <a:schemeClr val="tx1">
                       <a:lumMod val="65000"/>
@@ -1306,13 +1303,6 @@
   <p:clrMapOvr>
     <a:masterClrMapping/>
   </p:clrMapOvr>
-  <p:timing>
-    <p:tnLst>
-      <p:par>
-        <p:cTn id="1" dur="indefinite" restart="never" nodeType="tmRoot"/>
-      </p:par>
-    </p:tnLst>
-  </p:timing>
 </p:sldLayout>
 </file>
 
@@ -1472,38 +1462,37 @@
           <a:p>
             <a:pPr lvl="0"/>
             <a:r>
-              <a:rPr lang="zh-CN" altLang="en-US" dirty="0" smtClean="0"/>
+              <a:rPr lang="zh-CN" altLang="en-US" dirty="0"/>
               <a:t>单击此处编辑母版文本样式</a:t>
             </a:r>
           </a:p>
           <a:p>
             <a:pPr lvl="1"/>
             <a:r>
-              <a:rPr lang="zh-CN" altLang="en-US" dirty="0" smtClean="0"/>
+              <a:rPr lang="zh-CN" altLang="en-US" dirty="0"/>
               <a:t>第二级</a:t>
             </a:r>
           </a:p>
           <a:p>
             <a:pPr lvl="2"/>
             <a:r>
-              <a:rPr lang="zh-CN" altLang="en-US" dirty="0" smtClean="0"/>
+              <a:rPr lang="zh-CN" altLang="en-US" dirty="0"/>
               <a:t>第三级</a:t>
             </a:r>
           </a:p>
           <a:p>
             <a:pPr lvl="3"/>
             <a:r>
-              <a:rPr lang="zh-CN" altLang="en-US" dirty="0" smtClean="0"/>
+              <a:rPr lang="zh-CN" altLang="en-US" dirty="0"/>
               <a:t>第四级</a:t>
             </a:r>
           </a:p>
           <a:p>
             <a:pPr lvl="4"/>
             <a:r>
-              <a:rPr lang="zh-CN" altLang="en-US" dirty="0" smtClean="0"/>
+              <a:rPr lang="zh-CN" altLang="en-US" dirty="0"/>
               <a:t>第五级</a:t>
             </a:r>
-            <a:endParaRPr lang="zh-CN" altLang="en-US" dirty="0"/>
           </a:p>
         </p:txBody>
       </p:sp>
@@ -1524,7 +1513,7 @@
           <a:p>
             <a:fld id="{BF353E24-75C5-4466-B8AD-0A8FC8EA8740}" type="datetimeFigureOut">
               <a:rPr lang="zh-CN" altLang="en-US" smtClean="0"/>
-              <a:t>2018/6/20</a:t>
+              <a:t>2021/11/17</a:t>
             </a:fld>
             <a:endParaRPr lang="zh-CN" altLang="en-US"/>
           </a:p>
@@ -1633,14 +1622,13 @@
           </a:lstStyle>
           <a:p>
             <a:r>
-              <a:rPr lang="en-US" altLang="zh-CN" dirty="0" smtClean="0"/>
+              <a:rPr lang="en-US" altLang="zh-CN" dirty="0"/>
               <a:t>1.1</a:t>
             </a:r>
             <a:r>
-              <a:rPr lang="zh-CN" altLang="en-US" dirty="0" smtClean="0"/>
+              <a:rPr lang="zh-CN" altLang="en-US" dirty="0"/>
               <a:t>本页标题</a:t>
             </a:r>
-            <a:endParaRPr lang="zh-CN" altLang="en-US" dirty="0"/>
           </a:p>
         </p:txBody>
       </p:sp>
@@ -1654,13 +1642,6 @@
   <p:clrMapOvr>
     <a:masterClrMapping/>
   </p:clrMapOvr>
-  <p:timing>
-    <p:tnLst>
-      <p:par>
-        <p:cTn id="1" dur="indefinite" restart="never" nodeType="tmRoot"/>
-      </p:par>
-    </p:tnLst>
-  </p:timing>
 </p:sldLayout>
 </file>
 
@@ -1800,14 +1781,13 @@
           </a:lstStyle>
           <a:p>
             <a:r>
-              <a:rPr lang="en-US" altLang="zh-CN" dirty="0" smtClean="0"/>
+              <a:rPr lang="en-US" altLang="zh-CN" dirty="0"/>
               <a:t>1.1</a:t>
             </a:r>
             <a:r>
-              <a:rPr lang="zh-CN" altLang="en-US" dirty="0" smtClean="0"/>
+              <a:rPr lang="zh-CN" altLang="en-US" dirty="0"/>
               <a:t>本页标题</a:t>
             </a:r>
-            <a:endParaRPr lang="zh-CN" altLang="en-US" dirty="0"/>
           </a:p>
         </p:txBody>
       </p:sp>
@@ -1856,14 +1836,14 @@
           <a:p>
             <a:pPr lvl="0"/>
             <a:r>
-              <a:rPr lang="zh-CN" altLang="en-US" dirty="0" smtClean="0"/>
+              <a:rPr lang="zh-CN" altLang="en-US" dirty="0"/>
               <a:t>板块一标题</a:t>
             </a:r>
           </a:p>
           <a:p>
             <a:pPr lvl="1"/>
             <a:r>
-              <a:rPr lang="zh-CN" altLang="en-US" dirty="0" smtClean="0"/>
+              <a:rPr lang="zh-CN" altLang="en-US" dirty="0"/>
               <a:t>板块一正文</a:t>
             </a:r>
           </a:p>
@@ -1895,7 +1875,7 @@
             <a:fld id="{BF353E24-75C5-4466-B8AD-0A8FC8EA8740}" type="datetimeFigureOut">
               <a:rPr lang="zh-CN" altLang="en-US" smtClean="0"/>
               <a:pPr/>
-              <a:t>2018/6/20</a:t>
+              <a:t>2021/11/17</a:t>
             </a:fld>
             <a:endParaRPr lang="zh-CN" altLang="en-US" dirty="0"/>
           </a:p>
@@ -2036,14 +2016,14 @@
           <a:p>
             <a:pPr lvl="0"/>
             <a:r>
-              <a:rPr lang="zh-CN" altLang="en-US" dirty="0" smtClean="0"/>
+              <a:rPr lang="zh-CN" altLang="en-US" dirty="0"/>
               <a:t>板块二标题</a:t>
             </a:r>
           </a:p>
           <a:p>
             <a:pPr lvl="1"/>
             <a:r>
-              <a:rPr lang="zh-CN" altLang="en-US" dirty="0" smtClean="0"/>
+              <a:rPr lang="zh-CN" altLang="en-US" dirty="0"/>
               <a:t>板块二正文</a:t>
             </a:r>
           </a:p>
@@ -2059,13 +2039,6 @@
   <p:clrMapOvr>
     <a:masterClrMapping/>
   </p:clrMapOvr>
-  <p:timing>
-    <p:tnLst>
-      <p:par>
-        <p:cTn id="1" dur="indefinite" restart="never" nodeType="tmRoot"/>
-      </p:par>
-    </p:tnLst>
-  </p:timing>
 </p:sldLayout>
 </file>
 
@@ -2234,7 +2207,7 @@
           <a:p>
             <a:pPr lvl="0"/>
             <a:r>
-              <a:rPr lang="zh-CN" altLang="en-US" dirty="0" smtClean="0"/>
+              <a:rPr lang="zh-CN" altLang="en-US" dirty="0"/>
               <a:t>单击此处编辑母版文本样式</a:t>
             </a:r>
           </a:p>
@@ -2290,38 +2263,37 @@
           <a:p>
             <a:pPr lvl="0"/>
             <a:r>
-              <a:rPr lang="zh-CN" altLang="en-US" smtClean="0"/>
+              <a:rPr lang="zh-CN" altLang="en-US"/>
               <a:t>单击此处编辑母版文本样式</a:t>
             </a:r>
           </a:p>
           <a:p>
             <a:pPr lvl="1"/>
             <a:r>
-              <a:rPr lang="zh-CN" altLang="en-US" smtClean="0"/>
+              <a:rPr lang="zh-CN" altLang="en-US"/>
               <a:t>第二级</a:t>
             </a:r>
           </a:p>
           <a:p>
             <a:pPr lvl="2"/>
             <a:r>
-              <a:rPr lang="zh-CN" altLang="en-US" smtClean="0"/>
+              <a:rPr lang="zh-CN" altLang="en-US"/>
               <a:t>第三级</a:t>
             </a:r>
           </a:p>
           <a:p>
             <a:pPr lvl="3"/>
             <a:r>
-              <a:rPr lang="zh-CN" altLang="en-US" smtClean="0"/>
+              <a:rPr lang="zh-CN" altLang="en-US"/>
               <a:t>第四级</a:t>
             </a:r>
           </a:p>
           <a:p>
             <a:pPr lvl="4"/>
             <a:r>
-              <a:rPr lang="zh-CN" altLang="en-US" smtClean="0"/>
+              <a:rPr lang="zh-CN" altLang="en-US"/>
               <a:t>第五级</a:t>
             </a:r>
-            <a:endParaRPr lang="zh-CN" altLang="en-US"/>
           </a:p>
         </p:txBody>
       </p:sp>
@@ -2384,7 +2356,7 @@
           <a:p>
             <a:pPr lvl="0"/>
             <a:r>
-              <a:rPr lang="zh-CN" altLang="en-US" smtClean="0"/>
+              <a:rPr lang="zh-CN" altLang="en-US"/>
               <a:t>单击此处编辑母版文本样式</a:t>
             </a:r>
           </a:p>
@@ -2440,38 +2412,37 @@
           <a:p>
             <a:pPr lvl="0"/>
             <a:r>
-              <a:rPr lang="zh-CN" altLang="en-US" smtClean="0"/>
+              <a:rPr lang="zh-CN" altLang="en-US"/>
               <a:t>单击此处编辑母版文本样式</a:t>
             </a:r>
           </a:p>
           <a:p>
             <a:pPr lvl="1"/>
             <a:r>
-              <a:rPr lang="zh-CN" altLang="en-US" smtClean="0"/>
+              <a:rPr lang="zh-CN" altLang="en-US"/>
               <a:t>第二级</a:t>
             </a:r>
           </a:p>
           <a:p>
             <a:pPr lvl="2"/>
             <a:r>
-              <a:rPr lang="zh-CN" altLang="en-US" smtClean="0"/>
+              <a:rPr lang="zh-CN" altLang="en-US"/>
               <a:t>第三级</a:t>
             </a:r>
           </a:p>
           <a:p>
             <a:pPr lvl="3"/>
             <a:r>
-              <a:rPr lang="zh-CN" altLang="en-US" smtClean="0"/>
+              <a:rPr lang="zh-CN" altLang="en-US"/>
               <a:t>第四级</a:t>
             </a:r>
           </a:p>
           <a:p>
             <a:pPr lvl="4"/>
             <a:r>
-              <a:rPr lang="zh-CN" altLang="en-US" smtClean="0"/>
+              <a:rPr lang="zh-CN" altLang="en-US"/>
               <a:t>第五级</a:t>
             </a:r>
-            <a:endParaRPr lang="zh-CN" altLang="en-US"/>
           </a:p>
         </p:txBody>
       </p:sp>
@@ -2492,7 +2463,7 @@
           <a:p>
             <a:fld id="{BF353E24-75C5-4466-B8AD-0A8FC8EA8740}" type="datetimeFigureOut">
               <a:rPr lang="zh-CN" altLang="en-US" smtClean="0"/>
-              <a:t>2018/6/20</a:t>
+              <a:t>2021/11/17</a:t>
             </a:fld>
             <a:endParaRPr lang="zh-CN" altLang="en-US"/>
           </a:p>
@@ -2601,14 +2572,13 @@
           </a:lstStyle>
           <a:p>
             <a:r>
-              <a:rPr lang="en-US" altLang="zh-CN" dirty="0" smtClean="0"/>
+              <a:rPr lang="en-US" altLang="zh-CN" dirty="0"/>
               <a:t>1.1</a:t>
             </a:r>
             <a:r>
-              <a:rPr lang="zh-CN" altLang="en-US" dirty="0" smtClean="0"/>
+              <a:rPr lang="zh-CN" altLang="en-US" dirty="0"/>
               <a:t>本页标题</a:t>
             </a:r>
-            <a:endParaRPr lang="zh-CN" altLang="en-US" dirty="0"/>
           </a:p>
         </p:txBody>
       </p:sp>
@@ -2622,13 +2592,6 @@
   <p:clrMapOvr>
     <a:masterClrMapping/>
   </p:clrMapOvr>
-  <p:timing>
-    <p:tnLst>
-      <p:par>
-        <p:cTn id="1" dur="indefinite" restart="never" nodeType="tmRoot"/>
-      </p:par>
-    </p:tnLst>
-  </p:timing>
 </p:sldLayout>
 </file>
 
@@ -2727,10 +2690,9 @@
           </a:lstStyle>
           <a:p>
             <a:r>
-              <a:rPr lang="zh-CN" altLang="en-US" dirty="0" smtClean="0"/>
+              <a:rPr lang="zh-CN" altLang="en-US" dirty="0"/>
               <a:t>一、章节标题</a:t>
             </a:r>
-            <a:endParaRPr lang="zh-CN" altLang="en-US" dirty="0"/>
           </a:p>
         </p:txBody>
       </p:sp>
@@ -2848,57 +2810,57 @@
           </a:lstStyle>
           <a:p>
             <a:r>
-              <a:rPr lang="en-US" altLang="zh-CN" dirty="0" smtClean="0"/>
+              <a:rPr lang="en-US" altLang="zh-CN" dirty="0"/>
               <a:t>1.1  </a:t>
             </a:r>
             <a:r>
-              <a:rPr lang="zh-CN" altLang="en-US" dirty="0" smtClean="0"/>
+              <a:rPr lang="zh-CN" altLang="en-US" dirty="0"/>
               <a:t>本章小节</a:t>
             </a:r>
             <a:r>
-              <a:rPr lang="en-US" altLang="zh-CN" dirty="0" smtClean="0"/>
+              <a:rPr lang="en-US" altLang="zh-CN" dirty="0"/>
               <a:t>1</a:t>
             </a:r>
           </a:p>
           <a:p>
             <a:r>
-              <a:rPr lang="en-US" altLang="zh-CN" dirty="0" smtClean="0"/>
+              <a:rPr lang="en-US" altLang="zh-CN" dirty="0"/>
               <a:t>1.2  </a:t>
             </a:r>
             <a:r>
-              <a:rPr lang="zh-CN" altLang="en-US" dirty="0" smtClean="0"/>
+              <a:rPr lang="zh-CN" altLang="en-US" dirty="0"/>
               <a:t>本章小节</a:t>
             </a:r>
             <a:r>
-              <a:rPr lang="en-US" altLang="zh-CN" dirty="0" smtClean="0"/>
+              <a:rPr lang="en-US" altLang="zh-CN" dirty="0"/>
               <a:t>2</a:t>
             </a:r>
           </a:p>
           <a:p>
             <a:r>
-              <a:rPr lang="en-US" altLang="zh-CN" dirty="0" smtClean="0"/>
+              <a:rPr lang="en-US" altLang="zh-CN" dirty="0"/>
               <a:t>1.3  </a:t>
             </a:r>
             <a:r>
-              <a:rPr lang="zh-CN" altLang="en-US" dirty="0" smtClean="0"/>
+              <a:rPr lang="zh-CN" altLang="en-US" dirty="0"/>
               <a:t>本章小节</a:t>
             </a:r>
             <a:r>
-              <a:rPr lang="en-US" altLang="zh-CN" dirty="0" smtClean="0"/>
+              <a:rPr lang="en-US" altLang="zh-CN" dirty="0"/>
               <a:t>3</a:t>
             </a:r>
           </a:p>
           <a:p>
             <a:r>
-              <a:rPr lang="en-US" altLang="zh-CN" dirty="0" smtClean="0"/>
+              <a:rPr lang="en-US" altLang="zh-CN" dirty="0"/>
               <a:t>1.4  (</a:t>
             </a:r>
             <a:r>
-              <a:rPr lang="zh-CN" altLang="en-US" dirty="0" smtClean="0"/>
+              <a:rPr lang="zh-CN" altLang="en-US" dirty="0"/>
               <a:t>如不需要该板块，可在母版中删除调整</a:t>
             </a:r>
             <a:r>
-              <a:rPr lang="en-US" altLang="zh-CN" dirty="0" smtClean="0"/>
+              <a:rPr lang="en-US" altLang="zh-CN" dirty="0"/>
               <a:t>)</a:t>
             </a:r>
             <a:endParaRPr lang="zh-CN" altLang="en-US" dirty="0"/>
@@ -2922,7 +2884,7 @@
           <a:p>
             <a:fld id="{BF353E24-75C5-4466-B8AD-0A8FC8EA8740}" type="datetimeFigureOut">
               <a:rPr lang="zh-CN" altLang="en-US" smtClean="0"/>
-              <a:t>2018/6/20</a:t>
+              <a:t>2021/11/17</a:t>
             </a:fld>
             <a:endParaRPr lang="zh-CN" altLang="en-US"/>
           </a:p>
@@ -3007,7 +2969,7 @@
             <a:lstStyle/>
             <a:p>
               <a:r>
-                <a:rPr lang="zh-CN" altLang="en-US" sz="1050" dirty="0" smtClean="0">
+                <a:rPr lang="zh-CN" altLang="en-US" sz="1050" dirty="0">
                   <a:solidFill>
                     <a:schemeClr val="tx2">
                       <a:lumMod val="75000"/>
@@ -3019,7 +2981,7 @@
                 <a:t>           </a:t>
               </a:r>
               <a:r>
-                <a:rPr lang="zh-CN" altLang="en-US" sz="1300" dirty="0" smtClean="0">
+                <a:rPr lang="zh-CN" altLang="en-US" sz="1300" dirty="0">
                   <a:solidFill>
                     <a:schemeClr val="tx2">
                       <a:lumMod val="75000"/>
@@ -3030,7 +2992,7 @@
                 </a:rPr>
                 <a:t>信息学院</a:t>
               </a:r>
-              <a:endParaRPr lang="en-US" altLang="zh-CN" sz="1300" dirty="0" smtClean="0">
+              <a:endParaRPr lang="en-US" altLang="zh-CN" sz="1300" dirty="0">
                 <a:solidFill>
                   <a:schemeClr val="tx2">
                     <a:lumMod val="75000"/>
@@ -3042,7 +3004,7 @@
             </a:p>
             <a:p>
               <a:r>
-                <a:rPr lang="en-US" altLang="zh-CN" sz="700" dirty="0" smtClean="0">
+                <a:rPr lang="en-US" altLang="zh-CN" sz="700" dirty="0">
                   <a:solidFill>
                     <a:schemeClr val="tx2">
                       <a:lumMod val="75000"/>
@@ -3057,7 +3019,7 @@
             </a:p>
             <a:p>
               <a:r>
-                <a:rPr lang="en-US" altLang="zh-CN" sz="600" dirty="0" smtClean="0">
+                <a:rPr lang="en-US" altLang="zh-CN" sz="600" dirty="0">
                   <a:solidFill>
                     <a:schemeClr val="tx1">
                       <a:lumMod val="65000"/>
@@ -3717,14 +3679,13 @@
           </a:lstStyle>
           <a:p>
             <a:r>
-              <a:rPr lang="en-US" altLang="zh-CN" dirty="0" smtClean="0"/>
+              <a:rPr lang="en-US" altLang="zh-CN" dirty="0"/>
               <a:t>1.1</a:t>
             </a:r>
             <a:r>
-              <a:rPr lang="zh-CN" altLang="en-US" dirty="0" smtClean="0"/>
+              <a:rPr lang="zh-CN" altLang="en-US" dirty="0"/>
               <a:t>本页标题</a:t>
             </a:r>
-            <a:endParaRPr lang="zh-CN" altLang="en-US" dirty="0"/>
           </a:p>
         </p:txBody>
       </p:sp>
@@ -3793,7 +3754,7 @@
           <a:p>
             <a:pPr lvl="0"/>
             <a:r>
-              <a:rPr lang="zh-CN" altLang="en-US" dirty="0" smtClean="0"/>
+              <a:rPr lang="zh-CN" altLang="en-US" dirty="0"/>
               <a:t>图片描述正文内容</a:t>
             </a:r>
           </a:p>
@@ -3821,7 +3782,7 @@
           <a:p>
             <a:fld id="{BF353E24-75C5-4466-B8AD-0A8FC8EA8740}" type="datetimeFigureOut">
               <a:rPr lang="zh-CN" altLang="en-US" smtClean="0"/>
-              <a:t>2018/6/20</a:t>
+              <a:t>2021/11/17</a:t>
             </a:fld>
             <a:endParaRPr lang="zh-CN" altLang="en-US"/>
           </a:p>
@@ -3929,18 +3890,13 @@
           <a:p>
             <a:pPr algn="ctr"/>
             <a:r>
-              <a:rPr lang="zh-CN" altLang="en-US" dirty="0" smtClean="0">
+              <a:rPr lang="zh-CN" altLang="en-US" dirty="0">
                 <a:solidFill>
                   <a:sysClr val="windowText" lastClr="000000"/>
                 </a:solidFill>
               </a:rPr>
               <a:t>填加图片</a:t>
             </a:r>
-            <a:endParaRPr lang="zh-CN" altLang="en-US" dirty="0">
-              <a:solidFill>
-                <a:sysClr val="windowText" lastClr="000000"/>
-              </a:solidFill>
-            </a:endParaRPr>
           </a:p>
         </p:txBody>
       </p:sp>
@@ -4053,10 +4009,9 @@
           </a:lstStyle>
           <a:p>
             <a:r>
-              <a:rPr lang="zh-CN" altLang="en-US" dirty="0" smtClean="0"/>
+              <a:rPr lang="zh-CN" altLang="en-US" dirty="0"/>
               <a:t>单击此处编辑母版标题样式</a:t>
             </a:r>
-            <a:endParaRPr lang="zh-CN" altLang="en-US" dirty="0"/>
           </a:p>
         </p:txBody>
       </p:sp>
@@ -4184,7 +4139,7 @@
           <a:p>
             <a:pPr lvl="0"/>
             <a:r>
-              <a:rPr lang="zh-CN" altLang="en-US" smtClean="0"/>
+              <a:rPr lang="zh-CN" altLang="en-US"/>
               <a:t>单击此处编辑母版文本样式</a:t>
             </a:r>
           </a:p>
@@ -4207,7 +4162,7 @@
           <a:p>
             <a:fld id="{BF353E24-75C5-4466-B8AD-0A8FC8EA8740}" type="datetimeFigureOut">
               <a:rPr lang="zh-CN" altLang="en-US" smtClean="0"/>
-              <a:t>2018/6/20</a:t>
+              <a:t>2021/11/17</a:t>
             </a:fld>
             <a:endParaRPr lang="zh-CN" altLang="en-US"/>
           </a:p>
@@ -4333,11 +4288,11 @@
           </a:lstStyle>
           <a:p>
             <a:r>
-              <a:rPr lang="en-US" altLang="zh-CN" smtClean="0"/>
+              <a:rPr lang="en-US" altLang="zh-CN"/>
               <a:t>1.1</a:t>
             </a:r>
             <a:r>
-              <a:rPr lang="zh-CN" altLang="en-US" smtClean="0"/>
+              <a:rPr lang="zh-CN" altLang="en-US"/>
               <a:t>本页标题</a:t>
             </a:r>
             <a:endParaRPr lang="zh-CN" altLang="en-US" dirty="0"/>
@@ -4422,7 +4377,7 @@
           <a:p>
             <a:fld id="{BF353E24-75C5-4466-B8AD-0A8FC8EA8740}" type="datetimeFigureOut">
               <a:rPr lang="zh-CN" altLang="en-US" smtClean="0"/>
-              <a:t>2018/6/20</a:t>
+              <a:t>2021/11/17</a:t>
             </a:fld>
             <a:endParaRPr lang="zh-CN" altLang="en-US"/>
           </a:p>
@@ -4553,10 +4508,9 @@
           <a:lstStyle/>
           <a:p>
             <a:r>
-              <a:rPr lang="zh-CN" altLang="en-US" dirty="0" smtClean="0"/>
+              <a:rPr lang="zh-CN" altLang="en-US" dirty="0"/>
               <a:t>大标题样式</a:t>
             </a:r>
-            <a:endParaRPr lang="zh-CN" altLang="en-US" dirty="0"/>
           </a:p>
         </p:txBody>
       </p:sp>
@@ -4587,38 +4541,37 @@
           <a:p>
             <a:pPr lvl="0"/>
             <a:r>
-              <a:rPr lang="zh-CN" altLang="en-US" dirty="0" smtClean="0"/>
+              <a:rPr lang="zh-CN" altLang="en-US" dirty="0"/>
               <a:t>正文标题样式</a:t>
             </a:r>
           </a:p>
           <a:p>
             <a:pPr lvl="1"/>
             <a:r>
-              <a:rPr lang="zh-CN" altLang="en-US" dirty="0" smtClean="0"/>
+              <a:rPr lang="zh-CN" altLang="en-US" dirty="0"/>
               <a:t>正文内容</a:t>
             </a:r>
           </a:p>
           <a:p>
             <a:pPr lvl="2"/>
             <a:r>
-              <a:rPr lang="zh-CN" altLang="en-US" dirty="0" smtClean="0"/>
+              <a:rPr lang="zh-CN" altLang="en-US" dirty="0"/>
               <a:t>第三级</a:t>
             </a:r>
           </a:p>
           <a:p>
             <a:pPr lvl="3"/>
             <a:r>
-              <a:rPr lang="zh-CN" altLang="en-US" dirty="0" smtClean="0"/>
+              <a:rPr lang="zh-CN" altLang="en-US" dirty="0"/>
               <a:t>第四级</a:t>
             </a:r>
           </a:p>
           <a:p>
             <a:pPr lvl="4"/>
             <a:r>
-              <a:rPr lang="zh-CN" altLang="en-US" dirty="0" smtClean="0"/>
+              <a:rPr lang="zh-CN" altLang="en-US" dirty="0"/>
               <a:t>第五级</a:t>
             </a:r>
-            <a:endParaRPr lang="zh-CN" altLang="en-US" dirty="0"/>
           </a:p>
         </p:txBody>
       </p:sp>
@@ -4656,7 +4609,7 @@
             <a:fld id="{BF353E24-75C5-4466-B8AD-0A8FC8EA8740}" type="datetimeFigureOut">
               <a:rPr lang="zh-CN" altLang="en-US" smtClean="0"/>
               <a:pPr/>
-              <a:t>2018/6/20</a:t>
+              <a:t>2021/11/17</a:t>
             </a:fld>
             <a:endParaRPr lang="zh-CN" altLang="en-US"/>
           </a:p>
@@ -4755,13 +4708,6 @@
     <p:sldLayoutId id="2147483657" r:id="rId7"/>
     <p:sldLayoutId id="2147483655" r:id="rId8"/>
   </p:sldLayoutIdLst>
-  <p:timing>
-    <p:tnLst>
-      <p:par>
-        <p:cTn id="1" dur="indefinite" restart="never" nodeType="tmRoot"/>
-      </p:par>
-    </p:tnLst>
-  </p:timing>
   <p:txStyles>
     <p:titleStyle>
       <a:lvl1pPr algn="l" defTabSz="914400" rtl="0" eaLnBrk="1" latinLnBrk="0" hangingPunct="1">
@@ -5048,7 +4994,7 @@
           <a:lstStyle/>
           <a:p>
             <a:r>
-              <a:rPr lang="en-US" altLang="zh-CN" sz="3200" dirty="0" smtClean="0"/>
+              <a:rPr lang="en-US" altLang="zh-CN" sz="3200" dirty="0"/>
               <a:t>Ensemble Learning and Parameter Tuning</a:t>
             </a:r>
             <a:endParaRPr lang="zh-CN" altLang="en-US" sz="3200" dirty="0"/>
@@ -5076,22 +5022,22 @@
           <a:lstStyle/>
           <a:p>
             <a:r>
-              <a:rPr lang="en-US" altLang="zh-CN" dirty="0" smtClean="0">
+              <a:rPr lang="en-US" altLang="zh-CN" dirty="0">
                 <a:solidFill>
                   <a:schemeClr val="tx1"/>
                 </a:solidFill>
               </a:rPr>
-              <a:t>2018</a:t>
-            </a:r>
-            <a:r>
-              <a:rPr lang="zh-CN" altLang="en-US" dirty="0" smtClean="0">
+              <a:t>2021</a:t>
+            </a:r>
+            <a:r>
+              <a:rPr lang="zh-CN" altLang="en-US" dirty="0">
                 <a:solidFill>
                   <a:schemeClr val="tx1"/>
                 </a:solidFill>
               </a:rPr>
-              <a:t>年春节学期</a:t>
-            </a:r>
-            <a:endParaRPr lang="en-US" altLang="zh-CN" dirty="0" smtClean="0">
+              <a:t>年秋节学期</a:t>
+            </a:r>
+            <a:endParaRPr lang="en-US" altLang="zh-CN" dirty="0">
               <a:solidFill>
                 <a:schemeClr val="tx1"/>
               </a:solidFill>
@@ -5099,14 +5045,14 @@
           </a:p>
           <a:p>
             <a:r>
-              <a:rPr lang="zh-CN" altLang="en-US" dirty="0" smtClean="0">
+              <a:rPr lang="zh-CN" altLang="en-US" dirty="0">
                 <a:solidFill>
                   <a:schemeClr val="tx1"/>
                 </a:solidFill>
               </a:rPr>
               <a:t>王津</a:t>
             </a:r>
-            <a:endParaRPr lang="en-US" altLang="zh-CN" dirty="0" smtClean="0">
+            <a:endParaRPr lang="en-US" altLang="zh-CN" dirty="0">
               <a:solidFill>
                 <a:schemeClr val="tx1"/>
               </a:solidFill>
@@ -5114,12 +5060,12 @@
           </a:p>
           <a:p>
             <a:r>
-              <a:rPr lang="en-US" altLang="zh-CN" dirty="0" smtClean="0">
+              <a:rPr lang="en-US" altLang="zh-CN" dirty="0">
                 <a:solidFill>
                   <a:schemeClr val="tx1"/>
                 </a:solidFill>
               </a:rPr>
-              <a:t>2018-6-14</a:t>
+              <a:t>2021-11-17</a:t>
             </a:r>
           </a:p>
           <a:p>
@@ -5141,13 +5087,6 @@
   <p:clrMapOvr>
     <a:masterClrMapping/>
   </p:clrMapOvr>
-  <p:timing>
-    <p:tnLst>
-      <p:par>
-        <p:cTn id="1" dur="indefinite" restart="never" nodeType="tmRoot"/>
-      </p:par>
-    </p:tnLst>
-  </p:timing>
 </p:sld>
 </file>
 
@@ -5188,7 +5127,7 @@
               <a:buChar char="l"/>
             </a:pPr>
             <a:r>
-              <a:rPr lang="en-US" altLang="zh-CN" dirty="0" smtClean="0"/>
+              <a:rPr lang="en-US" altLang="zh-CN" dirty="0"/>
               <a:t>Simple averaging</a:t>
             </a:r>
           </a:p>
@@ -5204,7 +5143,7 @@
               <a:buFont typeface="Wingdings" panose="05000000000000000000" pitchFamily="2" charset="2"/>
               <a:buChar char="l"/>
             </a:pPr>
-            <a:endParaRPr lang="en-US" altLang="zh-CN" dirty="0" smtClean="0"/>
+            <a:endParaRPr lang="en-US" altLang="zh-CN" dirty="0"/>
           </a:p>
           <a:p>
             <a:pPr marL="342900" indent="-342900">
@@ -5219,7 +5158,7 @@
               <a:buChar char="l"/>
             </a:pPr>
             <a:r>
-              <a:rPr lang="en-US" altLang="zh-CN" dirty="0" smtClean="0"/>
+              <a:rPr lang="en-US" altLang="zh-CN" dirty="0"/>
               <a:t>Weighted averaging</a:t>
             </a:r>
             <a:endParaRPr lang="zh-CN" altLang="en-US" dirty="0"/>
@@ -5242,7 +5181,7 @@
           <a:lstStyle/>
           <a:p>
             <a:r>
-              <a:rPr lang="en-US" altLang="zh-CN" dirty="0" smtClean="0"/>
+              <a:rPr lang="en-US" altLang="zh-CN" dirty="0"/>
               <a:t>Averaging (regression)</a:t>
             </a:r>
             <a:endParaRPr lang="zh-CN" altLang="en-US" dirty="0"/>
@@ -5271,7 +5210,7 @@
           <a:graphicData uri="http://schemas.openxmlformats.org/presentationml/2006/ole">
             <mc:AlternateContent xmlns:mc="http://schemas.openxmlformats.org/markup-compatibility/2006">
               <mc:Choice xmlns:v="urn:schemas-microsoft-com:vml" Requires="v">
-                <p:oleObj spid="_x0000_s10263" name="Equation" r:id="rId3" imgW="1143000" imgH="431640" progId="Equation.DSMT4">
+                <p:oleObj spid="_x0000_s10266" name="Equation" r:id="rId3" imgW="1143000" imgH="431640" progId="Equation.DSMT4">
                   <p:embed/>
                 </p:oleObj>
               </mc:Choice>
@@ -5328,7 +5267,7 @@
           <a:graphicData uri="http://schemas.openxmlformats.org/presentationml/2006/ole">
             <mc:AlternateContent xmlns:mc="http://schemas.openxmlformats.org/markup-compatibility/2006">
               <mc:Choice xmlns:v="urn:schemas-microsoft-com:vml" Requires="v">
-                <p:oleObj spid="_x0000_s10264" name="Equation" r:id="rId5" imgW="1269720" imgH="431640" progId="Equation.DSMT4">
+                <p:oleObj spid="_x0000_s10267" name="Equation" r:id="rId5" imgW="1269720" imgH="431640" progId="Equation.DSMT4">
                   <p:embed/>
                 </p:oleObj>
               </mc:Choice>
@@ -5385,7 +5324,7 @@
           <a:graphicData uri="http://schemas.openxmlformats.org/presentationml/2006/ole">
             <mc:AlternateContent xmlns:mc="http://schemas.openxmlformats.org/markup-compatibility/2006">
               <mc:Choice xmlns:v="urn:schemas-microsoft-com:vml" Requires="v">
-                <p:oleObj spid="_x0000_s10265" name="Equation" r:id="rId7" imgW="990360" imgH="431640" progId="Equation.DSMT4">
+                <p:oleObj spid="_x0000_s10268" name="Equation" r:id="rId7" imgW="990360" imgH="431640" progId="Equation.DSMT4">
                   <p:embed/>
                 </p:oleObj>
               </mc:Choice>
@@ -5445,10 +5384,34 @@
                 <a:tableStyleId>{5C22544A-7EE6-4342-B048-85BDC9FD1C3A}</a:tableStyleId>
               </a:tblPr>
               <a:tblGrid>
-                <a:gridCol w="660255"/>
-                <a:gridCol w="995163"/>
-                <a:gridCol w="1008112"/>
-                <a:gridCol w="1008113"/>
+                <a:gridCol w="660255">
+                  <a:extLst>
+                    <a:ext uri="{9D8B030D-6E8A-4147-A177-3AD203B41FA5}">
+                      <a16:colId xmlns:a16="http://schemas.microsoft.com/office/drawing/2014/main" val="20000"/>
+                    </a:ext>
+                  </a:extLst>
+                </a:gridCol>
+                <a:gridCol w="995163">
+                  <a:extLst>
+                    <a:ext uri="{9D8B030D-6E8A-4147-A177-3AD203B41FA5}">
+                      <a16:colId xmlns:a16="http://schemas.microsoft.com/office/drawing/2014/main" val="20001"/>
+                    </a:ext>
+                  </a:extLst>
+                </a:gridCol>
+                <a:gridCol w="1008112">
+                  <a:extLst>
+                    <a:ext uri="{9D8B030D-6E8A-4147-A177-3AD203B41FA5}">
+                      <a16:colId xmlns:a16="http://schemas.microsoft.com/office/drawing/2014/main" val="20002"/>
+                    </a:ext>
+                  </a:extLst>
+                </a:gridCol>
+                <a:gridCol w="1008113">
+                  <a:extLst>
+                    <a:ext uri="{9D8B030D-6E8A-4147-A177-3AD203B41FA5}">
+                      <a16:colId xmlns:a16="http://schemas.microsoft.com/office/drawing/2014/main" val="20003"/>
+                    </a:ext>
+                  </a:extLst>
+                </a:gridCol>
               </a:tblGrid>
               <a:tr h="370840">
                 <a:tc>
@@ -5469,11 +5432,11 @@
                     <a:p>
                       <a:pPr algn="ctr"/>
                       <a:r>
-                        <a:rPr lang="zh-CN" altLang="en-US" dirty="0" smtClean="0"/>
+                        <a:rPr lang="zh-CN" altLang="en-US" dirty="0"/>
                         <a:t>测试例</a:t>
                       </a:r>
                       <a:r>
-                        <a:rPr lang="en-US" altLang="zh-CN" dirty="0" smtClean="0"/>
+                        <a:rPr lang="en-US" altLang="zh-CN" dirty="0"/>
                         <a:t>1</a:t>
                       </a:r>
                       <a:endParaRPr lang="zh-CN" altLang="en-US" dirty="0"/>
@@ -5488,11 +5451,11 @@
                     <a:p>
                       <a:pPr algn="ctr"/>
                       <a:r>
-                        <a:rPr lang="zh-CN" altLang="en-US" dirty="0" smtClean="0"/>
+                        <a:rPr lang="zh-CN" altLang="en-US" dirty="0"/>
                         <a:t>测试例</a:t>
                       </a:r>
                       <a:r>
-                        <a:rPr lang="en-US" altLang="zh-CN" dirty="0" smtClean="0"/>
+                        <a:rPr lang="en-US" altLang="zh-CN" dirty="0"/>
                         <a:t>2</a:t>
                       </a:r>
                       <a:endParaRPr lang="zh-CN" altLang="en-US" dirty="0"/>
@@ -5507,11 +5470,11 @@
                     <a:p>
                       <a:pPr algn="ctr"/>
                       <a:r>
-                        <a:rPr lang="zh-CN" altLang="en-US" dirty="0" smtClean="0"/>
+                        <a:rPr lang="zh-CN" altLang="en-US" dirty="0"/>
                         <a:t>测试例</a:t>
                       </a:r>
                       <a:r>
-                        <a:rPr lang="en-US" altLang="zh-CN" dirty="0" smtClean="0"/>
+                        <a:rPr lang="en-US" altLang="zh-CN" dirty="0"/>
                         <a:t>3</a:t>
                       </a:r>
                       <a:endParaRPr lang="zh-CN" altLang="en-US" dirty="0"/>
@@ -5519,6 +5482,11 @@
                   </a:txBody>
                   <a:tcPr/>
                 </a:tc>
+                <a:extLst>
+                  <a:ext uri="{0D108BD9-81ED-4DB2-BD59-A6C34878D82A}">
+                    <a16:rowId xmlns:a16="http://schemas.microsoft.com/office/drawing/2014/main" val="10000"/>
+                  </a:ext>
+                </a:extLst>
               </a:tr>
               <a:tr h="370840">
                 <a:tc>
@@ -5528,14 +5496,14 @@
                     <a:p>
                       <a:pPr algn="ctr"/>
                       <a:r>
-                        <a:rPr lang="en-US" altLang="zh-CN" i="1" dirty="0" smtClean="0">
+                        <a:rPr lang="en-US" altLang="zh-CN" i="1" dirty="0">
                           <a:latin typeface="Times New Roman" panose="02020603050405020304" pitchFamily="18" charset="0"/>
                           <a:cs typeface="Times New Roman" panose="02020603050405020304" pitchFamily="18" charset="0"/>
                         </a:rPr>
                         <a:t>h</a:t>
                       </a:r>
                       <a:r>
-                        <a:rPr lang="en-US" altLang="zh-CN" i="0" baseline="-25000" dirty="0" smtClean="0">
+                        <a:rPr lang="en-US" altLang="zh-CN" i="0" baseline="-25000" dirty="0">
                           <a:latin typeface="Times New Roman" panose="02020603050405020304" pitchFamily="18" charset="0"/>
                           <a:cs typeface="Times New Roman" panose="02020603050405020304" pitchFamily="18" charset="0"/>
                         </a:rPr>
@@ -5556,7 +5524,7 @@
                     <a:p>
                       <a:pPr algn="ctr"/>
                       <a:r>
-                        <a:rPr lang="en-US" altLang="zh-CN" dirty="0" smtClean="0">
+                        <a:rPr lang="en-US" altLang="zh-CN" dirty="0">
                           <a:latin typeface="Times New Roman" panose="02020603050405020304" pitchFamily="18" charset="0"/>
                           <a:cs typeface="Times New Roman" panose="02020603050405020304" pitchFamily="18" charset="0"/>
                         </a:rPr>
@@ -5577,7 +5545,7 @@
                     <a:p>
                       <a:pPr algn="ctr"/>
                       <a:r>
-                        <a:rPr lang="en-US" altLang="zh-CN" dirty="0" smtClean="0">
+                        <a:rPr lang="en-US" altLang="zh-CN" dirty="0">
                           <a:latin typeface="Times New Roman" panose="02020603050405020304" pitchFamily="18" charset="0"/>
                           <a:cs typeface="Times New Roman" panose="02020603050405020304" pitchFamily="18" charset="0"/>
                         </a:rPr>
@@ -5598,7 +5566,7 @@
                     <a:p>
                       <a:pPr algn="ctr"/>
                       <a:r>
-                        <a:rPr lang="en-US" altLang="zh-CN" dirty="0" smtClean="0">
+                        <a:rPr lang="en-US" altLang="zh-CN" dirty="0">
                           <a:latin typeface="Times New Roman" panose="02020603050405020304" pitchFamily="18" charset="0"/>
                           <a:cs typeface="Times New Roman" panose="02020603050405020304" pitchFamily="18" charset="0"/>
                         </a:rPr>
@@ -5612,6 +5580,11 @@
                   </a:txBody>
                   <a:tcPr/>
                 </a:tc>
+                <a:extLst>
+                  <a:ext uri="{0D108BD9-81ED-4DB2-BD59-A6C34878D82A}">
+                    <a16:rowId xmlns:a16="http://schemas.microsoft.com/office/drawing/2014/main" val="10001"/>
+                  </a:ext>
+                </a:extLst>
               </a:tr>
               <a:tr h="370840">
                 <a:tc>
@@ -5621,14 +5594,14 @@
                     <a:p>
                       <a:pPr algn="ctr"/>
                       <a:r>
-                        <a:rPr lang="en-US" altLang="zh-CN" i="1" dirty="0" smtClean="0">
+                        <a:rPr lang="en-US" altLang="zh-CN" i="1" dirty="0">
                           <a:latin typeface="Times New Roman" panose="02020603050405020304" pitchFamily="18" charset="0"/>
                           <a:cs typeface="Times New Roman" panose="02020603050405020304" pitchFamily="18" charset="0"/>
                         </a:rPr>
                         <a:t>h</a:t>
                       </a:r>
                       <a:r>
-                        <a:rPr lang="en-US" altLang="zh-CN" i="0" baseline="-25000" dirty="0" smtClean="0">
+                        <a:rPr lang="en-US" altLang="zh-CN" i="0" baseline="-25000" dirty="0">
                           <a:latin typeface="Times New Roman" panose="02020603050405020304" pitchFamily="18" charset="0"/>
                           <a:cs typeface="Times New Roman" panose="02020603050405020304" pitchFamily="18" charset="0"/>
                         </a:rPr>
@@ -5649,7 +5622,7 @@
                     <a:p>
                       <a:pPr algn="ctr"/>
                       <a:r>
-                        <a:rPr lang="en-US" altLang="zh-CN" dirty="0" smtClean="0">
+                        <a:rPr lang="en-US" altLang="zh-CN" dirty="0">
                           <a:latin typeface="Times New Roman" panose="02020603050405020304" pitchFamily="18" charset="0"/>
                           <a:cs typeface="Times New Roman" panose="02020603050405020304" pitchFamily="18" charset="0"/>
                         </a:rPr>
@@ -5670,7 +5643,7 @@
                     <a:p>
                       <a:pPr algn="ctr"/>
                       <a:r>
-                        <a:rPr lang="en-US" altLang="zh-CN" dirty="0" smtClean="0">
+                        <a:rPr lang="en-US" altLang="zh-CN" dirty="0">
                           <a:latin typeface="Times New Roman" panose="02020603050405020304" pitchFamily="18" charset="0"/>
                           <a:cs typeface="Times New Roman" panose="02020603050405020304" pitchFamily="18" charset="0"/>
                         </a:rPr>
@@ -5691,7 +5664,7 @@
                     <a:p>
                       <a:pPr algn="ctr"/>
                       <a:r>
-                        <a:rPr lang="en-US" altLang="zh-CN" dirty="0" smtClean="0">
+                        <a:rPr lang="en-US" altLang="zh-CN" dirty="0">
                           <a:latin typeface="Times New Roman" panose="02020603050405020304" pitchFamily="18" charset="0"/>
                           <a:cs typeface="Times New Roman" panose="02020603050405020304" pitchFamily="18" charset="0"/>
                         </a:rPr>
@@ -5705,6 +5678,11 @@
                   </a:txBody>
                   <a:tcPr/>
                 </a:tc>
+                <a:extLst>
+                  <a:ext uri="{0D108BD9-81ED-4DB2-BD59-A6C34878D82A}">
+                    <a16:rowId xmlns:a16="http://schemas.microsoft.com/office/drawing/2014/main" val="10002"/>
+                  </a:ext>
+                </a:extLst>
               </a:tr>
               <a:tr h="370840">
                 <a:tc>
@@ -5714,14 +5692,14 @@
                     <a:p>
                       <a:pPr algn="ctr"/>
                       <a:r>
-                        <a:rPr lang="en-US" altLang="zh-CN" i="1" dirty="0" smtClean="0">
+                        <a:rPr lang="en-US" altLang="zh-CN" i="1" dirty="0">
                           <a:latin typeface="Times New Roman" panose="02020603050405020304" pitchFamily="18" charset="0"/>
                           <a:cs typeface="Times New Roman" panose="02020603050405020304" pitchFamily="18" charset="0"/>
                         </a:rPr>
                         <a:t>h</a:t>
                       </a:r>
                       <a:r>
-                        <a:rPr lang="en-US" altLang="zh-CN" baseline="-25000" dirty="0" smtClean="0">
+                        <a:rPr lang="en-US" altLang="zh-CN" baseline="-25000" dirty="0">
                           <a:latin typeface="Times New Roman" panose="02020603050405020304" pitchFamily="18" charset="0"/>
                           <a:cs typeface="Times New Roman" panose="02020603050405020304" pitchFamily="18" charset="0"/>
                         </a:rPr>
@@ -5742,7 +5720,7 @@
                     <a:p>
                       <a:pPr algn="ctr"/>
                       <a:r>
-                        <a:rPr lang="en-US" altLang="zh-CN" dirty="0" smtClean="0">
+                        <a:rPr lang="en-US" altLang="zh-CN" dirty="0">
                           <a:latin typeface="Times New Roman" panose="02020603050405020304" pitchFamily="18" charset="0"/>
                           <a:cs typeface="Times New Roman" panose="02020603050405020304" pitchFamily="18" charset="0"/>
                         </a:rPr>
@@ -5763,7 +5741,7 @@
                     <a:p>
                       <a:pPr algn="ctr"/>
                       <a:r>
-                        <a:rPr lang="en-US" altLang="zh-CN" dirty="0" smtClean="0">
+                        <a:rPr lang="en-US" altLang="zh-CN" dirty="0">
                           <a:latin typeface="Times New Roman" panose="02020603050405020304" pitchFamily="18" charset="0"/>
                           <a:cs typeface="Times New Roman" panose="02020603050405020304" pitchFamily="18" charset="0"/>
                         </a:rPr>
@@ -5784,7 +5762,7 @@
                     <a:p>
                       <a:pPr algn="ctr"/>
                       <a:r>
-                        <a:rPr lang="en-US" altLang="zh-CN" dirty="0" smtClean="0">
+                        <a:rPr lang="en-US" altLang="zh-CN" dirty="0">
                           <a:latin typeface="Times New Roman" panose="02020603050405020304" pitchFamily="18" charset="0"/>
                           <a:cs typeface="Times New Roman" panose="02020603050405020304" pitchFamily="18" charset="0"/>
                         </a:rPr>
@@ -5798,6 +5776,11 @@
                   </a:txBody>
                   <a:tcPr/>
                 </a:tc>
+                <a:extLst>
+                  <a:ext uri="{0D108BD9-81ED-4DB2-BD59-A6C34878D82A}">
+                    <a16:rowId xmlns:a16="http://schemas.microsoft.com/office/drawing/2014/main" val="10003"/>
+                  </a:ext>
+                </a:extLst>
               </a:tr>
               <a:tr h="370840">
                 <a:tc>
@@ -5807,11 +5790,28 @@
                     <a:p>
                       <a:pPr algn="ctr"/>
                       <a:r>
-                        <a:rPr lang="zh-CN" altLang="en-US" dirty="0" smtClean="0">
+                        <a:rPr lang="zh-CN" altLang="en-US" dirty="0">
                           <a:latin typeface="Times New Roman" panose="02020603050405020304" pitchFamily="18" charset="0"/>
                           <a:cs typeface="Times New Roman" panose="02020603050405020304" pitchFamily="18" charset="0"/>
                         </a:rPr>
                         <a:t>集成</a:t>
+                      </a:r>
+                    </a:p>
+                  </a:txBody>
+                  <a:tcPr/>
+                </a:tc>
+                <a:tc>
+                  <a:txBody>
+                    <a:bodyPr/>
+                    <a:lstStyle/>
+                    <a:p>
+                      <a:pPr algn="ctr"/>
+                      <a:r>
+                        <a:rPr lang="en-US" altLang="zh-CN" dirty="0">
+                          <a:latin typeface="Times New Roman" panose="02020603050405020304" pitchFamily="18" charset="0"/>
+                          <a:cs typeface="Times New Roman" panose="02020603050405020304" pitchFamily="18" charset="0"/>
+                        </a:rPr>
+                        <a:t>0.6</a:t>
                       </a:r>
                       <a:endParaRPr lang="zh-CN" altLang="en-US" dirty="0">
                         <a:latin typeface="Times New Roman" panose="02020603050405020304" pitchFamily="18" charset="0"/>
@@ -5828,11 +5828,11 @@
                     <a:p>
                       <a:pPr algn="ctr"/>
                       <a:r>
-                        <a:rPr lang="en-US" altLang="zh-CN" dirty="0" smtClean="0">
+                        <a:rPr lang="en-US" altLang="zh-CN" dirty="0">
                           <a:latin typeface="Times New Roman" panose="02020603050405020304" pitchFamily="18" charset="0"/>
                           <a:cs typeface="Times New Roman" panose="02020603050405020304" pitchFamily="18" charset="0"/>
                         </a:rPr>
-                        <a:t>0.6</a:t>
+                        <a:t>0.2</a:t>
                       </a:r>
                       <a:endParaRPr lang="zh-CN" altLang="en-US" dirty="0">
                         <a:latin typeface="Times New Roman" panose="02020603050405020304" pitchFamily="18" charset="0"/>
@@ -5849,41 +5849,21 @@
                     <a:p>
                       <a:pPr algn="ctr"/>
                       <a:r>
-                        <a:rPr lang="en-US" altLang="zh-CN" dirty="0" smtClean="0">
+                        <a:rPr lang="zh-CN" altLang="en-US" dirty="0">
                           <a:latin typeface="Times New Roman" panose="02020603050405020304" pitchFamily="18" charset="0"/>
                           <a:cs typeface="Times New Roman" panose="02020603050405020304" pitchFamily="18" charset="0"/>
                         </a:rPr>
-                        <a:t>0.2</a:t>
-                      </a:r>
-                      <a:endParaRPr lang="zh-CN" altLang="en-US" dirty="0">
-                        <a:latin typeface="Times New Roman" panose="02020603050405020304" pitchFamily="18" charset="0"/>
-                        <a:cs typeface="Times New Roman" panose="02020603050405020304" pitchFamily="18" charset="0"/>
-                      </a:endParaRPr>
+                        <a:t>？</a:t>
+                      </a:r>
                     </a:p>
                   </a:txBody>
                   <a:tcPr/>
                 </a:tc>
-                <a:tc>
-                  <a:txBody>
-                    <a:bodyPr/>
-                    <a:lstStyle/>
-                    <a:p>
-                      <a:pPr algn="ctr"/>
-                      <a:r>
-                        <a:rPr lang="zh-CN" altLang="en-US" dirty="0" smtClean="0">
-                          <a:latin typeface="Times New Roman" panose="02020603050405020304" pitchFamily="18" charset="0"/>
-                          <a:cs typeface="Times New Roman" panose="02020603050405020304" pitchFamily="18" charset="0"/>
-                        </a:rPr>
-                        <a:t>？</a:t>
-                      </a:r>
-                      <a:endParaRPr lang="zh-CN" altLang="en-US" dirty="0">
-                        <a:latin typeface="Times New Roman" panose="02020603050405020304" pitchFamily="18" charset="0"/>
-                        <a:cs typeface="Times New Roman" panose="02020603050405020304" pitchFamily="18" charset="0"/>
-                      </a:endParaRPr>
-                    </a:p>
-                  </a:txBody>
-                  <a:tcPr/>
-                </a:tc>
+                <a:extLst>
+                  <a:ext uri="{0D108BD9-81ED-4DB2-BD59-A6C34878D82A}">
+                    <a16:rowId xmlns:a16="http://schemas.microsoft.com/office/drawing/2014/main" val="10004"/>
+                  </a:ext>
+                </a:extLst>
               </a:tr>
             </a:tbl>
           </a:graphicData>
@@ -5914,11 +5894,41 @@
                 <a:tableStyleId>{5C22544A-7EE6-4342-B048-85BDC9FD1C3A}</a:tableStyleId>
               </a:tblPr>
               <a:tblGrid>
-                <a:gridCol w="648072"/>
-                <a:gridCol w="734810"/>
-                <a:gridCol w="1042166"/>
-                <a:gridCol w="1055728"/>
-                <a:gridCol w="1055728"/>
+                <a:gridCol w="648072">
+                  <a:extLst>
+                    <a:ext uri="{9D8B030D-6E8A-4147-A177-3AD203B41FA5}">
+                      <a16:colId xmlns:a16="http://schemas.microsoft.com/office/drawing/2014/main" val="20000"/>
+                    </a:ext>
+                  </a:extLst>
+                </a:gridCol>
+                <a:gridCol w="734810">
+                  <a:extLst>
+                    <a:ext uri="{9D8B030D-6E8A-4147-A177-3AD203B41FA5}">
+                      <a16:colId xmlns:a16="http://schemas.microsoft.com/office/drawing/2014/main" val="20001"/>
+                    </a:ext>
+                  </a:extLst>
+                </a:gridCol>
+                <a:gridCol w="1042166">
+                  <a:extLst>
+                    <a:ext uri="{9D8B030D-6E8A-4147-A177-3AD203B41FA5}">
+                      <a16:colId xmlns:a16="http://schemas.microsoft.com/office/drawing/2014/main" val="20002"/>
+                    </a:ext>
+                  </a:extLst>
+                </a:gridCol>
+                <a:gridCol w="1055728">
+                  <a:extLst>
+                    <a:ext uri="{9D8B030D-6E8A-4147-A177-3AD203B41FA5}">
+                      <a16:colId xmlns:a16="http://schemas.microsoft.com/office/drawing/2014/main" val="20003"/>
+                    </a:ext>
+                  </a:extLst>
+                </a:gridCol>
+                <a:gridCol w="1055728">
+                  <a:extLst>
+                    <a:ext uri="{9D8B030D-6E8A-4147-A177-3AD203B41FA5}">
+                      <a16:colId xmlns:a16="http://schemas.microsoft.com/office/drawing/2014/main" val="20004"/>
+                    </a:ext>
+                  </a:extLst>
+                </a:gridCol>
               </a:tblGrid>
               <a:tr h="370840">
                 <a:tc>
@@ -5939,8 +5949,26 @@
                     <a:p>
                       <a:pPr algn="ctr"/>
                       <a:r>
-                        <a:rPr lang="zh-CN" altLang="en-US" dirty="0" smtClean="0"/>
+                        <a:rPr lang="zh-CN" altLang="en-US" dirty="0"/>
                         <a:t>权重</a:t>
+                      </a:r>
+                    </a:p>
+                  </a:txBody>
+                  <a:tcPr/>
+                </a:tc>
+                <a:tc>
+                  <a:txBody>
+                    <a:bodyPr/>
+                    <a:lstStyle/>
+                    <a:p>
+                      <a:pPr algn="ctr"/>
+                      <a:r>
+                        <a:rPr lang="zh-CN" altLang="en-US" dirty="0"/>
+                        <a:t>测试例</a:t>
+                      </a:r>
+                      <a:r>
+                        <a:rPr lang="en-US" altLang="zh-CN" dirty="0"/>
+                        <a:t>1</a:t>
                       </a:r>
                       <a:endParaRPr lang="zh-CN" altLang="en-US" dirty="0"/>
                     </a:p>
@@ -5954,12 +5982,12 @@
                     <a:p>
                       <a:pPr algn="ctr"/>
                       <a:r>
-                        <a:rPr lang="zh-CN" altLang="en-US" dirty="0" smtClean="0"/>
+                        <a:rPr lang="zh-CN" altLang="en-US" dirty="0"/>
                         <a:t>测试例</a:t>
                       </a:r>
                       <a:r>
-                        <a:rPr lang="en-US" altLang="zh-CN" dirty="0" smtClean="0"/>
-                        <a:t>1</a:t>
+                        <a:rPr lang="en-US" altLang="zh-CN" dirty="0"/>
+                        <a:t>2</a:t>
                       </a:r>
                       <a:endParaRPr lang="zh-CN" altLang="en-US" dirty="0"/>
                     </a:p>
@@ -5973,37 +6001,23 @@
                     <a:p>
                       <a:pPr algn="ctr"/>
                       <a:r>
-                        <a:rPr lang="zh-CN" altLang="en-US" dirty="0" smtClean="0"/>
+                        <a:rPr lang="zh-CN" altLang="en-US" dirty="0"/>
                         <a:t>测试例</a:t>
                       </a:r>
                       <a:r>
-                        <a:rPr lang="en-US" altLang="zh-CN" dirty="0" smtClean="0"/>
-                        <a:t>2</a:t>
+                        <a:rPr lang="en-US" altLang="zh-CN" dirty="0"/>
+                        <a:t>3</a:t>
                       </a:r>
                       <a:endParaRPr lang="zh-CN" altLang="en-US" dirty="0"/>
                     </a:p>
                   </a:txBody>
                   <a:tcPr/>
                 </a:tc>
-                <a:tc>
-                  <a:txBody>
-                    <a:bodyPr/>
-                    <a:lstStyle/>
-                    <a:p>
-                      <a:pPr algn="ctr"/>
-                      <a:r>
-                        <a:rPr lang="zh-CN" altLang="en-US" dirty="0" smtClean="0"/>
-                        <a:t>测试例</a:t>
-                      </a:r>
-                      <a:r>
-                        <a:rPr lang="en-US" altLang="zh-CN" dirty="0" smtClean="0"/>
-                        <a:t>3</a:t>
-                      </a:r>
-                      <a:endParaRPr lang="zh-CN" altLang="en-US" dirty="0"/>
-                    </a:p>
-                  </a:txBody>
-                  <a:tcPr/>
-                </a:tc>
+                <a:extLst>
+                  <a:ext uri="{0D108BD9-81ED-4DB2-BD59-A6C34878D82A}">
+                    <a16:rowId xmlns:a16="http://schemas.microsoft.com/office/drawing/2014/main" val="10000"/>
+                  </a:ext>
+                </a:extLst>
               </a:tr>
               <a:tr h="370840">
                 <a:tc>
@@ -6013,14 +6027,14 @@
                     <a:p>
                       <a:pPr algn="ctr"/>
                       <a:r>
-                        <a:rPr lang="en-US" altLang="zh-CN" i="1" dirty="0" smtClean="0">
+                        <a:rPr lang="en-US" altLang="zh-CN" i="1" dirty="0">
                           <a:latin typeface="Times New Roman" panose="02020603050405020304" pitchFamily="18" charset="0"/>
                           <a:cs typeface="Times New Roman" panose="02020603050405020304" pitchFamily="18" charset="0"/>
                         </a:rPr>
                         <a:t>h</a:t>
                       </a:r>
                       <a:r>
-                        <a:rPr lang="en-US" altLang="zh-CN" i="0" baseline="-25000" dirty="0" smtClean="0">
+                        <a:rPr lang="en-US" altLang="zh-CN" i="0" baseline="-25000" dirty="0">
                           <a:latin typeface="Times New Roman" panose="02020603050405020304" pitchFamily="18" charset="0"/>
                           <a:cs typeface="Times New Roman" panose="02020603050405020304" pitchFamily="18" charset="0"/>
                         </a:rPr>
@@ -6041,7 +6055,7 @@
                     <a:p>
                       <a:pPr marL="0" algn="ctr" defTabSz="914400" rtl="0" eaLnBrk="1" latinLnBrk="0" hangingPunct="1"/>
                       <a:r>
-                        <a:rPr lang="en-US" altLang="zh-CN" sz="1800" kern="1200" dirty="0" smtClean="0">
+                        <a:rPr lang="en-US" altLang="zh-CN" sz="1800" kern="1200" dirty="0">
                           <a:solidFill>
                             <a:schemeClr val="dk1"/>
                           </a:solidFill>
@@ -6070,7 +6084,7 @@
                     <a:p>
                       <a:pPr algn="ctr"/>
                       <a:r>
-                        <a:rPr lang="en-US" altLang="zh-CN" dirty="0" smtClean="0">
+                        <a:rPr lang="en-US" altLang="zh-CN" dirty="0">
                           <a:latin typeface="Times New Roman" panose="02020603050405020304" pitchFamily="18" charset="0"/>
                           <a:cs typeface="Times New Roman" panose="02020603050405020304" pitchFamily="18" charset="0"/>
                         </a:rPr>
@@ -6091,7 +6105,7 @@
                     <a:p>
                       <a:pPr algn="ctr"/>
                       <a:r>
-                        <a:rPr lang="en-US" altLang="zh-CN" dirty="0" smtClean="0">
+                        <a:rPr lang="en-US" altLang="zh-CN" dirty="0">
                           <a:latin typeface="Times New Roman" panose="02020603050405020304" pitchFamily="18" charset="0"/>
                           <a:cs typeface="Times New Roman" panose="02020603050405020304" pitchFamily="18" charset="0"/>
                         </a:rPr>
@@ -6112,7 +6126,7 @@
                     <a:p>
                       <a:pPr algn="ctr"/>
                       <a:r>
-                        <a:rPr lang="en-US" altLang="zh-CN" dirty="0" smtClean="0">
+                        <a:rPr lang="en-US" altLang="zh-CN" dirty="0">
                           <a:latin typeface="Times New Roman" panose="02020603050405020304" pitchFamily="18" charset="0"/>
                           <a:cs typeface="Times New Roman" panose="02020603050405020304" pitchFamily="18" charset="0"/>
                         </a:rPr>
@@ -6126,6 +6140,11 @@
                   </a:txBody>
                   <a:tcPr/>
                 </a:tc>
+                <a:extLst>
+                  <a:ext uri="{0D108BD9-81ED-4DB2-BD59-A6C34878D82A}">
+                    <a16:rowId xmlns:a16="http://schemas.microsoft.com/office/drawing/2014/main" val="10001"/>
+                  </a:ext>
+                </a:extLst>
               </a:tr>
               <a:tr h="370840">
                 <a:tc>
@@ -6135,14 +6154,14 @@
                     <a:p>
                       <a:pPr algn="ctr"/>
                       <a:r>
-                        <a:rPr lang="en-US" altLang="zh-CN" i="1" dirty="0" smtClean="0">
+                        <a:rPr lang="en-US" altLang="zh-CN" i="1" dirty="0">
                           <a:latin typeface="Times New Roman" panose="02020603050405020304" pitchFamily="18" charset="0"/>
                           <a:cs typeface="Times New Roman" panose="02020603050405020304" pitchFamily="18" charset="0"/>
                         </a:rPr>
                         <a:t>h</a:t>
                       </a:r>
                       <a:r>
-                        <a:rPr lang="en-US" altLang="zh-CN" i="0" baseline="-25000" dirty="0" smtClean="0">
+                        <a:rPr lang="en-US" altLang="zh-CN" i="0" baseline="-25000" dirty="0">
                           <a:latin typeface="Times New Roman" panose="02020603050405020304" pitchFamily="18" charset="0"/>
                           <a:cs typeface="Times New Roman" panose="02020603050405020304" pitchFamily="18" charset="0"/>
                         </a:rPr>
@@ -6163,7 +6182,7 @@
                     <a:p>
                       <a:pPr marL="0" algn="ctr" defTabSz="914400" rtl="0" eaLnBrk="1" latinLnBrk="0" hangingPunct="1"/>
                       <a:r>
-                        <a:rPr lang="en-US" altLang="zh-CN" sz="1800" kern="1200" dirty="0" smtClean="0">
+                        <a:rPr lang="en-US" altLang="zh-CN" sz="1800" kern="1200" dirty="0">
                           <a:solidFill>
                             <a:schemeClr val="dk1"/>
                           </a:solidFill>
@@ -6192,7 +6211,7 @@
                     <a:p>
                       <a:pPr algn="ctr"/>
                       <a:r>
-                        <a:rPr lang="en-US" altLang="zh-CN" dirty="0" smtClean="0">
+                        <a:rPr lang="en-US" altLang="zh-CN" dirty="0">
                           <a:latin typeface="Times New Roman" panose="02020603050405020304" pitchFamily="18" charset="0"/>
                           <a:cs typeface="Times New Roman" panose="02020603050405020304" pitchFamily="18" charset="0"/>
                         </a:rPr>
@@ -6213,7 +6232,7 @@
                     <a:p>
                       <a:pPr algn="ctr"/>
                       <a:r>
-                        <a:rPr lang="en-US" altLang="zh-CN" dirty="0" smtClean="0">
+                        <a:rPr lang="en-US" altLang="zh-CN" dirty="0">
                           <a:latin typeface="Times New Roman" panose="02020603050405020304" pitchFamily="18" charset="0"/>
                           <a:cs typeface="Times New Roman" panose="02020603050405020304" pitchFamily="18" charset="0"/>
                         </a:rPr>
@@ -6234,7 +6253,7 @@
                     <a:p>
                       <a:pPr algn="ctr"/>
                       <a:r>
-                        <a:rPr lang="en-US" altLang="zh-CN" dirty="0" smtClean="0">
+                        <a:rPr lang="en-US" altLang="zh-CN" dirty="0">
                           <a:latin typeface="Times New Roman" panose="02020603050405020304" pitchFamily="18" charset="0"/>
                           <a:cs typeface="Times New Roman" panose="02020603050405020304" pitchFamily="18" charset="0"/>
                         </a:rPr>
@@ -6248,6 +6267,11 @@
                   </a:txBody>
                   <a:tcPr/>
                 </a:tc>
+                <a:extLst>
+                  <a:ext uri="{0D108BD9-81ED-4DB2-BD59-A6C34878D82A}">
+                    <a16:rowId xmlns:a16="http://schemas.microsoft.com/office/drawing/2014/main" val="10002"/>
+                  </a:ext>
+                </a:extLst>
               </a:tr>
               <a:tr h="370840">
                 <a:tc>
@@ -6257,14 +6281,14 @@
                     <a:p>
                       <a:pPr algn="ctr"/>
                       <a:r>
-                        <a:rPr lang="en-US" altLang="zh-CN" i="1" dirty="0" smtClean="0">
+                        <a:rPr lang="en-US" altLang="zh-CN" i="1" dirty="0">
                           <a:latin typeface="Times New Roman" panose="02020603050405020304" pitchFamily="18" charset="0"/>
                           <a:cs typeface="Times New Roman" panose="02020603050405020304" pitchFamily="18" charset="0"/>
                         </a:rPr>
                         <a:t>h</a:t>
                       </a:r>
                       <a:r>
-                        <a:rPr lang="en-US" altLang="zh-CN" baseline="-25000" dirty="0" smtClean="0">
+                        <a:rPr lang="en-US" altLang="zh-CN" baseline="-25000" dirty="0">
                           <a:latin typeface="Times New Roman" panose="02020603050405020304" pitchFamily="18" charset="0"/>
                           <a:cs typeface="Times New Roman" panose="02020603050405020304" pitchFamily="18" charset="0"/>
                         </a:rPr>
@@ -6285,7 +6309,7 @@
                     <a:p>
                       <a:pPr marL="0" algn="ctr" defTabSz="914400" rtl="0" eaLnBrk="1" latinLnBrk="0" hangingPunct="1"/>
                       <a:r>
-                        <a:rPr lang="en-US" altLang="zh-CN" sz="1800" kern="1200" dirty="0" smtClean="0">
+                        <a:rPr lang="en-US" altLang="zh-CN" sz="1800" kern="1200" dirty="0">
                           <a:solidFill>
                             <a:schemeClr val="dk1"/>
                           </a:solidFill>
@@ -6314,7 +6338,7 @@
                     <a:p>
                       <a:pPr algn="ctr"/>
                       <a:r>
-                        <a:rPr lang="en-US" altLang="zh-CN" dirty="0" smtClean="0">
+                        <a:rPr lang="en-US" altLang="zh-CN" dirty="0">
                           <a:latin typeface="Times New Roman" panose="02020603050405020304" pitchFamily="18" charset="0"/>
                           <a:cs typeface="Times New Roman" panose="02020603050405020304" pitchFamily="18" charset="0"/>
                         </a:rPr>
@@ -6335,7 +6359,7 @@
                     <a:p>
                       <a:pPr algn="ctr"/>
                       <a:r>
-                        <a:rPr lang="en-US" altLang="zh-CN" dirty="0" smtClean="0">
+                        <a:rPr lang="en-US" altLang="zh-CN" dirty="0">
                           <a:latin typeface="Times New Roman" panose="02020603050405020304" pitchFamily="18" charset="0"/>
                           <a:cs typeface="Times New Roman" panose="02020603050405020304" pitchFamily="18" charset="0"/>
                         </a:rPr>
@@ -6356,7 +6380,7 @@
                     <a:p>
                       <a:pPr algn="ctr"/>
                       <a:r>
-                        <a:rPr lang="en-US" altLang="zh-CN" dirty="0" smtClean="0">
+                        <a:rPr lang="en-US" altLang="zh-CN" dirty="0">
                           <a:latin typeface="Times New Roman" panose="02020603050405020304" pitchFamily="18" charset="0"/>
                           <a:cs typeface="Times New Roman" panose="02020603050405020304" pitchFamily="18" charset="0"/>
                         </a:rPr>
@@ -6370,6 +6394,11 @@
                   </a:txBody>
                   <a:tcPr/>
                 </a:tc>
+                <a:extLst>
+                  <a:ext uri="{0D108BD9-81ED-4DB2-BD59-A6C34878D82A}">
+                    <a16:rowId xmlns:a16="http://schemas.microsoft.com/office/drawing/2014/main" val="10003"/>
+                  </a:ext>
+                </a:extLst>
               </a:tr>
               <a:tr h="370840">
                 <a:tc>
@@ -6379,16 +6408,12 @@
                     <a:p>
                       <a:pPr algn="ctr"/>
                       <a:r>
-                        <a:rPr lang="zh-CN" altLang="en-US" dirty="0" smtClean="0">
+                        <a:rPr lang="zh-CN" altLang="en-US" dirty="0">
                           <a:latin typeface="Times New Roman" panose="02020603050405020304" pitchFamily="18" charset="0"/>
                           <a:cs typeface="Times New Roman" panose="02020603050405020304" pitchFamily="18" charset="0"/>
                         </a:rPr>
                         <a:t>集成</a:t>
                       </a:r>
-                      <a:endParaRPr lang="zh-CN" altLang="en-US" dirty="0">
-                        <a:latin typeface="Times New Roman" panose="02020603050405020304" pitchFamily="18" charset="0"/>
-                        <a:cs typeface="Times New Roman" panose="02020603050405020304" pitchFamily="18" charset="0"/>
-                      </a:endParaRPr>
                     </a:p>
                   </a:txBody>
                   <a:tcPr/>
@@ -6414,7 +6439,7 @@
                     <a:p>
                       <a:pPr algn="ctr"/>
                       <a:r>
-                        <a:rPr lang="en-US" altLang="zh-CN" dirty="0" smtClean="0">
+                        <a:rPr lang="en-US" altLang="zh-CN" dirty="0">
                           <a:latin typeface="Times New Roman" panose="02020603050405020304" pitchFamily="18" charset="0"/>
                           <a:cs typeface="Times New Roman" panose="02020603050405020304" pitchFamily="18" charset="0"/>
                         </a:rPr>
@@ -6435,7 +6460,7 @@
                     <a:p>
                       <a:pPr algn="ctr"/>
                       <a:r>
-                        <a:rPr lang="en-US" altLang="zh-CN" dirty="0" smtClean="0">
+                        <a:rPr lang="en-US" altLang="zh-CN" dirty="0">
                           <a:latin typeface="Times New Roman" panose="02020603050405020304" pitchFamily="18" charset="0"/>
                           <a:cs typeface="Times New Roman" panose="02020603050405020304" pitchFamily="18" charset="0"/>
                         </a:rPr>
@@ -6456,20 +6481,21 @@
                     <a:p>
                       <a:pPr algn="ctr"/>
                       <a:r>
-                        <a:rPr lang="zh-CN" altLang="en-US" dirty="0" smtClean="0">
+                        <a:rPr lang="zh-CN" altLang="en-US" dirty="0">
                           <a:latin typeface="Times New Roman" panose="02020603050405020304" pitchFamily="18" charset="0"/>
                           <a:cs typeface="Times New Roman" panose="02020603050405020304" pitchFamily="18" charset="0"/>
                         </a:rPr>
                         <a:t>？</a:t>
                       </a:r>
-                      <a:endParaRPr lang="zh-CN" altLang="en-US" dirty="0">
-                        <a:latin typeface="Times New Roman" panose="02020603050405020304" pitchFamily="18" charset="0"/>
-                        <a:cs typeface="Times New Roman" panose="02020603050405020304" pitchFamily="18" charset="0"/>
-                      </a:endParaRPr>
                     </a:p>
                   </a:txBody>
                   <a:tcPr/>
                 </a:tc>
+                <a:extLst>
+                  <a:ext uri="{0D108BD9-81ED-4DB2-BD59-A6C34878D82A}">
+                    <a16:rowId xmlns:a16="http://schemas.microsoft.com/office/drawing/2014/main" val="10004"/>
+                  </a:ext>
+                </a:extLst>
               </a:tr>
             </a:tbl>
           </a:graphicData>
@@ -6530,7 +6556,7 @@
               <a:buChar char="l"/>
             </a:pPr>
             <a:r>
-              <a:rPr lang="en-US" altLang="zh-CN" dirty="0" smtClean="0"/>
+              <a:rPr lang="en-US" altLang="zh-CN" dirty="0"/>
               <a:t>Majority voting</a:t>
             </a:r>
           </a:p>
@@ -6546,24 +6572,7 @@
               <a:buFont typeface="Wingdings" panose="05000000000000000000" pitchFamily="2" charset="2"/>
               <a:buChar char="l"/>
             </a:pPr>
-            <a:endParaRPr lang="en-US" altLang="zh-CN" dirty="0" smtClean="0"/>
-          </a:p>
-          <a:p>
-            <a:pPr marL="342900" indent="-342900">
-              <a:buFont typeface="Wingdings" panose="05000000000000000000" pitchFamily="2" charset="2"/>
-              <a:buChar char="l"/>
-            </a:pPr>
-            <a:endParaRPr lang="en-US" altLang="zh-CN" dirty="0" smtClean="0"/>
-          </a:p>
-          <a:p>
-            <a:pPr marL="342900" indent="-342900">
-              <a:buFont typeface="Wingdings" panose="05000000000000000000" pitchFamily="2" charset="2"/>
-              <a:buChar char="l"/>
-            </a:pPr>
-            <a:r>
-              <a:rPr lang="en-US" altLang="zh-CN" dirty="0" smtClean="0"/>
-              <a:t>Plurality voting</a:t>
-            </a:r>
+            <a:endParaRPr lang="en-US" altLang="zh-CN" dirty="0"/>
           </a:p>
           <a:p>
             <a:pPr marL="342900" indent="-342900">
@@ -6577,7 +6586,10 @@
               <a:buFont typeface="Wingdings" panose="05000000000000000000" pitchFamily="2" charset="2"/>
               <a:buChar char="l"/>
             </a:pPr>
-            <a:endParaRPr lang="en-US" altLang="zh-CN" dirty="0" smtClean="0"/>
+            <a:r>
+              <a:rPr lang="en-US" altLang="zh-CN" dirty="0"/>
+              <a:t>Plurality voting</a:t>
+            </a:r>
           </a:p>
           <a:p>
             <a:pPr marL="342900" indent="-342900">
@@ -6591,11 +6603,24 @@
               <a:buFont typeface="Wingdings" panose="05000000000000000000" pitchFamily="2" charset="2"/>
               <a:buChar char="l"/>
             </a:pPr>
-            <a:r>
-              <a:rPr lang="en-US" altLang="zh-CN" dirty="0" smtClean="0"/>
+            <a:endParaRPr lang="en-US" altLang="zh-CN" dirty="0"/>
+          </a:p>
+          <a:p>
+            <a:pPr marL="342900" indent="-342900">
+              <a:buFont typeface="Wingdings" panose="05000000000000000000" pitchFamily="2" charset="2"/>
+              <a:buChar char="l"/>
+            </a:pPr>
+            <a:endParaRPr lang="en-US" altLang="zh-CN" dirty="0"/>
+          </a:p>
+          <a:p>
+            <a:pPr marL="342900" indent="-342900">
+              <a:buFont typeface="Wingdings" panose="05000000000000000000" pitchFamily="2" charset="2"/>
+              <a:buChar char="l"/>
+            </a:pPr>
+            <a:r>
+              <a:rPr lang="en-US" altLang="zh-CN" dirty="0"/>
               <a:t>Weighted voting</a:t>
             </a:r>
-            <a:endParaRPr lang="en-US" altLang="zh-CN" dirty="0"/>
           </a:p>
         </p:txBody>
       </p:sp>
@@ -6615,7 +6640,7 @@
           <a:lstStyle/>
           <a:p>
             <a:r>
-              <a:rPr lang="en-US" altLang="zh-CN" dirty="0" smtClean="0"/>
+              <a:rPr lang="en-US" altLang="zh-CN" dirty="0"/>
               <a:t>Voting (classification)</a:t>
             </a:r>
             <a:endParaRPr lang="zh-CN" altLang="en-US" dirty="0"/>
@@ -6644,7 +6669,7 @@
           <a:graphicData uri="http://schemas.openxmlformats.org/presentationml/2006/ole">
             <mc:AlternateContent xmlns:mc="http://schemas.openxmlformats.org/markup-compatibility/2006">
               <mc:Choice xmlns:v="urn:schemas-microsoft-com:vml" Requires="v">
-                <p:oleObj spid="_x0000_s11290" name="Equation" r:id="rId3" imgW="2946240" imgH="685800" progId="Equation.DSMT4">
+                <p:oleObj spid="_x0000_s11294" name="Equation" r:id="rId3" imgW="2946240" imgH="685800" progId="Equation.DSMT4">
                   <p:embed/>
                 </p:oleObj>
               </mc:Choice>
@@ -6701,7 +6726,7 @@
           <a:graphicData uri="http://schemas.openxmlformats.org/presentationml/2006/ole">
             <mc:AlternateContent xmlns:mc="http://schemas.openxmlformats.org/markup-compatibility/2006">
               <mc:Choice xmlns:v="urn:schemas-microsoft-com:vml" Requires="v">
-                <p:oleObj spid="_x0000_s11291" name="Equation" r:id="rId5" imgW="1282680" imgH="368280" progId="Equation.DSMT4">
+                <p:oleObj spid="_x0000_s11295" name="Equation" r:id="rId5" imgW="1282680" imgH="368280" progId="Equation.DSMT4">
                   <p:embed/>
                 </p:oleObj>
               </mc:Choice>
@@ -6758,7 +6783,7 @@
           <a:graphicData uri="http://schemas.openxmlformats.org/presentationml/2006/ole">
             <mc:AlternateContent xmlns:mc="http://schemas.openxmlformats.org/markup-compatibility/2006">
               <mc:Choice xmlns:v="urn:schemas-microsoft-com:vml" Requires="v">
-                <p:oleObj spid="_x0000_s11292" name="Equation" r:id="rId7" imgW="1371600" imgH="368280" progId="Equation.DSMT4">
+                <p:oleObj spid="_x0000_s11296" name="Equation" r:id="rId7" imgW="1371600" imgH="368280" progId="Equation.DSMT4">
                   <p:embed/>
                 </p:oleObj>
               </mc:Choice>
@@ -6815,7 +6840,7 @@
           <a:graphicData uri="http://schemas.openxmlformats.org/presentationml/2006/ole">
             <mc:AlternateContent xmlns:mc="http://schemas.openxmlformats.org/markup-compatibility/2006">
               <mc:Choice xmlns:v="urn:schemas-microsoft-com:vml" Requires="v">
-                <p:oleObj spid="_x0000_s11293" name="Equation" r:id="rId9" imgW="990360" imgH="431640" progId="Equation.DSMT4">
+                <p:oleObj spid="_x0000_s11297" name="Equation" r:id="rId9" imgW="990360" imgH="431640" progId="Equation.DSMT4">
                   <p:embed/>
                 </p:oleObj>
               </mc:Choice>
@@ -6900,7 +6925,7 @@
               <a:buChar char="l"/>
             </a:pPr>
             <a:r>
-              <a:rPr lang="en-US" altLang="zh-CN" dirty="0" smtClean="0"/>
+              <a:rPr lang="en-US" altLang="zh-CN" dirty="0"/>
               <a:t>Hard voting</a:t>
             </a:r>
           </a:p>
@@ -6916,14 +6941,7 @@
               <a:buFont typeface="Wingdings" panose="05000000000000000000" pitchFamily="2" charset="2"/>
               <a:buChar char="l"/>
             </a:pPr>
-            <a:endParaRPr lang="en-US" altLang="zh-CN" dirty="0" smtClean="0"/>
-          </a:p>
-          <a:p>
-            <a:pPr marL="342900" indent="-342900">
-              <a:buFont typeface="Wingdings" panose="05000000000000000000" pitchFamily="2" charset="2"/>
-              <a:buChar char="l"/>
-            </a:pPr>
-            <a:endParaRPr lang="en-US" altLang="zh-CN" dirty="0" smtClean="0"/>
+            <a:endParaRPr lang="en-US" altLang="zh-CN" dirty="0"/>
           </a:p>
           <a:p>
             <a:pPr marL="342900" indent="-342900">
@@ -6937,8 +6955,15 @@
               <a:buFont typeface="Wingdings" panose="05000000000000000000" pitchFamily="2" charset="2"/>
               <a:buChar char="l"/>
             </a:pPr>
-            <a:r>
-              <a:rPr lang="en-US" altLang="zh-CN" dirty="0" smtClean="0"/>
+            <a:endParaRPr lang="en-US" altLang="zh-CN" dirty="0"/>
+          </a:p>
+          <a:p>
+            <a:pPr marL="342900" indent="-342900">
+              <a:buFont typeface="Wingdings" panose="05000000000000000000" pitchFamily="2" charset="2"/>
+              <a:buChar char="l"/>
+            </a:pPr>
+            <a:r>
+              <a:rPr lang="en-US" altLang="zh-CN" dirty="0"/>
               <a:t>Soft voting</a:t>
             </a:r>
             <a:endParaRPr lang="zh-CN" altLang="en-US" dirty="0"/>
@@ -6961,12 +6986,8 @@
           <a:lstStyle/>
           <a:p>
             <a:r>
-              <a:rPr lang="en-US" altLang="zh-CN" dirty="0" smtClean="0"/>
-              <a:t>Voting </a:t>
-            </a:r>
-            <a:r>
               <a:rPr lang="en-US" altLang="zh-CN" dirty="0"/>
-              <a:t>(classification)</a:t>
+              <a:t>Voting (classification)</a:t>
             </a:r>
             <a:endParaRPr lang="zh-CN" altLang="en-US" dirty="0"/>
           </a:p>
@@ -6997,10 +7018,34 @@
                 <a:tableStyleId>{5C22544A-7EE6-4342-B048-85BDC9FD1C3A}</a:tableStyleId>
               </a:tblPr>
               <a:tblGrid>
-                <a:gridCol w="660255"/>
-                <a:gridCol w="995163"/>
-                <a:gridCol w="1008112"/>
-                <a:gridCol w="1008113"/>
+                <a:gridCol w="660255">
+                  <a:extLst>
+                    <a:ext uri="{9D8B030D-6E8A-4147-A177-3AD203B41FA5}">
+                      <a16:colId xmlns:a16="http://schemas.microsoft.com/office/drawing/2014/main" val="20000"/>
+                    </a:ext>
+                  </a:extLst>
+                </a:gridCol>
+                <a:gridCol w="995163">
+                  <a:extLst>
+                    <a:ext uri="{9D8B030D-6E8A-4147-A177-3AD203B41FA5}">
+                      <a16:colId xmlns:a16="http://schemas.microsoft.com/office/drawing/2014/main" val="20001"/>
+                    </a:ext>
+                  </a:extLst>
+                </a:gridCol>
+                <a:gridCol w="1008112">
+                  <a:extLst>
+                    <a:ext uri="{9D8B030D-6E8A-4147-A177-3AD203B41FA5}">
+                      <a16:colId xmlns:a16="http://schemas.microsoft.com/office/drawing/2014/main" val="20002"/>
+                    </a:ext>
+                  </a:extLst>
+                </a:gridCol>
+                <a:gridCol w="1008113">
+                  <a:extLst>
+                    <a:ext uri="{9D8B030D-6E8A-4147-A177-3AD203B41FA5}">
+                      <a16:colId xmlns:a16="http://schemas.microsoft.com/office/drawing/2014/main" val="20003"/>
+                    </a:ext>
+                  </a:extLst>
+                </a:gridCol>
               </a:tblGrid>
               <a:tr h="370840">
                 <a:tc>
@@ -7021,11 +7066,11 @@
                     <a:p>
                       <a:pPr algn="ctr"/>
                       <a:r>
-                        <a:rPr lang="zh-CN" altLang="en-US" dirty="0" smtClean="0"/>
+                        <a:rPr lang="zh-CN" altLang="en-US" dirty="0"/>
                         <a:t>类</a:t>
                       </a:r>
                       <a:r>
-                        <a:rPr lang="en-US" altLang="zh-CN" dirty="0" smtClean="0"/>
+                        <a:rPr lang="en-US" altLang="zh-CN" dirty="0"/>
                         <a:t>1</a:t>
                       </a:r>
                       <a:endParaRPr lang="zh-CN" altLang="en-US" dirty="0"/>
@@ -7040,11 +7085,11 @@
                     <a:p>
                       <a:pPr algn="ctr"/>
                       <a:r>
-                        <a:rPr lang="zh-CN" altLang="en-US" dirty="0" smtClean="0"/>
+                        <a:rPr lang="zh-CN" altLang="en-US" dirty="0"/>
                         <a:t>类</a:t>
                       </a:r>
                       <a:r>
-                        <a:rPr lang="en-US" altLang="zh-CN" dirty="0" smtClean="0"/>
+                        <a:rPr lang="en-US" altLang="zh-CN" dirty="0"/>
                         <a:t>2</a:t>
                       </a:r>
                       <a:endParaRPr lang="zh-CN" altLang="en-US" dirty="0"/>
@@ -7059,11 +7104,11 @@
                     <a:p>
                       <a:pPr algn="ctr"/>
                       <a:r>
-                        <a:rPr lang="zh-CN" altLang="en-US" dirty="0" smtClean="0"/>
+                        <a:rPr lang="zh-CN" altLang="en-US" dirty="0"/>
                         <a:t>类</a:t>
                       </a:r>
                       <a:r>
-                        <a:rPr lang="en-US" altLang="zh-CN" dirty="0" smtClean="0"/>
+                        <a:rPr lang="en-US" altLang="zh-CN" dirty="0"/>
                         <a:t>3</a:t>
                       </a:r>
                       <a:endParaRPr lang="zh-CN" altLang="en-US" dirty="0"/>
@@ -7071,6 +7116,11 @@
                   </a:txBody>
                   <a:tcPr/>
                 </a:tc>
+                <a:extLst>
+                  <a:ext uri="{0D108BD9-81ED-4DB2-BD59-A6C34878D82A}">
+                    <a16:rowId xmlns:a16="http://schemas.microsoft.com/office/drawing/2014/main" val="10000"/>
+                  </a:ext>
+                </a:extLst>
               </a:tr>
               <a:tr h="370840">
                 <a:tc>
@@ -7080,14 +7130,14 @@
                     <a:p>
                       <a:pPr algn="ctr"/>
                       <a:r>
-                        <a:rPr lang="en-US" altLang="zh-CN" i="1" dirty="0" smtClean="0">
+                        <a:rPr lang="en-US" altLang="zh-CN" i="1" dirty="0">
                           <a:latin typeface="Times New Roman" panose="02020603050405020304" pitchFamily="18" charset="0"/>
                           <a:cs typeface="Times New Roman" panose="02020603050405020304" pitchFamily="18" charset="0"/>
                         </a:rPr>
                         <a:t>h</a:t>
                       </a:r>
                       <a:r>
-                        <a:rPr lang="en-US" altLang="zh-CN" i="0" baseline="-25000" dirty="0" smtClean="0">
+                        <a:rPr lang="en-US" altLang="zh-CN" i="0" baseline="-25000" dirty="0">
                           <a:latin typeface="Times New Roman" panose="02020603050405020304" pitchFamily="18" charset="0"/>
                           <a:cs typeface="Times New Roman" panose="02020603050405020304" pitchFamily="18" charset="0"/>
                         </a:rPr>
@@ -7108,7 +7158,7 @@
                     <a:p>
                       <a:pPr algn="ctr"/>
                       <a:r>
-                        <a:rPr lang="en-US" altLang="zh-CN" dirty="0" smtClean="0">
+                        <a:rPr lang="en-US" altLang="zh-CN" dirty="0">
                           <a:latin typeface="Times New Roman" panose="02020603050405020304" pitchFamily="18" charset="0"/>
                           <a:cs typeface="Times New Roman" panose="02020603050405020304" pitchFamily="18" charset="0"/>
                         </a:rPr>
@@ -7129,7 +7179,7 @@
                     <a:p>
                       <a:pPr algn="ctr"/>
                       <a:r>
-                        <a:rPr lang="en-US" altLang="zh-CN" dirty="0" smtClean="0">
+                        <a:rPr lang="en-US" altLang="zh-CN" dirty="0">
                           <a:latin typeface="Times New Roman" panose="02020603050405020304" pitchFamily="18" charset="0"/>
                           <a:cs typeface="Times New Roman" panose="02020603050405020304" pitchFamily="18" charset="0"/>
                         </a:rPr>
@@ -7150,7 +7200,7 @@
                     <a:p>
                       <a:pPr algn="ctr"/>
                       <a:r>
-                        <a:rPr lang="en-US" altLang="zh-CN" dirty="0" smtClean="0">
+                        <a:rPr lang="en-US" altLang="zh-CN" dirty="0">
                           <a:latin typeface="Times New Roman" panose="02020603050405020304" pitchFamily="18" charset="0"/>
                           <a:cs typeface="Times New Roman" panose="02020603050405020304" pitchFamily="18" charset="0"/>
                         </a:rPr>
@@ -7164,6 +7214,11 @@
                   </a:txBody>
                   <a:tcPr/>
                 </a:tc>
+                <a:extLst>
+                  <a:ext uri="{0D108BD9-81ED-4DB2-BD59-A6C34878D82A}">
+                    <a16:rowId xmlns:a16="http://schemas.microsoft.com/office/drawing/2014/main" val="10001"/>
+                  </a:ext>
+                </a:extLst>
               </a:tr>
               <a:tr h="370840">
                 <a:tc>
@@ -7173,14 +7228,14 @@
                     <a:p>
                       <a:pPr algn="ctr"/>
                       <a:r>
-                        <a:rPr lang="en-US" altLang="zh-CN" i="1" dirty="0" smtClean="0">
+                        <a:rPr lang="en-US" altLang="zh-CN" i="1" dirty="0">
                           <a:latin typeface="Times New Roman" panose="02020603050405020304" pitchFamily="18" charset="0"/>
                           <a:cs typeface="Times New Roman" panose="02020603050405020304" pitchFamily="18" charset="0"/>
                         </a:rPr>
                         <a:t>h</a:t>
                       </a:r>
                       <a:r>
-                        <a:rPr lang="en-US" altLang="zh-CN" i="0" baseline="-25000" dirty="0" smtClean="0">
+                        <a:rPr lang="en-US" altLang="zh-CN" i="0" baseline="-25000" dirty="0">
                           <a:latin typeface="Times New Roman" panose="02020603050405020304" pitchFamily="18" charset="0"/>
                           <a:cs typeface="Times New Roman" panose="02020603050405020304" pitchFamily="18" charset="0"/>
                         </a:rPr>
@@ -7201,7 +7256,7 @@
                     <a:p>
                       <a:pPr algn="ctr"/>
                       <a:r>
-                        <a:rPr lang="en-US" altLang="zh-CN" dirty="0" smtClean="0">
+                        <a:rPr lang="en-US" altLang="zh-CN" dirty="0">
                           <a:latin typeface="Times New Roman" panose="02020603050405020304" pitchFamily="18" charset="0"/>
                           <a:cs typeface="Times New Roman" panose="02020603050405020304" pitchFamily="18" charset="0"/>
                         </a:rPr>
@@ -7222,7 +7277,7 @@
                     <a:p>
                       <a:pPr algn="ctr"/>
                       <a:r>
-                        <a:rPr lang="en-US" altLang="zh-CN" dirty="0" smtClean="0">
+                        <a:rPr lang="en-US" altLang="zh-CN" dirty="0">
                           <a:latin typeface="Times New Roman" panose="02020603050405020304" pitchFamily="18" charset="0"/>
                           <a:cs typeface="Times New Roman" panose="02020603050405020304" pitchFamily="18" charset="0"/>
                         </a:rPr>
@@ -7243,7 +7298,7 @@
                     <a:p>
                       <a:pPr algn="ctr"/>
                       <a:r>
-                        <a:rPr lang="en-US" altLang="zh-CN" dirty="0" smtClean="0">
+                        <a:rPr lang="en-US" altLang="zh-CN" dirty="0">
                           <a:latin typeface="Times New Roman" panose="02020603050405020304" pitchFamily="18" charset="0"/>
                           <a:cs typeface="Times New Roman" panose="02020603050405020304" pitchFamily="18" charset="0"/>
                         </a:rPr>
@@ -7257,6 +7312,11 @@
                   </a:txBody>
                   <a:tcPr/>
                 </a:tc>
+                <a:extLst>
+                  <a:ext uri="{0D108BD9-81ED-4DB2-BD59-A6C34878D82A}">
+                    <a16:rowId xmlns:a16="http://schemas.microsoft.com/office/drawing/2014/main" val="10002"/>
+                  </a:ext>
+                </a:extLst>
               </a:tr>
               <a:tr h="370840">
                 <a:tc>
@@ -7266,14 +7326,14 @@
                     <a:p>
                       <a:pPr algn="ctr"/>
                       <a:r>
-                        <a:rPr lang="en-US" altLang="zh-CN" i="1" dirty="0" smtClean="0">
+                        <a:rPr lang="en-US" altLang="zh-CN" i="1" dirty="0">
                           <a:latin typeface="Times New Roman" panose="02020603050405020304" pitchFamily="18" charset="0"/>
                           <a:cs typeface="Times New Roman" panose="02020603050405020304" pitchFamily="18" charset="0"/>
                         </a:rPr>
                         <a:t>h</a:t>
                       </a:r>
                       <a:r>
-                        <a:rPr lang="en-US" altLang="zh-CN" baseline="-25000" dirty="0" smtClean="0">
+                        <a:rPr lang="en-US" altLang="zh-CN" baseline="-25000" dirty="0">
                           <a:latin typeface="Times New Roman" panose="02020603050405020304" pitchFamily="18" charset="0"/>
                           <a:cs typeface="Times New Roman" panose="02020603050405020304" pitchFamily="18" charset="0"/>
                         </a:rPr>
@@ -7294,7 +7354,7 @@
                     <a:p>
                       <a:pPr algn="ctr"/>
                       <a:r>
-                        <a:rPr lang="en-US" altLang="zh-CN" dirty="0" smtClean="0">
+                        <a:rPr lang="en-US" altLang="zh-CN" dirty="0">
                           <a:latin typeface="Times New Roman" panose="02020603050405020304" pitchFamily="18" charset="0"/>
                           <a:cs typeface="Times New Roman" panose="02020603050405020304" pitchFamily="18" charset="0"/>
                         </a:rPr>
@@ -7315,7 +7375,7 @@
                     <a:p>
                       <a:pPr algn="ctr"/>
                       <a:r>
-                        <a:rPr lang="en-US" altLang="zh-CN" dirty="0" smtClean="0">
+                        <a:rPr lang="en-US" altLang="zh-CN" dirty="0">
                           <a:latin typeface="Times New Roman" panose="02020603050405020304" pitchFamily="18" charset="0"/>
                           <a:cs typeface="Times New Roman" panose="02020603050405020304" pitchFamily="18" charset="0"/>
                         </a:rPr>
@@ -7336,7 +7396,7 @@
                     <a:p>
                       <a:pPr algn="ctr"/>
                       <a:r>
-                        <a:rPr lang="en-US" altLang="zh-CN" dirty="0" smtClean="0">
+                        <a:rPr lang="en-US" altLang="zh-CN" dirty="0">
                           <a:latin typeface="Times New Roman" panose="02020603050405020304" pitchFamily="18" charset="0"/>
                           <a:cs typeface="Times New Roman" panose="02020603050405020304" pitchFamily="18" charset="0"/>
                         </a:rPr>
@@ -7350,6 +7410,11 @@
                   </a:txBody>
                   <a:tcPr/>
                 </a:tc>
+                <a:extLst>
+                  <a:ext uri="{0D108BD9-81ED-4DB2-BD59-A6C34878D82A}">
+                    <a16:rowId xmlns:a16="http://schemas.microsoft.com/office/drawing/2014/main" val="10003"/>
+                  </a:ext>
+                </a:extLst>
               </a:tr>
               <a:tr h="370840">
                 <a:tc>
@@ -7359,11 +7424,28 @@
                     <a:p>
                       <a:pPr algn="ctr"/>
                       <a:r>
-                        <a:rPr lang="zh-CN" altLang="en-US" dirty="0" smtClean="0">
+                        <a:rPr lang="zh-CN" altLang="en-US" dirty="0">
                           <a:latin typeface="Times New Roman" panose="02020603050405020304" pitchFamily="18" charset="0"/>
                           <a:cs typeface="Times New Roman" panose="02020603050405020304" pitchFamily="18" charset="0"/>
                         </a:rPr>
                         <a:t>集成</a:t>
+                      </a:r>
+                    </a:p>
+                  </a:txBody>
+                  <a:tcPr/>
+                </a:tc>
+                <a:tc>
+                  <a:txBody>
+                    <a:bodyPr/>
+                    <a:lstStyle/>
+                    <a:p>
+                      <a:pPr algn="ctr"/>
+                      <a:r>
+                        <a:rPr lang="en-US" altLang="zh-CN" dirty="0">
+                          <a:latin typeface="Times New Roman" panose="02020603050405020304" pitchFamily="18" charset="0"/>
+                          <a:cs typeface="Times New Roman" panose="02020603050405020304" pitchFamily="18" charset="0"/>
+                        </a:rPr>
+                        <a:t>1</a:t>
                       </a:r>
                       <a:endParaRPr lang="zh-CN" altLang="en-US" dirty="0">
                         <a:latin typeface="Times New Roman" panose="02020603050405020304" pitchFamily="18" charset="0"/>
@@ -7380,11 +7462,11 @@
                     <a:p>
                       <a:pPr algn="ctr"/>
                       <a:r>
-                        <a:rPr lang="en-US" altLang="zh-CN" dirty="0" smtClean="0">
+                        <a:rPr lang="en-US" altLang="zh-CN" dirty="0">
                           <a:latin typeface="Times New Roman" panose="02020603050405020304" pitchFamily="18" charset="0"/>
                           <a:cs typeface="Times New Roman" panose="02020603050405020304" pitchFamily="18" charset="0"/>
                         </a:rPr>
-                        <a:t>1</a:t>
+                        <a:t>0</a:t>
                       </a:r>
                       <a:endParaRPr lang="zh-CN" altLang="en-US" dirty="0">
                         <a:latin typeface="Times New Roman" panose="02020603050405020304" pitchFamily="18" charset="0"/>
@@ -7401,7 +7483,7 @@
                     <a:p>
                       <a:pPr algn="ctr"/>
                       <a:r>
-                        <a:rPr lang="en-US" altLang="zh-CN" dirty="0" smtClean="0">
+                        <a:rPr lang="en-US" altLang="zh-CN" dirty="0">
                           <a:latin typeface="Times New Roman" panose="02020603050405020304" pitchFamily="18" charset="0"/>
                           <a:cs typeface="Times New Roman" panose="02020603050405020304" pitchFamily="18" charset="0"/>
                         </a:rPr>
@@ -7415,27 +7497,11 @@
                   </a:txBody>
                   <a:tcPr/>
                 </a:tc>
-                <a:tc>
-                  <a:txBody>
-                    <a:bodyPr/>
-                    <a:lstStyle/>
-                    <a:p>
-                      <a:pPr algn="ctr"/>
-                      <a:r>
-                        <a:rPr lang="en-US" altLang="zh-CN" dirty="0" smtClean="0">
-                          <a:latin typeface="Times New Roman" panose="02020603050405020304" pitchFamily="18" charset="0"/>
-                          <a:cs typeface="Times New Roman" panose="02020603050405020304" pitchFamily="18" charset="0"/>
-                        </a:rPr>
-                        <a:t>0</a:t>
-                      </a:r>
-                      <a:endParaRPr lang="zh-CN" altLang="en-US" dirty="0">
-                        <a:latin typeface="Times New Roman" panose="02020603050405020304" pitchFamily="18" charset="0"/>
-                        <a:cs typeface="Times New Roman" panose="02020603050405020304" pitchFamily="18" charset="0"/>
-                      </a:endParaRPr>
-                    </a:p>
-                  </a:txBody>
-                  <a:tcPr/>
-                </a:tc>
+                <a:extLst>
+                  <a:ext uri="{0D108BD9-81ED-4DB2-BD59-A6C34878D82A}">
+                    <a16:rowId xmlns:a16="http://schemas.microsoft.com/office/drawing/2014/main" val="10004"/>
+                  </a:ext>
+                </a:extLst>
               </a:tr>
             </a:tbl>
           </a:graphicData>
@@ -7466,10 +7532,34 @@
                 <a:tableStyleId>{5C22544A-7EE6-4342-B048-85BDC9FD1C3A}</a:tableStyleId>
               </a:tblPr>
               <a:tblGrid>
-                <a:gridCol w="660255"/>
-                <a:gridCol w="995163"/>
-                <a:gridCol w="1008112"/>
-                <a:gridCol w="1008113"/>
+                <a:gridCol w="660255">
+                  <a:extLst>
+                    <a:ext uri="{9D8B030D-6E8A-4147-A177-3AD203B41FA5}">
+                      <a16:colId xmlns:a16="http://schemas.microsoft.com/office/drawing/2014/main" val="20000"/>
+                    </a:ext>
+                  </a:extLst>
+                </a:gridCol>
+                <a:gridCol w="995163">
+                  <a:extLst>
+                    <a:ext uri="{9D8B030D-6E8A-4147-A177-3AD203B41FA5}">
+                      <a16:colId xmlns:a16="http://schemas.microsoft.com/office/drawing/2014/main" val="20001"/>
+                    </a:ext>
+                  </a:extLst>
+                </a:gridCol>
+                <a:gridCol w="1008112">
+                  <a:extLst>
+                    <a:ext uri="{9D8B030D-6E8A-4147-A177-3AD203B41FA5}">
+                      <a16:colId xmlns:a16="http://schemas.microsoft.com/office/drawing/2014/main" val="20002"/>
+                    </a:ext>
+                  </a:extLst>
+                </a:gridCol>
+                <a:gridCol w="1008113">
+                  <a:extLst>
+                    <a:ext uri="{9D8B030D-6E8A-4147-A177-3AD203B41FA5}">
+                      <a16:colId xmlns:a16="http://schemas.microsoft.com/office/drawing/2014/main" val="20003"/>
+                    </a:ext>
+                  </a:extLst>
+                </a:gridCol>
               </a:tblGrid>
               <a:tr h="370840">
                 <a:tc>
@@ -7490,11 +7580,11 @@
                     <a:p>
                       <a:pPr algn="ctr"/>
                       <a:r>
-                        <a:rPr lang="zh-CN" altLang="en-US" dirty="0" smtClean="0"/>
+                        <a:rPr lang="zh-CN" altLang="en-US" dirty="0"/>
                         <a:t>类</a:t>
                       </a:r>
                       <a:r>
-                        <a:rPr lang="en-US" altLang="zh-CN" dirty="0" smtClean="0"/>
+                        <a:rPr lang="en-US" altLang="zh-CN" dirty="0"/>
                         <a:t>1</a:t>
                       </a:r>
                       <a:endParaRPr lang="zh-CN" altLang="en-US" dirty="0"/>
@@ -7509,11 +7599,11 @@
                     <a:p>
                       <a:pPr algn="ctr"/>
                       <a:r>
-                        <a:rPr lang="zh-CN" altLang="en-US" dirty="0" smtClean="0"/>
+                        <a:rPr lang="zh-CN" altLang="en-US" dirty="0"/>
                         <a:t>类</a:t>
                       </a:r>
                       <a:r>
-                        <a:rPr lang="en-US" altLang="zh-CN" dirty="0" smtClean="0"/>
+                        <a:rPr lang="en-US" altLang="zh-CN" dirty="0"/>
                         <a:t>2</a:t>
                       </a:r>
                       <a:endParaRPr lang="zh-CN" altLang="en-US" dirty="0"/>
@@ -7528,11 +7618,11 @@
                     <a:p>
                       <a:pPr algn="ctr"/>
                       <a:r>
-                        <a:rPr lang="zh-CN" altLang="en-US" dirty="0" smtClean="0"/>
+                        <a:rPr lang="zh-CN" altLang="en-US" dirty="0"/>
                         <a:t>类</a:t>
                       </a:r>
                       <a:r>
-                        <a:rPr lang="en-US" altLang="zh-CN" dirty="0" smtClean="0"/>
+                        <a:rPr lang="en-US" altLang="zh-CN" dirty="0"/>
                         <a:t>3</a:t>
                       </a:r>
                       <a:endParaRPr lang="zh-CN" altLang="en-US" dirty="0"/>
@@ -7540,6 +7630,11 @@
                   </a:txBody>
                   <a:tcPr/>
                 </a:tc>
+                <a:extLst>
+                  <a:ext uri="{0D108BD9-81ED-4DB2-BD59-A6C34878D82A}">
+                    <a16:rowId xmlns:a16="http://schemas.microsoft.com/office/drawing/2014/main" val="10000"/>
+                  </a:ext>
+                </a:extLst>
               </a:tr>
               <a:tr h="370840">
                 <a:tc>
@@ -7549,14 +7644,14 @@
                     <a:p>
                       <a:pPr algn="ctr"/>
                       <a:r>
-                        <a:rPr lang="en-US" altLang="zh-CN" i="1" dirty="0" smtClean="0">
+                        <a:rPr lang="en-US" altLang="zh-CN" i="1" dirty="0">
                           <a:latin typeface="Times New Roman" panose="02020603050405020304" pitchFamily="18" charset="0"/>
                           <a:cs typeface="Times New Roman" panose="02020603050405020304" pitchFamily="18" charset="0"/>
                         </a:rPr>
                         <a:t>h</a:t>
                       </a:r>
                       <a:r>
-                        <a:rPr lang="en-US" altLang="zh-CN" i="0" baseline="-25000" dirty="0" smtClean="0">
+                        <a:rPr lang="en-US" altLang="zh-CN" i="0" baseline="-25000" dirty="0">
                           <a:latin typeface="Times New Roman" panose="02020603050405020304" pitchFamily="18" charset="0"/>
                           <a:cs typeface="Times New Roman" panose="02020603050405020304" pitchFamily="18" charset="0"/>
                         </a:rPr>
@@ -7577,7 +7672,7 @@
                     <a:p>
                       <a:pPr algn="ctr"/>
                       <a:r>
-                        <a:rPr lang="en-US" altLang="zh-CN" dirty="0" smtClean="0">
+                        <a:rPr lang="en-US" altLang="zh-CN" dirty="0">
                           <a:latin typeface="Times New Roman" panose="02020603050405020304" pitchFamily="18" charset="0"/>
                           <a:cs typeface="Times New Roman" panose="02020603050405020304" pitchFamily="18" charset="0"/>
                         </a:rPr>
@@ -7598,7 +7693,7 @@
                     <a:p>
                       <a:pPr algn="ctr"/>
                       <a:r>
-                        <a:rPr lang="en-US" altLang="zh-CN" dirty="0" smtClean="0">
+                        <a:rPr lang="en-US" altLang="zh-CN" dirty="0">
                           <a:latin typeface="Times New Roman" panose="02020603050405020304" pitchFamily="18" charset="0"/>
                           <a:cs typeface="Times New Roman" panose="02020603050405020304" pitchFamily="18" charset="0"/>
                         </a:rPr>
@@ -7619,7 +7714,7 @@
                     <a:p>
                       <a:pPr algn="ctr"/>
                       <a:r>
-                        <a:rPr lang="en-US" altLang="zh-CN" dirty="0" smtClean="0">
+                        <a:rPr lang="en-US" altLang="zh-CN" dirty="0">
                           <a:latin typeface="Times New Roman" panose="02020603050405020304" pitchFamily="18" charset="0"/>
                           <a:cs typeface="Times New Roman" panose="02020603050405020304" pitchFamily="18" charset="0"/>
                         </a:rPr>
@@ -7633,6 +7728,11 @@
                   </a:txBody>
                   <a:tcPr/>
                 </a:tc>
+                <a:extLst>
+                  <a:ext uri="{0D108BD9-81ED-4DB2-BD59-A6C34878D82A}">
+                    <a16:rowId xmlns:a16="http://schemas.microsoft.com/office/drawing/2014/main" val="10001"/>
+                  </a:ext>
+                </a:extLst>
               </a:tr>
               <a:tr h="370840">
                 <a:tc>
@@ -7642,14 +7742,14 @@
                     <a:p>
                       <a:pPr algn="ctr"/>
                       <a:r>
-                        <a:rPr lang="en-US" altLang="zh-CN" i="1" dirty="0" smtClean="0">
+                        <a:rPr lang="en-US" altLang="zh-CN" i="1" dirty="0">
                           <a:latin typeface="Times New Roman" panose="02020603050405020304" pitchFamily="18" charset="0"/>
                           <a:cs typeface="Times New Roman" panose="02020603050405020304" pitchFamily="18" charset="0"/>
                         </a:rPr>
                         <a:t>h</a:t>
                       </a:r>
                       <a:r>
-                        <a:rPr lang="en-US" altLang="zh-CN" i="0" baseline="-25000" dirty="0" smtClean="0">
+                        <a:rPr lang="en-US" altLang="zh-CN" i="0" baseline="-25000" dirty="0">
                           <a:latin typeface="Times New Roman" panose="02020603050405020304" pitchFamily="18" charset="0"/>
                           <a:cs typeface="Times New Roman" panose="02020603050405020304" pitchFamily="18" charset="0"/>
                         </a:rPr>
@@ -7670,7 +7770,7 @@
                     <a:p>
                       <a:pPr algn="ctr"/>
                       <a:r>
-                        <a:rPr lang="en-US" altLang="zh-CN" dirty="0" smtClean="0">
+                        <a:rPr lang="en-US" altLang="zh-CN" dirty="0">
                           <a:latin typeface="Times New Roman" panose="02020603050405020304" pitchFamily="18" charset="0"/>
                           <a:cs typeface="Times New Roman" panose="02020603050405020304" pitchFamily="18" charset="0"/>
                         </a:rPr>
@@ -7691,7 +7791,7 @@
                     <a:p>
                       <a:pPr algn="ctr"/>
                       <a:r>
-                        <a:rPr lang="en-US" altLang="zh-CN" dirty="0" smtClean="0">
+                        <a:rPr lang="en-US" altLang="zh-CN" dirty="0">
                           <a:latin typeface="Times New Roman" panose="02020603050405020304" pitchFamily="18" charset="0"/>
                           <a:cs typeface="Times New Roman" panose="02020603050405020304" pitchFamily="18" charset="0"/>
                         </a:rPr>
@@ -7712,7 +7812,7 @@
                     <a:p>
                       <a:pPr algn="ctr"/>
                       <a:r>
-                        <a:rPr lang="en-US" altLang="zh-CN" dirty="0" smtClean="0">
+                        <a:rPr lang="en-US" altLang="zh-CN" dirty="0">
                           <a:latin typeface="Times New Roman" panose="02020603050405020304" pitchFamily="18" charset="0"/>
                           <a:cs typeface="Times New Roman" panose="02020603050405020304" pitchFamily="18" charset="0"/>
                         </a:rPr>
@@ -7726,6 +7826,11 @@
                   </a:txBody>
                   <a:tcPr/>
                 </a:tc>
+                <a:extLst>
+                  <a:ext uri="{0D108BD9-81ED-4DB2-BD59-A6C34878D82A}">
+                    <a16:rowId xmlns:a16="http://schemas.microsoft.com/office/drawing/2014/main" val="10002"/>
+                  </a:ext>
+                </a:extLst>
               </a:tr>
               <a:tr h="370840">
                 <a:tc>
@@ -7735,14 +7840,14 @@
                     <a:p>
                       <a:pPr algn="ctr"/>
                       <a:r>
-                        <a:rPr lang="en-US" altLang="zh-CN" i="1" dirty="0" smtClean="0">
+                        <a:rPr lang="en-US" altLang="zh-CN" i="1" dirty="0">
                           <a:latin typeface="Times New Roman" panose="02020603050405020304" pitchFamily="18" charset="0"/>
                           <a:cs typeface="Times New Roman" panose="02020603050405020304" pitchFamily="18" charset="0"/>
                         </a:rPr>
                         <a:t>h</a:t>
                       </a:r>
                       <a:r>
-                        <a:rPr lang="en-US" altLang="zh-CN" baseline="-25000" dirty="0" smtClean="0">
+                        <a:rPr lang="en-US" altLang="zh-CN" baseline="-25000" dirty="0">
                           <a:latin typeface="Times New Roman" panose="02020603050405020304" pitchFamily="18" charset="0"/>
                           <a:cs typeface="Times New Roman" panose="02020603050405020304" pitchFamily="18" charset="0"/>
                         </a:rPr>
@@ -7763,7 +7868,7 @@
                     <a:p>
                       <a:pPr algn="ctr"/>
                       <a:r>
-                        <a:rPr lang="en-US" altLang="zh-CN" dirty="0" smtClean="0">
+                        <a:rPr lang="en-US" altLang="zh-CN" dirty="0">
                           <a:latin typeface="Times New Roman" panose="02020603050405020304" pitchFamily="18" charset="0"/>
                           <a:cs typeface="Times New Roman" panose="02020603050405020304" pitchFamily="18" charset="0"/>
                         </a:rPr>
@@ -7784,7 +7889,7 @@
                     <a:p>
                       <a:pPr algn="ctr"/>
                       <a:r>
-                        <a:rPr lang="en-US" altLang="zh-CN" dirty="0" smtClean="0">
+                        <a:rPr lang="en-US" altLang="zh-CN" dirty="0">
                           <a:latin typeface="Times New Roman" panose="02020603050405020304" pitchFamily="18" charset="0"/>
                           <a:cs typeface="Times New Roman" panose="02020603050405020304" pitchFamily="18" charset="0"/>
                         </a:rPr>
@@ -7805,7 +7910,7 @@
                     <a:p>
                       <a:pPr algn="ctr"/>
                       <a:r>
-                        <a:rPr lang="en-US" altLang="zh-CN" dirty="0" smtClean="0">
+                        <a:rPr lang="en-US" altLang="zh-CN" dirty="0">
                           <a:latin typeface="Times New Roman" panose="02020603050405020304" pitchFamily="18" charset="0"/>
                           <a:cs typeface="Times New Roman" panose="02020603050405020304" pitchFamily="18" charset="0"/>
                         </a:rPr>
@@ -7819,6 +7924,11 @@
                   </a:txBody>
                   <a:tcPr/>
                 </a:tc>
+                <a:extLst>
+                  <a:ext uri="{0D108BD9-81ED-4DB2-BD59-A6C34878D82A}">
+                    <a16:rowId xmlns:a16="http://schemas.microsoft.com/office/drawing/2014/main" val="10003"/>
+                  </a:ext>
+                </a:extLst>
               </a:tr>
               <a:tr h="370840">
                 <a:tc>
@@ -7828,11 +7938,28 @@
                     <a:p>
                       <a:pPr algn="ctr"/>
                       <a:r>
-                        <a:rPr lang="zh-CN" altLang="en-US" dirty="0" smtClean="0">
+                        <a:rPr lang="zh-CN" altLang="en-US" dirty="0">
                           <a:latin typeface="Times New Roman" panose="02020603050405020304" pitchFamily="18" charset="0"/>
                           <a:cs typeface="Times New Roman" panose="02020603050405020304" pitchFamily="18" charset="0"/>
                         </a:rPr>
                         <a:t>集成</a:t>
+                      </a:r>
+                    </a:p>
+                  </a:txBody>
+                  <a:tcPr/>
+                </a:tc>
+                <a:tc>
+                  <a:txBody>
+                    <a:bodyPr/>
+                    <a:lstStyle/>
+                    <a:p>
+                      <a:pPr algn="ctr"/>
+                      <a:r>
+                        <a:rPr lang="en-US" altLang="zh-CN" dirty="0">
+                          <a:latin typeface="Times New Roman" panose="02020603050405020304" pitchFamily="18" charset="0"/>
+                          <a:cs typeface="Times New Roman" panose="02020603050405020304" pitchFamily="18" charset="0"/>
+                        </a:rPr>
+                        <a:t>1.08</a:t>
                       </a:r>
                       <a:endParaRPr lang="zh-CN" altLang="en-US" dirty="0">
                         <a:latin typeface="Times New Roman" panose="02020603050405020304" pitchFamily="18" charset="0"/>
@@ -7849,11 +7976,11 @@
                     <a:p>
                       <a:pPr algn="ctr"/>
                       <a:r>
-                        <a:rPr lang="en-US" altLang="zh-CN" dirty="0" smtClean="0">
+                        <a:rPr lang="en-US" altLang="zh-CN" dirty="0">
                           <a:latin typeface="Times New Roman" panose="02020603050405020304" pitchFamily="18" charset="0"/>
                           <a:cs typeface="Times New Roman" panose="02020603050405020304" pitchFamily="18" charset="0"/>
                         </a:rPr>
-                        <a:t>1.08</a:t>
+                        <a:t>1.34</a:t>
                       </a:r>
                       <a:endParaRPr lang="zh-CN" altLang="en-US" dirty="0">
                         <a:latin typeface="Times New Roman" panose="02020603050405020304" pitchFamily="18" charset="0"/>
@@ -7870,11 +7997,11 @@
                     <a:p>
                       <a:pPr algn="ctr"/>
                       <a:r>
-                        <a:rPr lang="en-US" altLang="zh-CN" dirty="0" smtClean="0">
+                        <a:rPr lang="en-US" altLang="zh-CN" dirty="0">
                           <a:latin typeface="Times New Roman" panose="02020603050405020304" pitchFamily="18" charset="0"/>
                           <a:cs typeface="Times New Roman" panose="02020603050405020304" pitchFamily="18" charset="0"/>
                         </a:rPr>
-                        <a:t>1.34</a:t>
+                        <a:t>0.58</a:t>
                       </a:r>
                       <a:endParaRPr lang="zh-CN" altLang="en-US" dirty="0">
                         <a:latin typeface="Times New Roman" panose="02020603050405020304" pitchFamily="18" charset="0"/>
@@ -7884,27 +8011,11 @@
                   </a:txBody>
                   <a:tcPr/>
                 </a:tc>
-                <a:tc>
-                  <a:txBody>
-                    <a:bodyPr/>
-                    <a:lstStyle/>
-                    <a:p>
-                      <a:pPr algn="ctr"/>
-                      <a:r>
-                        <a:rPr lang="en-US" altLang="zh-CN" dirty="0" smtClean="0">
-                          <a:latin typeface="Times New Roman" panose="02020603050405020304" pitchFamily="18" charset="0"/>
-                          <a:cs typeface="Times New Roman" panose="02020603050405020304" pitchFamily="18" charset="0"/>
-                        </a:rPr>
-                        <a:t>0.58</a:t>
-                      </a:r>
-                      <a:endParaRPr lang="zh-CN" altLang="en-US" dirty="0">
-                        <a:latin typeface="Times New Roman" panose="02020603050405020304" pitchFamily="18" charset="0"/>
-                        <a:cs typeface="Times New Roman" panose="02020603050405020304" pitchFamily="18" charset="0"/>
-                      </a:endParaRPr>
-                    </a:p>
-                  </a:txBody>
-                  <a:tcPr/>
-                </a:tc>
+                <a:extLst>
+                  <a:ext uri="{0D108BD9-81ED-4DB2-BD59-A6C34878D82A}">
+                    <a16:rowId xmlns:a16="http://schemas.microsoft.com/office/drawing/2014/main" val="10004"/>
+                  </a:ext>
+                </a:extLst>
               </a:tr>
             </a:tbl>
           </a:graphicData>
@@ -8113,94 +8224,78 @@
               <a:t>Base learner </a:t>
             </a:r>
             <a:r>
-              <a:rPr lang="en-US" altLang="zh-CN" i="1" dirty="0" smtClean="0">
+              <a:rPr lang="en-US" altLang="zh-CN" i="1" dirty="0">
                 <a:latin typeface="Times New Roman" panose="02020603050405020304" pitchFamily="18" charset="0"/>
                 <a:cs typeface="Times New Roman" panose="02020603050405020304" pitchFamily="18" charset="0"/>
               </a:rPr>
               <a:t>L</a:t>
             </a:r>
             <a:r>
-              <a:rPr lang="en-US" altLang="zh-CN" baseline="-25000" dirty="0" smtClean="0">
+              <a:rPr lang="en-US" altLang="zh-CN" baseline="-25000" dirty="0">
                 <a:latin typeface="Times New Roman" panose="02020603050405020304" pitchFamily="18" charset="0"/>
                 <a:cs typeface="Times New Roman" panose="02020603050405020304" pitchFamily="18" charset="0"/>
               </a:rPr>
               <a:t>1</a:t>
             </a:r>
             <a:r>
-              <a:rPr lang="en-US" altLang="zh-CN" i="1" dirty="0" smtClean="0">
+              <a:rPr lang="en-US" altLang="zh-CN" i="1" dirty="0">
                 <a:latin typeface="Times New Roman" panose="02020603050405020304" pitchFamily="18" charset="0"/>
                 <a:cs typeface="Times New Roman" panose="02020603050405020304" pitchFamily="18" charset="0"/>
               </a:rPr>
               <a:t>, L</a:t>
             </a:r>
             <a:r>
-              <a:rPr lang="en-US" altLang="zh-CN" baseline="-25000" dirty="0" smtClean="0">
+              <a:rPr lang="en-US" altLang="zh-CN" baseline="-25000" dirty="0">
                 <a:latin typeface="Times New Roman" panose="02020603050405020304" pitchFamily="18" charset="0"/>
                 <a:cs typeface="Times New Roman" panose="02020603050405020304" pitchFamily="18" charset="0"/>
               </a:rPr>
               <a:t>2</a:t>
             </a:r>
             <a:r>
-              <a:rPr lang="en-US" altLang="zh-CN" i="1" dirty="0" smtClean="0">
+              <a:rPr lang="en-US" altLang="zh-CN" i="1" dirty="0">
                 <a:latin typeface="Times New Roman" panose="02020603050405020304" pitchFamily="18" charset="0"/>
                 <a:cs typeface="Times New Roman" panose="02020603050405020304" pitchFamily="18" charset="0"/>
               </a:rPr>
               <a:t>, …, L</a:t>
             </a:r>
             <a:r>
-              <a:rPr lang="en-US" altLang="zh-CN" i="1" baseline="-25000" dirty="0" smtClean="0">
+              <a:rPr lang="en-US" altLang="zh-CN" i="1" baseline="-25000" dirty="0">
                 <a:latin typeface="Times New Roman" panose="02020603050405020304" pitchFamily="18" charset="0"/>
                 <a:cs typeface="Times New Roman" panose="02020603050405020304" pitchFamily="18" charset="0"/>
               </a:rPr>
               <a:t>T</a:t>
             </a:r>
             <a:r>
-              <a:rPr lang="en-US" altLang="zh-CN" i="1" dirty="0" smtClean="0">
+              <a:rPr lang="en-US" altLang="zh-CN" i="1" dirty="0">
                 <a:latin typeface="Times New Roman" panose="02020603050405020304" pitchFamily="18" charset="0"/>
                 <a:cs typeface="Times New Roman" panose="02020603050405020304" pitchFamily="18" charset="0"/>
               </a:rPr>
               <a:t>;</a:t>
             </a:r>
-            <a:endParaRPr lang="en-US" altLang="zh-CN" i="1" dirty="0">
-              <a:latin typeface="Times New Roman" panose="02020603050405020304" pitchFamily="18" charset="0"/>
-              <a:cs typeface="Times New Roman" panose="02020603050405020304" pitchFamily="18" charset="0"/>
-            </a:endParaRPr>
           </a:p>
           <a:p>
             <a:r>
               <a:rPr lang="en-US" altLang="zh-CN" dirty="0"/>
-              <a:t>            </a:t>
-            </a:r>
-            <a:r>
-              <a:rPr lang="en-US" altLang="zh-CN" dirty="0" smtClean="0"/>
-              <a:t>Secondary </a:t>
-            </a:r>
-            <a:r>
-              <a:rPr lang="en-US" altLang="zh-CN" i="1" dirty="0" smtClean="0">
+              <a:t>            Secondary </a:t>
+            </a:r>
+            <a:r>
+              <a:rPr lang="en-US" altLang="zh-CN" i="1" dirty="0">
                 <a:latin typeface="Times New Roman" panose="02020603050405020304" pitchFamily="18" charset="0"/>
                 <a:cs typeface="Times New Roman" panose="02020603050405020304" pitchFamily="18" charset="0"/>
               </a:rPr>
               <a:t>L</a:t>
             </a:r>
-            <a:endParaRPr lang="en-US" altLang="zh-CN" i="1" dirty="0">
-              <a:latin typeface="Times New Roman" panose="02020603050405020304" pitchFamily="18" charset="0"/>
-              <a:cs typeface="Times New Roman" panose="02020603050405020304" pitchFamily="18" charset="0"/>
-            </a:endParaRPr>
-          </a:p>
-          <a:p>
-            <a:r>
-              <a:rPr lang="en-US" altLang="zh-CN" dirty="0" smtClean="0"/>
+          </a:p>
+          <a:p>
+            <a:r>
+              <a:rPr lang="en-US" altLang="zh-CN" dirty="0"/>
               <a:t>Algorithm:</a:t>
             </a:r>
           </a:p>
           <a:p>
             <a:r>
-              <a:rPr lang="en-US" altLang="zh-CN" dirty="0" smtClean="0"/>
-              <a:t>1.  </a:t>
-            </a:r>
-            <a:r>
               <a:rPr lang="en-US" altLang="zh-CN" dirty="0"/>
-              <a:t>for </a:t>
+              <a:t>1.  for </a:t>
             </a:r>
             <a:r>
               <a:rPr lang="en-US" altLang="zh-CN" i="1" dirty="0">
@@ -8259,38 +8354,31 @@
                 <a:latin typeface="Times New Roman" panose="02020603050405020304" pitchFamily="18" charset="0"/>
                 <a:cs typeface="Times New Roman" panose="02020603050405020304" pitchFamily="18" charset="0"/>
               </a:rPr>
-              <a:t> </a:t>
-            </a:r>
-            <a:r>
-              <a:rPr lang="en-US" altLang="zh-CN" i="1" dirty="0" smtClean="0">
-                <a:latin typeface="Times New Roman" panose="02020603050405020304" pitchFamily="18" charset="0"/>
-                <a:cs typeface="Times New Roman" panose="02020603050405020304" pitchFamily="18" charset="0"/>
-              </a:rPr>
-              <a:t>L</a:t>
-            </a:r>
-            <a:r>
-              <a:rPr lang="en-US" altLang="zh-CN" i="1" baseline="-25000" dirty="0" smtClean="0">
+              <a:t> L</a:t>
+            </a:r>
+            <a:r>
+              <a:rPr lang="en-US" altLang="zh-CN" i="1" baseline="-25000" dirty="0">
                 <a:latin typeface="Times New Roman" panose="02020603050405020304" pitchFamily="18" charset="0"/>
                 <a:cs typeface="Times New Roman" panose="02020603050405020304" pitchFamily="18" charset="0"/>
               </a:rPr>
               <a:t>t</a:t>
             </a:r>
             <a:r>
-              <a:rPr lang="en-US" altLang="zh-CN" dirty="0" smtClean="0">
+              <a:rPr lang="en-US" altLang="zh-CN" dirty="0">
                 <a:latin typeface="Times New Roman" panose="02020603050405020304" pitchFamily="18" charset="0"/>
                 <a:cs typeface="Times New Roman" panose="02020603050405020304" pitchFamily="18" charset="0"/>
               </a:rPr>
               <a:t>(</a:t>
             </a:r>
             <a:r>
-              <a:rPr lang="en-US" altLang="zh-CN" i="1" dirty="0" smtClean="0">
+              <a:rPr lang="en-US" altLang="zh-CN" i="1" dirty="0">
                 <a:latin typeface="Times New Roman" panose="02020603050405020304" pitchFamily="18" charset="0"/>
                 <a:cs typeface="Times New Roman" panose="02020603050405020304" pitchFamily="18" charset="0"/>
               </a:rPr>
               <a:t>D</a:t>
             </a:r>
             <a:r>
-              <a:rPr lang="en-US" altLang="zh-CN" dirty="0" smtClean="0">
+              <a:rPr lang="en-US" altLang="zh-CN" dirty="0">
                 <a:latin typeface="Times New Roman" panose="02020603050405020304" pitchFamily="18" charset="0"/>
                 <a:cs typeface="Times New Roman" panose="02020603050405020304" pitchFamily="18" charset="0"/>
               </a:rPr>
@@ -8305,85 +8393,35 @@
           </a:p>
           <a:p>
             <a:r>
-              <a:rPr lang="en-US" altLang="zh-CN" dirty="0" smtClean="0"/>
+              <a:rPr lang="en-US" altLang="zh-CN" dirty="0"/>
               <a:t>4: D’=Ø</a:t>
             </a:r>
           </a:p>
           <a:p>
             <a:r>
-              <a:rPr lang="en-US" altLang="zh-CN" dirty="0" smtClean="0"/>
-              <a:t>5: </a:t>
-            </a:r>
-            <a:r>
               <a:rPr lang="en-US" altLang="zh-CN" dirty="0"/>
-              <a:t>for </a:t>
-            </a:r>
-            <a:r>
-              <a:rPr lang="en-US" altLang="zh-CN" i="1" dirty="0" smtClean="0">
+              <a:t>5: for </a:t>
+            </a:r>
+            <a:r>
+              <a:rPr lang="en-US" altLang="zh-CN" i="1" dirty="0">
                 <a:latin typeface="Times New Roman" panose="02020603050405020304" pitchFamily="18" charset="0"/>
                 <a:cs typeface="Times New Roman" panose="02020603050405020304" pitchFamily="18" charset="0"/>
               </a:rPr>
               <a:t>i</a:t>
             </a:r>
             <a:r>
-              <a:rPr lang="en-US" altLang="zh-CN" dirty="0" smtClean="0">
-                <a:latin typeface="Times New Roman" panose="02020603050405020304" pitchFamily="18" charset="0"/>
-                <a:cs typeface="Times New Roman" panose="02020603050405020304" pitchFamily="18" charset="0"/>
-              </a:rPr>
-              <a:t>=1</a:t>
-            </a:r>
-            <a:r>
               <a:rPr lang="en-US" altLang="zh-CN" dirty="0">
                 <a:latin typeface="Times New Roman" panose="02020603050405020304" pitchFamily="18" charset="0"/>
                 <a:cs typeface="Times New Roman" panose="02020603050405020304" pitchFamily="18" charset="0"/>
               </a:rPr>
-              <a:t>, 2, …, </a:t>
-            </a:r>
-            <a:r>
-              <a:rPr lang="en-US" altLang="zh-CN" i="1" dirty="0" smtClean="0">
+              <a:t>=1, 2, …, </a:t>
+            </a:r>
+            <a:r>
+              <a:rPr lang="en-US" altLang="zh-CN" i="1" dirty="0">
                 <a:latin typeface="Times New Roman" panose="02020603050405020304" pitchFamily="18" charset="0"/>
                 <a:cs typeface="Times New Roman" panose="02020603050405020304" pitchFamily="18" charset="0"/>
               </a:rPr>
               <a:t>m</a:t>
-            </a:r>
-            <a:r>
-              <a:rPr lang="en-US" altLang="zh-CN" dirty="0" smtClean="0"/>
-              <a:t> </a:t>
-            </a:r>
-            <a:r>
-              <a:rPr lang="en-US" altLang="zh-CN" dirty="0"/>
-              <a:t>do</a:t>
-            </a:r>
-          </a:p>
-          <a:p>
-            <a:r>
-              <a:rPr lang="en-US" altLang="zh-CN" dirty="0" smtClean="0"/>
-              <a:t>6:      </a:t>
-            </a:r>
-            <a:r>
-              <a:rPr lang="en-US" altLang="zh-CN" dirty="0"/>
-              <a:t>for </a:t>
-            </a:r>
-            <a:r>
-              <a:rPr lang="en-US" altLang="zh-CN" i="1" dirty="0">
-                <a:latin typeface="Times New Roman" panose="02020603050405020304" pitchFamily="18" charset="0"/>
-                <a:cs typeface="Times New Roman" panose="02020603050405020304" pitchFamily="18" charset="0"/>
-              </a:rPr>
-              <a:t>t</a:t>
-            </a:r>
-            <a:r>
-              <a:rPr lang="en-US" altLang="zh-CN" dirty="0">
-                <a:latin typeface="Times New Roman" panose="02020603050405020304" pitchFamily="18" charset="0"/>
-                <a:cs typeface="Times New Roman" panose="02020603050405020304" pitchFamily="18" charset="0"/>
-              </a:rPr>
-              <a:t>=1, 2, …, </a:t>
-            </a:r>
-            <a:r>
-              <a:rPr lang="en-US" altLang="zh-CN" i="1" dirty="0">
-                <a:latin typeface="Times New Roman" panose="02020603050405020304" pitchFamily="18" charset="0"/>
-                <a:cs typeface="Times New Roman" panose="02020603050405020304" pitchFamily="18" charset="0"/>
-              </a:rPr>
-              <a:t>T</a:t>
             </a:r>
             <a:r>
               <a:rPr lang="en-US" altLang="zh-CN" dirty="0"/>
@@ -8392,67 +8430,98 @@
           </a:p>
           <a:p>
             <a:r>
-              <a:rPr lang="en-US" altLang="zh-CN" dirty="0" smtClean="0"/>
+              <a:rPr lang="en-US" altLang="zh-CN" dirty="0"/>
+              <a:t>6:      for </a:t>
+            </a:r>
+            <a:r>
+              <a:rPr lang="en-US" altLang="zh-CN" i="1" dirty="0">
+                <a:latin typeface="Times New Roman" panose="02020603050405020304" pitchFamily="18" charset="0"/>
+                <a:cs typeface="Times New Roman" panose="02020603050405020304" pitchFamily="18" charset="0"/>
+              </a:rPr>
+              <a:t>t</a:t>
+            </a:r>
+            <a:r>
+              <a:rPr lang="en-US" altLang="zh-CN" dirty="0">
+                <a:latin typeface="Times New Roman" panose="02020603050405020304" pitchFamily="18" charset="0"/>
+                <a:cs typeface="Times New Roman" panose="02020603050405020304" pitchFamily="18" charset="0"/>
+              </a:rPr>
+              <a:t>=1, 2, …, </a:t>
+            </a:r>
+            <a:r>
+              <a:rPr lang="en-US" altLang="zh-CN" i="1" dirty="0">
+                <a:latin typeface="Times New Roman" panose="02020603050405020304" pitchFamily="18" charset="0"/>
+                <a:cs typeface="Times New Roman" panose="02020603050405020304" pitchFamily="18" charset="0"/>
+              </a:rPr>
+              <a:t>T</a:t>
+            </a:r>
+            <a:r>
+              <a:rPr lang="en-US" altLang="zh-CN" dirty="0"/>
+              <a:t> do</a:t>
+            </a:r>
+          </a:p>
+          <a:p>
+            <a:r>
+              <a:rPr lang="en-US" altLang="zh-CN" dirty="0"/>
               <a:t>7:             </a:t>
             </a:r>
             <a:r>
-              <a:rPr lang="en-US" altLang="zh-CN" i="1" dirty="0" smtClean="0">
+              <a:rPr lang="en-US" altLang="zh-CN" i="1" dirty="0">
                 <a:latin typeface="Times New Roman" panose="02020603050405020304" pitchFamily="18" charset="0"/>
                 <a:cs typeface="Times New Roman" panose="02020603050405020304" pitchFamily="18" charset="0"/>
               </a:rPr>
               <a:t>z</a:t>
             </a:r>
             <a:r>
-              <a:rPr lang="en-US" altLang="zh-CN" i="1" baseline="-25000" dirty="0" smtClean="0">
+              <a:rPr lang="en-US" altLang="zh-CN" i="1" baseline="-25000" dirty="0">
                 <a:latin typeface="Times New Roman" panose="02020603050405020304" pitchFamily="18" charset="0"/>
                 <a:cs typeface="Times New Roman" panose="02020603050405020304" pitchFamily="18" charset="0"/>
               </a:rPr>
               <a:t>it</a:t>
             </a:r>
             <a:r>
-              <a:rPr lang="en-US" altLang="zh-CN" dirty="0" smtClean="0">
+              <a:rPr lang="en-US" altLang="zh-CN" dirty="0">
                 <a:latin typeface="Times New Roman" panose="02020603050405020304" pitchFamily="18" charset="0"/>
                 <a:cs typeface="Times New Roman" panose="02020603050405020304" pitchFamily="18" charset="0"/>
               </a:rPr>
               <a:t>=</a:t>
             </a:r>
             <a:r>
-              <a:rPr lang="en-US" altLang="zh-CN" i="1" dirty="0" smtClean="0">
+              <a:rPr lang="en-US" altLang="zh-CN" i="1" dirty="0">
                 <a:latin typeface="Times New Roman" panose="02020603050405020304" pitchFamily="18" charset="0"/>
                 <a:cs typeface="Times New Roman" panose="02020603050405020304" pitchFamily="18" charset="0"/>
               </a:rPr>
               <a:t>h</a:t>
             </a:r>
             <a:r>
-              <a:rPr lang="en-US" altLang="zh-CN" i="1" baseline="-25000" dirty="0" smtClean="0">
+              <a:rPr lang="en-US" altLang="zh-CN" i="1" baseline="-25000" dirty="0">
                 <a:latin typeface="Times New Roman" panose="02020603050405020304" pitchFamily="18" charset="0"/>
                 <a:cs typeface="Times New Roman" panose="02020603050405020304" pitchFamily="18" charset="0"/>
               </a:rPr>
               <a:t>t</a:t>
             </a:r>
             <a:r>
-              <a:rPr lang="en-US" altLang="zh-CN" dirty="0" smtClean="0">
+              <a:rPr lang="en-US" altLang="zh-CN" dirty="0">
                 <a:latin typeface="Times New Roman" panose="02020603050405020304" pitchFamily="18" charset="0"/>
                 <a:cs typeface="Times New Roman" panose="02020603050405020304" pitchFamily="18" charset="0"/>
               </a:rPr>
               <a:t>(</a:t>
             </a:r>
             <a:r>
-              <a:rPr lang="en-US" altLang="zh-CN" i="1" dirty="0" smtClean="0">
+              <a:rPr lang="en-US" altLang="zh-CN" i="1" dirty="0">
                 <a:latin typeface="Times New Roman" panose="02020603050405020304" pitchFamily="18" charset="0"/>
                 <a:cs typeface="Times New Roman" panose="02020603050405020304" pitchFamily="18" charset="0"/>
               </a:rPr>
               <a:t>x</a:t>
             </a:r>
             <a:r>
-              <a:rPr lang="en-US" altLang="zh-CN" i="1" baseline="-25000" dirty="0" smtClean="0">
+              <a:rPr lang="en-US" altLang="zh-CN" i="1" baseline="-25000" dirty="0">
                 <a:latin typeface="Times New Roman" panose="02020603050405020304" pitchFamily="18" charset="0"/>
                 <a:cs typeface="Times New Roman" panose="02020603050405020304" pitchFamily="18" charset="0"/>
               </a:rPr>
               <a:t>i</a:t>
             </a:r>
             <a:r>
-              <a:rPr lang="en-US" altLang="zh-CN" dirty="0" smtClean="0">
+              <a:rPr lang="en-US" altLang="zh-CN" dirty="0">
                 <a:latin typeface="Times New Roman" panose="02020603050405020304" pitchFamily="18" charset="0"/>
                 <a:cs typeface="Times New Roman" panose="02020603050405020304" pitchFamily="18" charset="0"/>
               </a:rPr>
@@ -8481,7 +8550,7 @@
           <a:lstStyle/>
           <a:p>
             <a:r>
-              <a:rPr lang="en-US" altLang="zh-CN" dirty="0" smtClean="0"/>
+              <a:rPr lang="en-US" altLang="zh-CN" dirty="0"/>
               <a:t>Stacking</a:t>
             </a:r>
             <a:endParaRPr lang="zh-CN" altLang="en-US" dirty="0"/>
@@ -8648,38 +8717,38 @@
           </a:lstStyle>
           <a:p>
             <a:r>
-              <a:rPr lang="en-US" altLang="zh-CN" dirty="0" smtClean="0"/>
+              <a:rPr lang="en-US" altLang="zh-CN" dirty="0"/>
               <a:t>8:      end for</a:t>
             </a:r>
           </a:p>
           <a:p>
             <a:r>
-              <a:rPr lang="en-US" altLang="zh-CN" dirty="0" smtClean="0"/>
+              <a:rPr lang="en-US" altLang="zh-CN" dirty="0"/>
               <a:t>9:      </a:t>
             </a:r>
             <a:r>
-              <a:rPr lang="en-US" altLang="zh-CN" i="1" dirty="0" smtClean="0">
+              <a:rPr lang="en-US" altLang="zh-CN" i="1" dirty="0">
                 <a:latin typeface="Times New Roman" panose="02020603050405020304" pitchFamily="18" charset="0"/>
                 <a:cs typeface="Times New Roman" panose="02020603050405020304" pitchFamily="18" charset="0"/>
               </a:rPr>
               <a:t>D</a:t>
             </a:r>
             <a:r>
-              <a:rPr lang="en-US" altLang="zh-CN" dirty="0" smtClean="0">
+              <a:rPr lang="en-US" altLang="zh-CN" dirty="0">
                 <a:latin typeface="Times New Roman" panose="02020603050405020304" pitchFamily="18" charset="0"/>
                 <a:cs typeface="Times New Roman" panose="02020603050405020304" pitchFamily="18" charset="0"/>
               </a:rPr>
               <a:t>’=</a:t>
             </a:r>
             <a:r>
-              <a:rPr lang="en-US" altLang="zh-CN" i="1" dirty="0" smtClean="0">
+              <a:rPr lang="en-US" altLang="zh-CN" i="1" dirty="0">
                 <a:latin typeface="Times New Roman" panose="02020603050405020304" pitchFamily="18" charset="0"/>
                 <a:cs typeface="Times New Roman" panose="02020603050405020304" pitchFamily="18" charset="0"/>
               </a:rPr>
               <a:t>D</a:t>
             </a:r>
             <a:r>
-              <a:rPr lang="en-US" altLang="zh-CN" dirty="0" smtClean="0">
+              <a:rPr lang="en-US" altLang="zh-CN" dirty="0">
                 <a:latin typeface="Times New Roman" panose="02020603050405020304" pitchFamily="18" charset="0"/>
                 <a:cs typeface="Times New Roman" panose="02020603050405020304" pitchFamily="18" charset="0"/>
               </a:rPr>
@@ -8690,115 +8759,108 @@
                 <a:latin typeface="Times New Roman" panose="02020603050405020304" pitchFamily="18" charset="0"/>
                 <a:cs typeface="Times New Roman" panose="02020603050405020304" pitchFamily="18" charset="0"/>
               </a:rPr>
-              <a:t> </a:t>
-            </a:r>
-            <a:r>
-              <a:rPr lang="zh-CN" altLang="en-US" dirty="0" smtClean="0">
-                <a:latin typeface="Times New Roman" panose="02020603050405020304" pitchFamily="18" charset="0"/>
-                <a:cs typeface="Times New Roman" panose="02020603050405020304" pitchFamily="18" charset="0"/>
-              </a:rPr>
-              <a:t>∪</a:t>
-            </a:r>
-            <a:r>
-              <a:rPr lang="en-US" altLang="zh-CN" dirty="0" smtClean="0">
+              <a:t> ∪</a:t>
+            </a:r>
+            <a:r>
+              <a:rPr lang="en-US" altLang="zh-CN" dirty="0">
                 <a:latin typeface="Times New Roman" panose="02020603050405020304" pitchFamily="18" charset="0"/>
                 <a:cs typeface="Times New Roman" panose="02020603050405020304" pitchFamily="18" charset="0"/>
               </a:rPr>
               <a:t>((</a:t>
             </a:r>
             <a:r>
-              <a:rPr lang="en-US" altLang="zh-CN" i="1" dirty="0" smtClean="0">
+              <a:rPr lang="en-US" altLang="zh-CN" i="1" dirty="0">
                 <a:latin typeface="Times New Roman" panose="02020603050405020304" pitchFamily="18" charset="0"/>
                 <a:cs typeface="Times New Roman" panose="02020603050405020304" pitchFamily="18" charset="0"/>
               </a:rPr>
               <a:t>z</a:t>
             </a:r>
             <a:r>
-              <a:rPr lang="en-US" altLang="zh-CN" i="1" baseline="-25000" dirty="0" smtClean="0">
+              <a:rPr lang="en-US" altLang="zh-CN" i="1" baseline="-25000" dirty="0">
                 <a:latin typeface="Times New Roman" panose="02020603050405020304" pitchFamily="18" charset="0"/>
                 <a:cs typeface="Times New Roman" panose="02020603050405020304" pitchFamily="18" charset="0"/>
               </a:rPr>
               <a:t>i</a:t>
             </a:r>
             <a:r>
-              <a:rPr lang="en-US" altLang="zh-CN" baseline="-25000" dirty="0" smtClean="0">
+              <a:rPr lang="en-US" altLang="zh-CN" baseline="-25000" dirty="0">
                 <a:latin typeface="Times New Roman" panose="02020603050405020304" pitchFamily="18" charset="0"/>
                 <a:cs typeface="Times New Roman" panose="02020603050405020304" pitchFamily="18" charset="0"/>
               </a:rPr>
               <a:t>1</a:t>
             </a:r>
             <a:r>
-              <a:rPr lang="en-US" altLang="zh-CN" dirty="0" smtClean="0">
+              <a:rPr lang="en-US" altLang="zh-CN" dirty="0">
                 <a:latin typeface="Times New Roman" panose="02020603050405020304" pitchFamily="18" charset="0"/>
                 <a:cs typeface="Times New Roman" panose="02020603050405020304" pitchFamily="18" charset="0"/>
               </a:rPr>
               <a:t>, </a:t>
             </a:r>
             <a:r>
-              <a:rPr lang="en-US" altLang="zh-CN" i="1" dirty="0" smtClean="0">
+              <a:rPr lang="en-US" altLang="zh-CN" i="1" dirty="0">
                 <a:latin typeface="Times New Roman" panose="02020603050405020304" pitchFamily="18" charset="0"/>
                 <a:cs typeface="Times New Roman" panose="02020603050405020304" pitchFamily="18" charset="0"/>
               </a:rPr>
               <a:t>z</a:t>
             </a:r>
             <a:r>
-              <a:rPr lang="en-US" altLang="zh-CN" i="1" baseline="-25000" dirty="0" smtClean="0">
+              <a:rPr lang="en-US" altLang="zh-CN" i="1" baseline="-25000" dirty="0">
                 <a:latin typeface="Times New Roman" panose="02020603050405020304" pitchFamily="18" charset="0"/>
                 <a:cs typeface="Times New Roman" panose="02020603050405020304" pitchFamily="18" charset="0"/>
               </a:rPr>
               <a:t>i</a:t>
             </a:r>
             <a:r>
-              <a:rPr lang="en-US" altLang="zh-CN" baseline="-25000" dirty="0" smtClean="0">
+              <a:rPr lang="en-US" altLang="zh-CN" baseline="-25000" dirty="0">
                 <a:latin typeface="Times New Roman" panose="02020603050405020304" pitchFamily="18" charset="0"/>
                 <a:cs typeface="Times New Roman" panose="02020603050405020304" pitchFamily="18" charset="0"/>
               </a:rPr>
               <a:t>2</a:t>
             </a:r>
             <a:r>
-              <a:rPr lang="en-US" altLang="zh-CN" dirty="0" smtClean="0">
+              <a:rPr lang="en-US" altLang="zh-CN" dirty="0">
                 <a:latin typeface="Times New Roman" panose="02020603050405020304" pitchFamily="18" charset="0"/>
                 <a:cs typeface="Times New Roman" panose="02020603050405020304" pitchFamily="18" charset="0"/>
               </a:rPr>
               <a:t>, …, </a:t>
             </a:r>
             <a:r>
-              <a:rPr lang="en-US" altLang="zh-CN" i="1" dirty="0" err="1" smtClean="0">
+              <a:rPr lang="en-US" altLang="zh-CN" i="1" dirty="0" err="1">
                 <a:latin typeface="Times New Roman" panose="02020603050405020304" pitchFamily="18" charset="0"/>
                 <a:cs typeface="Times New Roman" panose="02020603050405020304" pitchFamily="18" charset="0"/>
               </a:rPr>
               <a:t>z</a:t>
             </a:r>
             <a:r>
-              <a:rPr lang="en-US" altLang="zh-CN" i="1" baseline="-25000" dirty="0" err="1" smtClean="0">
+              <a:rPr lang="en-US" altLang="zh-CN" i="1" baseline="-25000" dirty="0" err="1">
                 <a:latin typeface="Times New Roman" panose="02020603050405020304" pitchFamily="18" charset="0"/>
                 <a:cs typeface="Times New Roman" panose="02020603050405020304" pitchFamily="18" charset="0"/>
               </a:rPr>
               <a:t>iT</a:t>
             </a:r>
             <a:r>
-              <a:rPr lang="en-US" altLang="zh-CN" dirty="0" smtClean="0">
+              <a:rPr lang="en-US" altLang="zh-CN" dirty="0">
                 <a:latin typeface="Times New Roman" panose="02020603050405020304" pitchFamily="18" charset="0"/>
                 <a:cs typeface="Times New Roman" panose="02020603050405020304" pitchFamily="18" charset="0"/>
               </a:rPr>
               <a:t>), </a:t>
             </a:r>
             <a:r>
-              <a:rPr lang="en-US" altLang="zh-CN" i="1" dirty="0" smtClean="0">
+              <a:rPr lang="en-US" altLang="zh-CN" i="1" dirty="0">
                 <a:latin typeface="Times New Roman" panose="02020603050405020304" pitchFamily="18" charset="0"/>
                 <a:cs typeface="Times New Roman" panose="02020603050405020304" pitchFamily="18" charset="0"/>
               </a:rPr>
               <a:t>y</a:t>
             </a:r>
             <a:r>
-              <a:rPr lang="en-US" altLang="zh-CN" i="1" baseline="-25000" dirty="0" smtClean="0">
+              <a:rPr lang="en-US" altLang="zh-CN" i="1" baseline="-25000" dirty="0">
                 <a:latin typeface="Times New Roman" panose="02020603050405020304" pitchFamily="18" charset="0"/>
                 <a:cs typeface="Times New Roman" panose="02020603050405020304" pitchFamily="18" charset="0"/>
               </a:rPr>
               <a:t>i</a:t>
             </a:r>
             <a:r>
-              <a:rPr lang="en-US" altLang="zh-CN" dirty="0" smtClean="0">
+              <a:rPr lang="en-US" altLang="zh-CN" dirty="0">
                 <a:latin typeface="Times New Roman" panose="02020603050405020304" pitchFamily="18" charset="0"/>
                 <a:cs typeface="Times New Roman" panose="02020603050405020304" pitchFamily="18" charset="0"/>
               </a:rPr>
@@ -8808,55 +8870,51 @@
           <a:p>
             <a:r>
               <a:rPr lang="en-US" altLang="zh-CN" dirty="0"/>
-              <a:t>10: end </a:t>
-            </a:r>
-            <a:r>
-              <a:rPr lang="en-US" altLang="zh-CN" dirty="0" smtClean="0"/>
-              <a:t>for</a:t>
-            </a:r>
-          </a:p>
-          <a:p>
-            <a:r>
-              <a:rPr lang="en-US" altLang="zh-CN" dirty="0" smtClean="0"/>
+              <a:t>10: end for</a:t>
+            </a:r>
+          </a:p>
+          <a:p>
+            <a:r>
+              <a:rPr lang="en-US" altLang="zh-CN" dirty="0"/>
               <a:t>11: </a:t>
             </a:r>
             <a:r>
-              <a:rPr lang="en-US" altLang="zh-CN" i="1" dirty="0" smtClean="0">
+              <a:rPr lang="en-US" altLang="zh-CN" i="1" dirty="0">
                 <a:latin typeface="Times New Roman" panose="02020603050405020304" pitchFamily="18" charset="0"/>
                 <a:cs typeface="Times New Roman" panose="02020603050405020304" pitchFamily="18" charset="0"/>
               </a:rPr>
               <a:t>h</a:t>
             </a:r>
             <a:r>
-              <a:rPr lang="en-US" altLang="zh-CN" dirty="0" smtClean="0">
+              <a:rPr lang="en-US" altLang="zh-CN" dirty="0">
                 <a:latin typeface="Times New Roman" panose="02020603050405020304" pitchFamily="18" charset="0"/>
                 <a:cs typeface="Times New Roman" panose="02020603050405020304" pitchFamily="18" charset="0"/>
               </a:rPr>
               <a:t>’ = </a:t>
             </a:r>
             <a:r>
-              <a:rPr lang="en-US" altLang="zh-CN" i="1" dirty="0" smtClean="0">
+              <a:rPr lang="en-US" altLang="zh-CN" i="1" dirty="0">
                 <a:latin typeface="Times New Roman" panose="02020603050405020304" pitchFamily="18" charset="0"/>
                 <a:cs typeface="Times New Roman" panose="02020603050405020304" pitchFamily="18" charset="0"/>
               </a:rPr>
               <a:t>L</a:t>
             </a:r>
             <a:r>
-              <a:rPr lang="en-US" altLang="zh-CN" dirty="0" smtClean="0">
+              <a:rPr lang="en-US" altLang="zh-CN" dirty="0">
                 <a:latin typeface="Times New Roman" panose="02020603050405020304" pitchFamily="18" charset="0"/>
                 <a:cs typeface="Times New Roman" panose="02020603050405020304" pitchFamily="18" charset="0"/>
               </a:rPr>
               <a:t>(</a:t>
             </a:r>
             <a:r>
-              <a:rPr lang="en-US" altLang="zh-CN" i="1" dirty="0" smtClean="0">
+              <a:rPr lang="en-US" altLang="zh-CN" i="1" dirty="0">
                 <a:latin typeface="Times New Roman" panose="02020603050405020304" pitchFamily="18" charset="0"/>
                 <a:cs typeface="Times New Roman" panose="02020603050405020304" pitchFamily="18" charset="0"/>
               </a:rPr>
               <a:t>D</a:t>
             </a:r>
             <a:r>
-              <a:rPr lang="en-US" altLang="zh-CN" dirty="0" smtClean="0">
+              <a:rPr lang="en-US" altLang="zh-CN" dirty="0">
                 <a:latin typeface="Times New Roman" panose="02020603050405020304" pitchFamily="18" charset="0"/>
                 <a:cs typeface="Times New Roman" panose="02020603050405020304" pitchFamily="18" charset="0"/>
               </a:rPr>
@@ -8865,7 +8923,7 @@
           </a:p>
           <a:p>
             <a:r>
-              <a:rPr lang="zh-CN" altLang="en-US" dirty="0" smtClean="0">
+              <a:rPr lang="zh-CN" altLang="en-US" dirty="0">
                 <a:latin typeface="Times New Roman" panose="02020603050405020304" pitchFamily="18" charset="0"/>
                 <a:cs typeface="Times New Roman" panose="02020603050405020304" pitchFamily="18" charset="0"/>
               </a:rPr>
@@ -8900,7 +8958,7 @@
           <a:graphicData uri="http://schemas.openxmlformats.org/presentationml/2006/ole">
             <mc:AlternateContent xmlns:mc="http://schemas.openxmlformats.org/markup-compatibility/2006">
               <mc:Choice xmlns:v="urn:schemas-microsoft-com:vml" Requires="v">
-                <p:oleObj spid="_x0000_s12294" name="Equation" r:id="rId3" imgW="1955520" imgH="228600" progId="Equation.DSMT4">
+                <p:oleObj spid="_x0000_s12295" name="Equation" r:id="rId3" imgW="1955520" imgH="228600" progId="Equation.DSMT4">
                   <p:embed/>
                 </p:oleObj>
               </mc:Choice>
@@ -8990,7 +9048,7 @@
               <a:buChar char="l"/>
             </a:pPr>
             <a:r>
-              <a:rPr lang="en-US" altLang="zh-CN" dirty="0" smtClean="0"/>
+              <a:rPr lang="en-US" altLang="zh-CN" dirty="0"/>
               <a:t>Create Keras model:</a:t>
             </a:r>
           </a:p>
@@ -9019,11 +9077,11 @@
           <a:lstStyle/>
           <a:p>
             <a:r>
-              <a:rPr lang="en-US" altLang="zh-CN" dirty="0" err="1" smtClean="0"/>
+              <a:rPr lang="en-US" altLang="zh-CN" dirty="0" err="1"/>
               <a:t>Adaboost</a:t>
             </a:r>
             <a:r>
-              <a:rPr lang="en-US" altLang="zh-CN" dirty="0" smtClean="0"/>
+              <a:rPr lang="en-US" altLang="zh-CN" dirty="0"/>
               <a:t> Keras with Sklearn</a:t>
             </a:r>
             <a:endParaRPr lang="zh-CN" altLang="en-US" dirty="0"/>
@@ -9053,13 +9111,8 @@
           <a:p>
             <a:r>
               <a:rPr lang="zh-CN" altLang="en-US" dirty="0"/>
-              <a:t>def create_model()</a:t>
-            </a:r>
-            <a:r>
-              <a:rPr lang="zh-CN" altLang="en-US" dirty="0" smtClean="0"/>
-              <a:t>:</a:t>
-            </a:r>
-            <a:endParaRPr lang="zh-CN" altLang="en-US" dirty="0"/>
+              <a:t>def create_model():</a:t>
+            </a:r>
           </a:p>
           <a:p>
             <a:r>
@@ -9203,22 +9256,22 @@
               <a:buChar char="l"/>
             </a:pPr>
             <a:r>
-              <a:rPr lang="en-US" altLang="zh-CN" dirty="0" smtClean="0"/>
+              <a:rPr lang="en-US" altLang="zh-CN" dirty="0"/>
               <a:t>Introducing </a:t>
             </a:r>
             <a:r>
-              <a:rPr lang="en-US" altLang="zh-CN" dirty="0" err="1" smtClean="0"/>
+              <a:rPr lang="en-US" altLang="zh-CN" dirty="0" err="1"/>
               <a:t>keras</a:t>
             </a:r>
             <a:r>
-              <a:rPr lang="en-US" altLang="zh-CN" dirty="0" smtClean="0"/>
+              <a:rPr lang="en-US" altLang="zh-CN" dirty="0"/>
               <a:t> model into </a:t>
             </a:r>
             <a:r>
-              <a:rPr lang="en-US" altLang="zh-CN" dirty="0" err="1" smtClean="0"/>
+              <a:rPr lang="en-US" altLang="zh-CN" dirty="0" err="1"/>
               <a:t>sklearn</a:t>
             </a:r>
-            <a:endParaRPr lang="en-US" altLang="zh-CN" dirty="0" smtClean="0"/>
+            <a:endParaRPr lang="en-US" altLang="zh-CN" dirty="0"/>
           </a:p>
           <a:p>
             <a:pPr marL="342900" indent="-342900">
@@ -9232,7 +9285,7 @@
               <a:buFont typeface="Wingdings" panose="05000000000000000000" pitchFamily="2" charset="2"/>
               <a:buChar char="l"/>
             </a:pPr>
-            <a:endParaRPr lang="en-US" altLang="zh-CN" dirty="0" smtClean="0"/>
+            <a:endParaRPr lang="en-US" altLang="zh-CN" dirty="0"/>
           </a:p>
           <a:p>
             <a:pPr marL="342900" indent="-342900">
@@ -9247,11 +9300,11 @@
               <a:buChar char="l"/>
             </a:pPr>
             <a:r>
-              <a:rPr lang="en-US" altLang="zh-CN" dirty="0" err="1" smtClean="0"/>
+              <a:rPr lang="en-US" altLang="zh-CN" dirty="0" err="1"/>
               <a:t>Adaboost</a:t>
             </a:r>
             <a:r>
-              <a:rPr lang="en-US" altLang="zh-CN" dirty="0" smtClean="0"/>
+              <a:rPr lang="en-US" altLang="zh-CN" dirty="0"/>
               <a:t> classifier</a:t>
             </a:r>
             <a:endParaRPr lang="zh-CN" altLang="en-US" dirty="0"/>
@@ -9308,13 +9361,9 @@
           <a:p>
             <a:r>
               <a:rPr lang="zh-CN" altLang="en-US" dirty="0"/>
-              <a:t>from keras.wrappers.scikit_learn import </a:t>
-            </a:r>
-            <a:r>
-              <a:rPr lang="zh-CN" altLang="en-US" dirty="0" smtClean="0"/>
-              <a:t>KerasClassifier</a:t>
-            </a:r>
-            <a:endParaRPr lang="en-US" altLang="zh-CN" dirty="0" smtClean="0"/>
+              <a:t>from keras.wrappers.scikit_learn import KerasClassifier</a:t>
+            </a:r>
+            <a:endParaRPr lang="en-US" altLang="zh-CN" dirty="0"/>
           </a:p>
           <a:p>
             <a:r>
@@ -9455,7 +9504,7 @@
               <a:buChar char="l"/>
             </a:pPr>
             <a:r>
-              <a:rPr lang="en-US" altLang="zh-CN" dirty="0" smtClean="0"/>
+              <a:rPr lang="en-US" altLang="zh-CN" dirty="0"/>
               <a:t>Bagging classifier</a:t>
             </a:r>
             <a:endParaRPr lang="zh-CN" altLang="en-US" dirty="0"/>
@@ -9478,7 +9527,7 @@
           <a:lstStyle/>
           <a:p>
             <a:r>
-              <a:rPr lang="en-US" altLang="zh-CN" dirty="0" smtClean="0"/>
+              <a:rPr lang="en-US" altLang="zh-CN" dirty="0"/>
               <a:t>Bagging Keras with Sklearn</a:t>
             </a:r>
             <a:endParaRPr lang="zh-CN" altLang="en-US" dirty="0"/>
@@ -9580,7 +9629,7 @@
               <a:buChar char="l"/>
             </a:pPr>
             <a:r>
-              <a:rPr lang="en-US" altLang="zh-CN" dirty="0" smtClean="0"/>
+              <a:rPr lang="en-US" altLang="zh-CN" dirty="0"/>
               <a:t>Create two model</a:t>
             </a:r>
             <a:endParaRPr lang="zh-CN" altLang="en-US" dirty="0"/>
@@ -9603,7 +9652,7 @@
           <a:lstStyle/>
           <a:p>
             <a:r>
-              <a:rPr lang="en-US" altLang="zh-CN" dirty="0" smtClean="0"/>
+              <a:rPr lang="en-US" altLang="zh-CN" dirty="0"/>
               <a:t>Voting Keras with Sklearn</a:t>
             </a:r>
             <a:endParaRPr lang="zh-CN" altLang="en-US" dirty="0"/>
@@ -9633,13 +9682,8 @@
           <a:p>
             <a:r>
               <a:rPr lang="zh-CN" altLang="en-US" dirty="0"/>
-              <a:t>def create_model_cnn()</a:t>
-            </a:r>
-            <a:r>
-              <a:rPr lang="zh-CN" altLang="en-US" dirty="0" smtClean="0"/>
-              <a:t>:</a:t>
-            </a:r>
-            <a:endParaRPr lang="zh-CN" altLang="en-US" dirty="0"/>
+              <a:t>def create_model_cnn():</a:t>
+            </a:r>
           </a:p>
           <a:p>
             <a:r>
@@ -9783,7 +9827,7 @@
               <a:buChar char="l"/>
             </a:pPr>
             <a:r>
-              <a:rPr lang="en-US" altLang="zh-CN" dirty="0" smtClean="0"/>
+              <a:rPr lang="en-US" altLang="zh-CN" dirty="0"/>
               <a:t>Another One</a:t>
             </a:r>
             <a:endParaRPr lang="zh-CN" altLang="en-US" dirty="0"/>
@@ -9966,10 +10010,10 @@
               <a:t> model into </a:t>
             </a:r>
             <a:r>
-              <a:rPr lang="en-US" altLang="zh-CN" dirty="0" err="1" smtClean="0"/>
+              <a:rPr lang="en-US" altLang="zh-CN" dirty="0" err="1"/>
               <a:t>sklearn</a:t>
             </a:r>
-            <a:endParaRPr lang="en-US" altLang="zh-CN" dirty="0" smtClean="0"/>
+            <a:endParaRPr lang="en-US" altLang="zh-CN" dirty="0"/>
           </a:p>
           <a:p>
             <a:pPr marL="342900" indent="-342900">
@@ -9983,7 +10027,7 @@
               <a:buFont typeface="Wingdings" panose="05000000000000000000" pitchFamily="2" charset="2"/>
               <a:buChar char="l"/>
             </a:pPr>
-            <a:endParaRPr lang="en-US" altLang="zh-CN" dirty="0" smtClean="0"/>
+            <a:endParaRPr lang="en-US" altLang="zh-CN" dirty="0"/>
           </a:p>
           <a:p>
             <a:pPr marL="342900" indent="-342900">
@@ -9997,7 +10041,7 @@
               <a:buFont typeface="Wingdings" panose="05000000000000000000" pitchFamily="2" charset="2"/>
               <a:buChar char="l"/>
             </a:pPr>
-            <a:endParaRPr lang="en-US" altLang="zh-CN" dirty="0" smtClean="0"/>
+            <a:endParaRPr lang="en-US" altLang="zh-CN" dirty="0"/>
           </a:p>
           <a:p>
             <a:pPr marL="342900" indent="-342900">
@@ -10005,10 +10049,9 @@
               <a:buChar char="l"/>
             </a:pPr>
             <a:r>
-              <a:rPr lang="en-US" altLang="zh-CN" dirty="0" smtClean="0"/>
+              <a:rPr lang="en-US" altLang="zh-CN" dirty="0"/>
               <a:t>Voting classifier</a:t>
             </a:r>
-            <a:endParaRPr lang="en-US" altLang="zh-CN" dirty="0"/>
           </a:p>
           <a:p>
             <a:endParaRPr lang="zh-CN" altLang="en-US" dirty="0"/>
@@ -10079,12 +10122,8 @@
           </a:p>
           <a:p>
             <a:r>
-              <a:rPr lang="zh-CN" altLang="en-US" dirty="0" smtClean="0"/>
-              <a:t>clf</a:t>
-            </a:r>
-            <a:r>
               <a:rPr lang="zh-CN" altLang="en-US" dirty="0"/>
-              <a:t>1 = KerasClassifier(build_fn=create_model_cnn, verbose=1, epochs=epochs, batch_size=batch_size)</a:t>
+              <a:t>clf1 = KerasClassifier(build_fn=create_model_cnn, verbose=1, epochs=epochs, batch_size=batch_size)</a:t>
             </a:r>
           </a:p>
           <a:p>
@@ -10124,25 +10163,16 @@
           <a:p>
             <a:r>
               <a:rPr lang="zh-CN" altLang="en-US" dirty="0"/>
-              <a:t>eclf1 = VotingClassifier(estimators=[('clf1', clf1), ('clf2', clf2)], voting</a:t>
-            </a:r>
-            <a:r>
-              <a:rPr lang="zh-CN" altLang="en-US" dirty="0" smtClean="0"/>
-              <a:t>=</a:t>
+              <a:t>eclf1 = VotingClassifier(estimators=[('clf1', clf1), ('clf2', clf2)], voting='</a:t>
+            </a:r>
+            <a:r>
+              <a:rPr lang="en-US" altLang="zh-CN" dirty="0"/>
+              <a:t>hard</a:t>
             </a:r>
             <a:r>
               <a:rPr lang="zh-CN" altLang="en-US" dirty="0"/>
-              <a:t>'</a:t>
-            </a:r>
-            <a:r>
-              <a:rPr lang="en-US" altLang="zh-CN" dirty="0" smtClean="0"/>
-              <a:t>hard</a:t>
-            </a:r>
-            <a:r>
-              <a:rPr lang="zh-CN" altLang="en-US" dirty="0" smtClean="0"/>
               <a:t>')</a:t>
             </a:r>
-            <a:endParaRPr lang="zh-CN" altLang="en-US" dirty="0"/>
           </a:p>
           <a:p>
             <a:r>
@@ -10202,7 +10232,7 @@
               <a:buChar char="l"/>
             </a:pPr>
             <a:r>
-              <a:rPr lang="en-US" altLang="zh-CN" dirty="0" smtClean="0"/>
+              <a:rPr lang="en-US" altLang="zh-CN" dirty="0"/>
               <a:t>Individual learning vs. ensemble learning</a:t>
             </a:r>
           </a:p>
@@ -10212,7 +10242,7 @@
               <a:buChar char="l"/>
             </a:pPr>
             <a:r>
-              <a:rPr lang="en-US" altLang="zh-CN" dirty="0" smtClean="0"/>
+              <a:rPr lang="en-US" altLang="zh-CN" dirty="0"/>
               <a:t>Boosting</a:t>
             </a:r>
           </a:p>
@@ -10222,7 +10252,7 @@
               <a:buChar char="l"/>
             </a:pPr>
             <a:r>
-              <a:rPr lang="en-US" altLang="zh-CN" dirty="0" smtClean="0"/>
+              <a:rPr lang="en-US" altLang="zh-CN" dirty="0"/>
               <a:t>Bagging</a:t>
             </a:r>
           </a:p>
@@ -10232,7 +10262,7 @@
               <a:buChar char="l"/>
             </a:pPr>
             <a:r>
-              <a:rPr lang="en-US" altLang="zh-CN" dirty="0" smtClean="0"/>
+              <a:rPr lang="en-US" altLang="zh-CN" dirty="0"/>
               <a:t>Voting</a:t>
             </a:r>
           </a:p>
@@ -10242,7 +10272,7 @@
               <a:buChar char="l"/>
             </a:pPr>
             <a:r>
-              <a:rPr lang="en-US" altLang="zh-CN" dirty="0" smtClean="0"/>
+              <a:rPr lang="en-US" altLang="zh-CN" dirty="0"/>
               <a:t>Stacking</a:t>
             </a:r>
           </a:p>
@@ -10259,7 +10289,7 @@
               <a:buChar char="l"/>
             </a:pPr>
             <a:r>
-              <a:rPr lang="en-US" altLang="zh-CN" dirty="0" smtClean="0"/>
+              <a:rPr lang="en-US" altLang="zh-CN" dirty="0"/>
               <a:t>Programming tasks</a:t>
             </a:r>
           </a:p>
@@ -10269,16 +10299,8 @@
               <a:buChar char="l"/>
             </a:pPr>
             <a:r>
-              <a:rPr lang="en-US" altLang="zh-CN" dirty="0" smtClean="0"/>
-              <a:t>Ensemble</a:t>
-            </a:r>
-            <a:r>
               <a:rPr lang="en-US" altLang="zh-CN" dirty="0"/>
-              <a:t> </a:t>
-            </a:r>
-            <a:r>
-              <a:rPr lang="en-US" altLang="zh-CN" dirty="0" smtClean="0"/>
-              <a:t>learning (Keras with sklearn)</a:t>
+              <a:t>Ensemble learning (Keras with sklearn)</a:t>
             </a:r>
           </a:p>
           <a:p>
@@ -10287,14 +10309,9 @@
               <a:buChar char="l"/>
             </a:pPr>
             <a:r>
-              <a:rPr lang="en-US" altLang="zh-CN" dirty="0" smtClean="0"/>
-              <a:t>Parameter tuning </a:t>
-            </a:r>
-            <a:r>
               <a:rPr lang="en-US" altLang="zh-CN" dirty="0"/>
-              <a:t>(Keras with sklearn)</a:t>
-            </a:r>
-            <a:endParaRPr lang="en-US" altLang="zh-CN" dirty="0" smtClean="0"/>
+              <a:t>Parameter tuning (Keras with sklearn)</a:t>
+            </a:r>
           </a:p>
         </p:txBody>
       </p:sp>
@@ -10314,7 +10331,7 @@
           <a:lstStyle/>
           <a:p>
             <a:r>
-              <a:rPr lang="en-US" altLang="zh-CN" dirty="0" smtClean="0"/>
+              <a:rPr lang="en-US" altLang="zh-CN" dirty="0"/>
               <a:t>Outline</a:t>
             </a:r>
             <a:endParaRPr lang="zh-CN" altLang="en-US" dirty="0"/>
@@ -10376,7 +10393,7 @@
               <a:buChar char="l"/>
             </a:pPr>
             <a:r>
-              <a:rPr lang="en-US" altLang="zh-CN" dirty="0" smtClean="0"/>
+              <a:rPr lang="en-US" altLang="zh-CN" dirty="0"/>
               <a:t>Create model</a:t>
             </a:r>
             <a:endParaRPr lang="zh-CN" altLang="en-US" dirty="0"/>
@@ -10399,7 +10416,7 @@
           <a:lstStyle/>
           <a:p>
             <a:r>
-              <a:rPr lang="en-US" altLang="zh-CN" dirty="0" smtClean="0"/>
+              <a:rPr lang="en-US" altLang="zh-CN" dirty="0"/>
               <a:t>Grid Search</a:t>
             </a:r>
             <a:endParaRPr lang="zh-CN" altLang="en-US" dirty="0"/>
@@ -10429,13 +10446,8 @@
           <a:p>
             <a:r>
               <a:rPr lang="zh-CN" altLang="en-US" dirty="0"/>
-              <a:t>def create_model(activation='relu')</a:t>
-            </a:r>
-            <a:r>
-              <a:rPr lang="zh-CN" altLang="en-US" dirty="0" smtClean="0"/>
-              <a:t>:</a:t>
-            </a:r>
-            <a:endParaRPr lang="zh-CN" altLang="en-US" dirty="0"/>
+              <a:t>def create_model(activation='relu'):</a:t>
+            </a:r>
           </a:p>
           <a:p>
             <a:r>
@@ -10596,10 +10608,10 @@
               <a:t> model into </a:t>
             </a:r>
             <a:r>
-              <a:rPr lang="en-US" altLang="zh-CN" dirty="0" err="1" smtClean="0"/>
+              <a:rPr lang="en-US" altLang="zh-CN" dirty="0" err="1"/>
               <a:t>sklearn</a:t>
             </a:r>
-            <a:endParaRPr lang="en-US" altLang="zh-CN" dirty="0" smtClean="0"/>
+            <a:endParaRPr lang="en-US" altLang="zh-CN" dirty="0"/>
           </a:p>
           <a:p>
             <a:pPr marL="342900" indent="-342900">
@@ -10613,7 +10625,7 @@
               <a:buFont typeface="Wingdings" panose="05000000000000000000" pitchFamily="2" charset="2"/>
               <a:buChar char="l"/>
             </a:pPr>
-            <a:endParaRPr lang="en-US" altLang="zh-CN" dirty="0" smtClean="0"/>
+            <a:endParaRPr lang="en-US" altLang="zh-CN" dirty="0"/>
           </a:p>
           <a:p>
             <a:pPr marL="342900" indent="-342900">
@@ -10628,10 +10640,9 @@
               <a:buChar char="l"/>
             </a:pPr>
             <a:r>
-              <a:rPr lang="en-US" altLang="zh-CN" dirty="0" smtClean="0"/>
+              <a:rPr lang="en-US" altLang="zh-CN" dirty="0"/>
               <a:t>Grid search</a:t>
             </a:r>
-            <a:endParaRPr lang="en-US" altLang="zh-CN" dirty="0"/>
           </a:p>
           <a:p>
             <a:endParaRPr lang="zh-CN" altLang="en-US" dirty="0"/>
@@ -10702,12 +10713,8 @@
           </a:p>
           <a:p>
             <a:r>
-              <a:rPr lang="zh-CN" altLang="en-US" dirty="0" smtClean="0"/>
-              <a:t>model </a:t>
-            </a:r>
-            <a:r>
               <a:rPr lang="zh-CN" altLang="en-US" dirty="0"/>
-              <a:t>= KerasClassifier(build_fn=create_model, nb_epoch=epochs, batch_size=batch_size, verbose=1)</a:t>
+              <a:t>model = KerasClassifier(build_fn=create_model, nb_epoch=epochs, batch_size=batch_size, verbose=1)</a:t>
             </a:r>
           </a:p>
         </p:txBody>
@@ -10762,13 +10769,9 @@
           <a:p>
             <a:r>
               <a:rPr lang="zh-CN" altLang="en-US" dirty="0"/>
-              <a:t>grid_result = grid.fit(x_train, y_train</a:t>
-            </a:r>
-            <a:r>
-              <a:rPr lang="zh-CN" altLang="en-US" dirty="0" smtClean="0"/>
-              <a:t>)</a:t>
-            </a:r>
-            <a:endParaRPr lang="en-US" altLang="zh-CN" dirty="0" smtClean="0"/>
+              <a:t>grid_result = grid.fit(x_train, y_train)</a:t>
+            </a:r>
+            <a:endParaRPr lang="en-US" altLang="zh-CN" dirty="0"/>
           </a:p>
           <a:p>
             <a:endParaRPr lang="en-US" altLang="zh-CN" dirty="0"/>
@@ -10908,25 +10911,21 @@
               <a:buChar char="l"/>
             </a:pPr>
             <a:r>
-              <a:rPr lang="en-US" altLang="zh-CN" dirty="0" smtClean="0"/>
+              <a:rPr lang="en-US" altLang="zh-CN" dirty="0"/>
               <a:t>Ensemble learning</a:t>
             </a:r>
           </a:p>
           <a:p>
             <a:r>
               <a:rPr lang="en-US" altLang="zh-CN" dirty="0"/>
-              <a:t> </a:t>
-            </a:r>
-            <a:r>
-              <a:rPr lang="en-US" altLang="zh-CN" dirty="0" smtClean="0"/>
-              <a:t>          “</a:t>
-            </a:r>
-            <a:r>
-              <a:rPr lang="zh-CN" altLang="en-US" dirty="0" smtClean="0"/>
+              <a:t>           “</a:t>
+            </a:r>
+            <a:r>
+              <a:rPr lang="zh-CN" altLang="en-US" dirty="0"/>
               <a:t>三个臭皮匠，顶个诸葛亮。</a:t>
             </a:r>
             <a:r>
-              <a:rPr lang="en-US" altLang="zh-CN" dirty="0" smtClean="0"/>
+              <a:rPr lang="en-US" altLang="zh-CN" dirty="0"/>
               <a:t>”</a:t>
             </a:r>
           </a:p>
@@ -10934,19 +10933,19 @@
             <a:endParaRPr lang="en-US" altLang="zh-CN" dirty="0"/>
           </a:p>
           <a:p>
-            <a:endParaRPr lang="en-US" altLang="zh-CN" dirty="0" smtClean="0"/>
-          </a:p>
-          <a:p>
             <a:endParaRPr lang="en-US" altLang="zh-CN" dirty="0"/>
           </a:p>
           <a:p>
-            <a:endParaRPr lang="en-US" altLang="zh-CN" dirty="0" smtClean="0"/>
-          </a:p>
-          <a:p>
             <a:endParaRPr lang="en-US" altLang="zh-CN" dirty="0"/>
           </a:p>
           <a:p>
-            <a:endParaRPr lang="en-US" altLang="zh-CN" dirty="0" smtClean="0"/>
+            <a:endParaRPr lang="en-US" altLang="zh-CN" dirty="0"/>
+          </a:p>
+          <a:p>
+            <a:endParaRPr lang="en-US" altLang="zh-CN" dirty="0"/>
+          </a:p>
+          <a:p>
+            <a:endParaRPr lang="en-US" altLang="zh-CN" dirty="0"/>
           </a:p>
           <a:p>
             <a:pPr marL="342900" indent="-342900">
@@ -10970,13 +10969,6 @@
           </a:p>
           <a:p>
             <a:endParaRPr lang="en-US" altLang="zh-CN" dirty="0"/>
-          </a:p>
-          <a:p>
-            <a:pPr marL="342900" indent="-342900">
-              <a:buFont typeface="Wingdings" panose="05000000000000000000" pitchFamily="2" charset="2"/>
-              <a:buChar char="l"/>
-            </a:pPr>
-            <a:endParaRPr lang="en-US" altLang="zh-CN" dirty="0" smtClean="0"/>
           </a:p>
           <a:p>
             <a:pPr marL="342900" indent="-342900">
@@ -10990,7 +10982,7 @@
               <a:buFont typeface="Wingdings" panose="05000000000000000000" pitchFamily="2" charset="2"/>
               <a:buChar char="l"/>
             </a:pPr>
-            <a:endParaRPr lang="en-US" altLang="zh-CN" dirty="0" smtClean="0"/>
+            <a:endParaRPr lang="en-US" altLang="zh-CN" dirty="0"/>
           </a:p>
           <a:p>
             <a:pPr marL="342900" indent="-342900">
@@ -11004,7 +10996,14 @@
               <a:buFont typeface="Wingdings" panose="05000000000000000000" pitchFamily="2" charset="2"/>
               <a:buChar char="l"/>
             </a:pPr>
-            <a:endParaRPr lang="en-US" altLang="zh-CN" dirty="0" smtClean="0"/>
+            <a:endParaRPr lang="en-US" altLang="zh-CN" dirty="0"/>
+          </a:p>
+          <a:p>
+            <a:pPr marL="342900" indent="-342900">
+              <a:buFont typeface="Wingdings" panose="05000000000000000000" pitchFamily="2" charset="2"/>
+              <a:buChar char="l"/>
+            </a:pPr>
+            <a:endParaRPr lang="en-US" altLang="zh-CN" dirty="0"/>
           </a:p>
         </p:txBody>
       </p:sp>
@@ -11021,17 +11020,13 @@
         <p:spPr/>
         <p:txBody>
           <a:bodyPr>
-            <a:normAutofit/>
+            <a:normAutofit fontScale="90000"/>
           </a:bodyPr>
           <a:lstStyle/>
           <a:p>
             <a:r>
               <a:rPr lang="en-US" altLang="zh-CN" sz="2800" dirty="0"/>
-              <a:t>Individual learning vs. ensemble </a:t>
-            </a:r>
-            <a:r>
-              <a:rPr lang="en-US" altLang="zh-CN" sz="2800" dirty="0" smtClean="0"/>
-              <a:t>learning</a:t>
+              <a:t>Individual learning vs. ensemble learning</a:t>
             </a:r>
             <a:endParaRPr lang="zh-CN" altLang="en-US" sz="2800" dirty="0"/>
           </a:p>
@@ -11113,13 +11108,13 @@
               <a:buChar char="l"/>
             </a:pPr>
             <a:r>
-              <a:rPr lang="en-US" altLang="zh-CN" dirty="0" smtClean="0"/>
+              <a:rPr lang="en-US" altLang="zh-CN" dirty="0"/>
               <a:t>Homogeneous</a:t>
             </a:r>
           </a:p>
           <a:p>
             <a:r>
-              <a:rPr lang="en-US" altLang="zh-CN" dirty="0" smtClean="0"/>
+              <a:rPr lang="en-US" altLang="zh-CN" dirty="0"/>
               <a:t>     e.g. Random forest contains several decision trees.</a:t>
             </a:r>
           </a:p>
@@ -11129,13 +11124,13 @@
               <a:buChar char="l"/>
             </a:pPr>
             <a:r>
-              <a:rPr lang="en-US" altLang="zh-CN" dirty="0" smtClean="0"/>
+              <a:rPr lang="en-US" altLang="zh-CN" dirty="0"/>
               <a:t>Heterogeneous</a:t>
             </a:r>
           </a:p>
           <a:p>
             <a:r>
-              <a:rPr lang="en-US" altLang="zh-CN" dirty="0" smtClean="0"/>
+              <a:rPr lang="en-US" altLang="zh-CN" dirty="0"/>
               <a:t>     e.g. neural networks + SVM + decision tree etc.</a:t>
             </a:r>
           </a:p>
@@ -11148,7 +11143,7 @@
               <a:buChar char="l"/>
             </a:pPr>
             <a:r>
-              <a:rPr lang="en-US" altLang="zh-CN" dirty="0" smtClean="0"/>
+              <a:rPr lang="en-US" altLang="zh-CN" dirty="0"/>
               <a:t> Individual learner must “good” and “different” with each other</a:t>
             </a:r>
             <a:endParaRPr lang="zh-CN" altLang="en-US" dirty="0"/>
@@ -11168,7 +11163,7 @@
         <p:spPr/>
         <p:txBody>
           <a:bodyPr>
-            <a:normAutofit/>
+            <a:normAutofit fontScale="90000"/>
           </a:bodyPr>
           <a:lstStyle/>
           <a:p>
@@ -11260,10 +11255,34 @@
                 <a:tableStyleId>{5C22544A-7EE6-4342-B048-85BDC9FD1C3A}</a:tableStyleId>
               </a:tblPr>
               <a:tblGrid>
-                <a:gridCol w="660255"/>
-                <a:gridCol w="995163"/>
-                <a:gridCol w="1008112"/>
-                <a:gridCol w="1008113"/>
+                <a:gridCol w="660255">
+                  <a:extLst>
+                    <a:ext uri="{9D8B030D-6E8A-4147-A177-3AD203B41FA5}">
+                      <a16:colId xmlns:a16="http://schemas.microsoft.com/office/drawing/2014/main" val="20000"/>
+                    </a:ext>
+                  </a:extLst>
+                </a:gridCol>
+                <a:gridCol w="995163">
+                  <a:extLst>
+                    <a:ext uri="{9D8B030D-6E8A-4147-A177-3AD203B41FA5}">
+                      <a16:colId xmlns:a16="http://schemas.microsoft.com/office/drawing/2014/main" val="20001"/>
+                    </a:ext>
+                  </a:extLst>
+                </a:gridCol>
+                <a:gridCol w="1008112">
+                  <a:extLst>
+                    <a:ext uri="{9D8B030D-6E8A-4147-A177-3AD203B41FA5}">
+                      <a16:colId xmlns:a16="http://schemas.microsoft.com/office/drawing/2014/main" val="20002"/>
+                    </a:ext>
+                  </a:extLst>
+                </a:gridCol>
+                <a:gridCol w="1008113">
+                  <a:extLst>
+                    <a:ext uri="{9D8B030D-6E8A-4147-A177-3AD203B41FA5}">
+                      <a16:colId xmlns:a16="http://schemas.microsoft.com/office/drawing/2014/main" val="20003"/>
+                    </a:ext>
+                  </a:extLst>
+                </a:gridCol>
               </a:tblGrid>
               <a:tr h="370840">
                 <a:tc>
@@ -11284,11 +11303,11 @@
                     <a:p>
                       <a:pPr algn="ctr"/>
                       <a:r>
-                        <a:rPr lang="zh-CN" altLang="en-US" dirty="0" smtClean="0"/>
+                        <a:rPr lang="zh-CN" altLang="en-US" dirty="0"/>
                         <a:t>测试例</a:t>
                       </a:r>
                       <a:r>
-                        <a:rPr lang="en-US" altLang="zh-CN" dirty="0" smtClean="0"/>
+                        <a:rPr lang="en-US" altLang="zh-CN" dirty="0"/>
                         <a:t>1</a:t>
                       </a:r>
                       <a:endParaRPr lang="zh-CN" altLang="en-US" dirty="0"/>
@@ -11303,11 +11322,11 @@
                     <a:p>
                       <a:pPr algn="ctr"/>
                       <a:r>
-                        <a:rPr lang="zh-CN" altLang="en-US" dirty="0" smtClean="0"/>
+                        <a:rPr lang="zh-CN" altLang="en-US" dirty="0"/>
                         <a:t>测试例</a:t>
                       </a:r>
                       <a:r>
-                        <a:rPr lang="en-US" altLang="zh-CN" dirty="0" smtClean="0"/>
+                        <a:rPr lang="en-US" altLang="zh-CN" dirty="0"/>
                         <a:t>2</a:t>
                       </a:r>
                       <a:endParaRPr lang="zh-CN" altLang="en-US" dirty="0"/>
@@ -11322,11 +11341,11 @@
                     <a:p>
                       <a:pPr algn="ctr"/>
                       <a:r>
-                        <a:rPr lang="zh-CN" altLang="en-US" dirty="0" smtClean="0"/>
+                        <a:rPr lang="zh-CN" altLang="en-US" dirty="0"/>
                         <a:t>测试例</a:t>
                       </a:r>
                       <a:r>
-                        <a:rPr lang="en-US" altLang="zh-CN" dirty="0" smtClean="0"/>
+                        <a:rPr lang="en-US" altLang="zh-CN" dirty="0"/>
                         <a:t>3</a:t>
                       </a:r>
                       <a:endParaRPr lang="zh-CN" altLang="en-US" dirty="0"/>
@@ -11334,6 +11353,11 @@
                   </a:txBody>
                   <a:tcPr/>
                 </a:tc>
+                <a:extLst>
+                  <a:ext uri="{0D108BD9-81ED-4DB2-BD59-A6C34878D82A}">
+                    <a16:rowId xmlns:a16="http://schemas.microsoft.com/office/drawing/2014/main" val="10000"/>
+                  </a:ext>
+                </a:extLst>
               </a:tr>
               <a:tr h="370840">
                 <a:tc>
@@ -11343,14 +11367,14 @@
                     <a:p>
                       <a:pPr algn="ctr"/>
                       <a:r>
-                        <a:rPr lang="en-US" altLang="zh-CN" i="1" dirty="0" smtClean="0">
+                        <a:rPr lang="en-US" altLang="zh-CN" i="1" dirty="0">
                           <a:latin typeface="Times New Roman" panose="02020603050405020304" pitchFamily="18" charset="0"/>
                           <a:cs typeface="Times New Roman" panose="02020603050405020304" pitchFamily="18" charset="0"/>
                         </a:rPr>
                         <a:t>h</a:t>
                       </a:r>
                       <a:r>
-                        <a:rPr lang="en-US" altLang="zh-CN" i="0" baseline="-25000" dirty="0" smtClean="0">
+                        <a:rPr lang="en-US" altLang="zh-CN" i="0" baseline="-25000" dirty="0">
                           <a:latin typeface="Times New Roman" panose="02020603050405020304" pitchFamily="18" charset="0"/>
                           <a:cs typeface="Times New Roman" panose="02020603050405020304" pitchFamily="18" charset="0"/>
                         </a:rPr>
@@ -11371,11 +11395,101 @@
                     <a:p>
                       <a:pPr algn="ctr"/>
                       <a:r>
-                        <a:rPr lang="zh-CN" altLang="en-US" dirty="0" smtClean="0">
+                        <a:rPr lang="zh-CN" altLang="en-US" dirty="0">
                           <a:latin typeface="Times New Roman" panose="02020603050405020304" pitchFamily="18" charset="0"/>
                           <a:cs typeface="Times New Roman" panose="02020603050405020304" pitchFamily="18" charset="0"/>
                         </a:rPr>
                         <a:t>√</a:t>
+                      </a:r>
+                    </a:p>
+                  </a:txBody>
+                  <a:tcPr/>
+                </a:tc>
+                <a:tc>
+                  <a:txBody>
+                    <a:bodyPr/>
+                    <a:lstStyle/>
+                    <a:p>
+                      <a:pPr algn="ctr"/>
+                      <a:r>
+                        <a:rPr lang="zh-CN" altLang="en-US" dirty="0">
+                          <a:latin typeface="Times New Roman" panose="02020603050405020304" pitchFamily="18" charset="0"/>
+                          <a:cs typeface="Times New Roman" panose="02020603050405020304" pitchFamily="18" charset="0"/>
+                        </a:rPr>
+                        <a:t>√</a:t>
+                      </a:r>
+                    </a:p>
+                  </a:txBody>
+                  <a:tcPr/>
+                </a:tc>
+                <a:tc>
+                  <a:txBody>
+                    <a:bodyPr/>
+                    <a:lstStyle/>
+                    <a:p>
+                      <a:pPr algn="ctr"/>
+                      <a:r>
+                        <a:rPr lang="en-US" altLang="zh-CN" dirty="0">
+                          <a:latin typeface="Times New Roman" panose="02020603050405020304" pitchFamily="18" charset="0"/>
+                          <a:cs typeface="Times New Roman" panose="02020603050405020304" pitchFamily="18" charset="0"/>
+                        </a:rPr>
+                        <a:t>×</a:t>
+                      </a:r>
+                      <a:endParaRPr lang="zh-CN" altLang="en-US" dirty="0">
+                        <a:latin typeface="Times New Roman" panose="02020603050405020304" pitchFamily="18" charset="0"/>
+                        <a:cs typeface="Times New Roman" panose="02020603050405020304" pitchFamily="18" charset="0"/>
+                      </a:endParaRPr>
+                    </a:p>
+                  </a:txBody>
+                  <a:tcPr/>
+                </a:tc>
+                <a:extLst>
+                  <a:ext uri="{0D108BD9-81ED-4DB2-BD59-A6C34878D82A}">
+                    <a16:rowId xmlns:a16="http://schemas.microsoft.com/office/drawing/2014/main" val="10001"/>
+                  </a:ext>
+                </a:extLst>
+              </a:tr>
+              <a:tr h="370840">
+                <a:tc>
+                  <a:txBody>
+                    <a:bodyPr/>
+                    <a:lstStyle/>
+                    <a:p>
+                      <a:pPr algn="ctr"/>
+                      <a:r>
+                        <a:rPr lang="en-US" altLang="zh-CN" i="1" dirty="0">
+                          <a:latin typeface="Times New Roman" panose="02020603050405020304" pitchFamily="18" charset="0"/>
+                          <a:cs typeface="Times New Roman" panose="02020603050405020304" pitchFamily="18" charset="0"/>
+                        </a:rPr>
+                        <a:t>h</a:t>
+                      </a:r>
+                      <a:r>
+                        <a:rPr lang="en-US" altLang="zh-CN" i="0" baseline="-25000" dirty="0">
+                          <a:latin typeface="Times New Roman" panose="02020603050405020304" pitchFamily="18" charset="0"/>
+                          <a:cs typeface="Times New Roman" panose="02020603050405020304" pitchFamily="18" charset="0"/>
+                        </a:rPr>
+                        <a:t>2</a:t>
+                      </a:r>
+                      <a:endParaRPr lang="zh-CN" altLang="en-US" i="0" baseline="-25000" dirty="0">
+                        <a:latin typeface="Times New Roman" panose="02020603050405020304" pitchFamily="18" charset="0"/>
+                        <a:cs typeface="Times New Roman" panose="02020603050405020304" pitchFamily="18" charset="0"/>
+                      </a:endParaRPr>
+                    </a:p>
+                  </a:txBody>
+                  <a:tcPr/>
+                </a:tc>
+                <a:tc>
+                  <a:txBody>
+                    <a:bodyPr/>
+                    <a:lstStyle/>
+                    <a:p>
+                      <a:pPr algn="ctr"/>
+                      <a:r>
+                        <a:rPr lang="en-US" altLang="zh-CN" dirty="0">
+                          <a:latin typeface="Times New Roman" panose="02020603050405020304" pitchFamily="18" charset="0"/>
+                          <a:cs typeface="Times New Roman" panose="02020603050405020304" pitchFamily="18" charset="0"/>
+                        </a:rPr>
+                        <a:t>×</a:t>
                       </a:r>
                       <a:endParaRPr lang="zh-CN" altLang="en-US" dirty="0">
                         <a:latin typeface="Times New Roman" panose="02020603050405020304" pitchFamily="18" charset="0"/>
@@ -11392,11 +11506,97 @@
                     <a:p>
                       <a:pPr algn="ctr"/>
                       <a:r>
-                        <a:rPr lang="zh-CN" altLang="en-US" dirty="0" smtClean="0">
+                        <a:rPr lang="zh-CN" altLang="en-US" dirty="0">
                           <a:latin typeface="Times New Roman" panose="02020603050405020304" pitchFamily="18" charset="0"/>
                           <a:cs typeface="Times New Roman" panose="02020603050405020304" pitchFamily="18" charset="0"/>
                         </a:rPr>
                         <a:t>√</a:t>
+                      </a:r>
+                    </a:p>
+                  </a:txBody>
+                  <a:tcPr/>
+                </a:tc>
+                <a:tc>
+                  <a:txBody>
+                    <a:bodyPr/>
+                    <a:lstStyle/>
+                    <a:p>
+                      <a:pPr algn="ctr"/>
+                      <a:r>
+                        <a:rPr lang="zh-CN" altLang="en-US" dirty="0">
+                          <a:latin typeface="Times New Roman" panose="02020603050405020304" pitchFamily="18" charset="0"/>
+                          <a:cs typeface="Times New Roman" panose="02020603050405020304" pitchFamily="18" charset="0"/>
+                        </a:rPr>
+                        <a:t>√</a:t>
+                      </a:r>
+                    </a:p>
+                  </a:txBody>
+                  <a:tcPr/>
+                </a:tc>
+                <a:extLst>
+                  <a:ext uri="{0D108BD9-81ED-4DB2-BD59-A6C34878D82A}">
+                    <a16:rowId xmlns:a16="http://schemas.microsoft.com/office/drawing/2014/main" val="10002"/>
+                  </a:ext>
+                </a:extLst>
+              </a:tr>
+              <a:tr h="370840">
+                <a:tc>
+                  <a:txBody>
+                    <a:bodyPr/>
+                    <a:lstStyle/>
+                    <a:p>
+                      <a:pPr algn="ctr"/>
+                      <a:r>
+                        <a:rPr lang="en-US" altLang="zh-CN" i="1" dirty="0">
+                          <a:latin typeface="Times New Roman" panose="02020603050405020304" pitchFamily="18" charset="0"/>
+                          <a:cs typeface="Times New Roman" panose="02020603050405020304" pitchFamily="18" charset="0"/>
+                        </a:rPr>
+                        <a:t>h</a:t>
+                      </a:r>
+                      <a:r>
+                        <a:rPr lang="en-US" altLang="zh-CN" baseline="-25000" dirty="0">
+                          <a:latin typeface="Times New Roman" panose="02020603050405020304" pitchFamily="18" charset="0"/>
+                          <a:cs typeface="Times New Roman" panose="02020603050405020304" pitchFamily="18" charset="0"/>
+                        </a:rPr>
+                        <a:t>3</a:t>
+                      </a:r>
+                      <a:endParaRPr lang="zh-CN" altLang="en-US" baseline="-25000" dirty="0">
+                        <a:latin typeface="Times New Roman" panose="02020603050405020304" pitchFamily="18" charset="0"/>
+                        <a:cs typeface="Times New Roman" panose="02020603050405020304" pitchFamily="18" charset="0"/>
+                      </a:endParaRPr>
+                    </a:p>
+                  </a:txBody>
+                  <a:tcPr/>
+                </a:tc>
+                <a:tc>
+                  <a:txBody>
+                    <a:bodyPr/>
+                    <a:lstStyle/>
+                    <a:p>
+                      <a:pPr algn="ctr"/>
+                      <a:r>
+                        <a:rPr lang="zh-CN" altLang="en-US" dirty="0">
+                          <a:latin typeface="Times New Roman" panose="02020603050405020304" pitchFamily="18" charset="0"/>
+                          <a:cs typeface="Times New Roman" panose="02020603050405020304" pitchFamily="18" charset="0"/>
+                        </a:rPr>
+                        <a:t>√</a:t>
+                      </a:r>
+                    </a:p>
+                  </a:txBody>
+                  <a:tcPr/>
+                </a:tc>
+                <a:tc>
+                  <a:txBody>
+                    <a:bodyPr/>
+                    <a:lstStyle/>
+                    <a:p>
+                      <a:pPr algn="ctr"/>
+                      <a:r>
+                        <a:rPr lang="en-US" altLang="zh-CN" dirty="0">
+                          <a:latin typeface="Times New Roman" panose="02020603050405020304" pitchFamily="18" charset="0"/>
+                          <a:cs typeface="Times New Roman" panose="02020603050405020304" pitchFamily="18" charset="0"/>
+                        </a:rPr>
+                        <a:t>×</a:t>
                       </a:r>
                       <a:endParaRPr lang="zh-CN" altLang="en-US" dirty="0">
                         <a:latin typeface="Times New Roman" panose="02020603050405020304" pitchFamily="18" charset="0"/>
@@ -11413,20 +11613,21 @@
                     <a:p>
                       <a:pPr algn="ctr"/>
                       <a:r>
-                        <a:rPr lang="en-US" altLang="zh-CN" dirty="0" smtClean="0">
+                        <a:rPr lang="zh-CN" altLang="en-US" dirty="0">
                           <a:latin typeface="Times New Roman" panose="02020603050405020304" pitchFamily="18" charset="0"/>
                           <a:cs typeface="Times New Roman" panose="02020603050405020304" pitchFamily="18" charset="0"/>
                         </a:rPr>
-                        <a:t>×</a:t>
-                      </a:r>
-                      <a:endParaRPr lang="zh-CN" altLang="en-US" dirty="0">
-                        <a:latin typeface="Times New Roman" panose="02020603050405020304" pitchFamily="18" charset="0"/>
-                        <a:cs typeface="Times New Roman" panose="02020603050405020304" pitchFamily="18" charset="0"/>
-                      </a:endParaRPr>
+                        <a:t>√</a:t>
+                      </a:r>
                     </a:p>
                   </a:txBody>
                   <a:tcPr/>
                 </a:tc>
+                <a:extLst>
+                  <a:ext uri="{0D108BD9-81ED-4DB2-BD59-A6C34878D82A}">
+                    <a16:rowId xmlns:a16="http://schemas.microsoft.com/office/drawing/2014/main" val="10003"/>
+                  </a:ext>
+                </a:extLst>
               </a:tr>
               <a:tr h="370840">
                 <a:tc>
@@ -11436,23 +11637,12 @@
                     <a:p>
                       <a:pPr algn="ctr"/>
                       <a:r>
-                        <a:rPr lang="en-US" altLang="zh-CN" i="1" dirty="0" smtClean="0">
+                        <a:rPr lang="zh-CN" altLang="en-US" dirty="0">
                           <a:latin typeface="Times New Roman" panose="02020603050405020304" pitchFamily="18" charset="0"/>
                           <a:cs typeface="Times New Roman" panose="02020603050405020304" pitchFamily="18" charset="0"/>
                         </a:rPr>
-                        <a:t>h</a:t>
-                      </a:r>
-                      <a:r>
-                        <a:rPr lang="en-US" altLang="zh-CN" i="0" baseline="-25000" dirty="0" smtClean="0">
-                          <a:latin typeface="Times New Roman" panose="02020603050405020304" pitchFamily="18" charset="0"/>
-                          <a:cs typeface="Times New Roman" panose="02020603050405020304" pitchFamily="18" charset="0"/>
-                        </a:rPr>
-                        <a:t>2</a:t>
-                      </a:r>
-                      <a:endParaRPr lang="zh-CN" altLang="en-US" i="0" baseline="-25000" dirty="0">
-                        <a:latin typeface="Times New Roman" panose="02020603050405020304" pitchFamily="18" charset="0"/>
-                        <a:cs typeface="Times New Roman" panose="02020603050405020304" pitchFamily="18" charset="0"/>
-                      </a:endParaRPr>
+                        <a:t>集成</a:t>
+                      </a:r>
                     </a:p>
                   </a:txBody>
                   <a:tcPr/>
@@ -11464,16 +11654,12 @@
                     <a:p>
                       <a:pPr algn="ctr"/>
                       <a:r>
-                        <a:rPr lang="en-US" altLang="zh-CN" dirty="0" smtClean="0">
+                        <a:rPr lang="zh-CN" altLang="en-US" dirty="0">
                           <a:latin typeface="Times New Roman" panose="02020603050405020304" pitchFamily="18" charset="0"/>
                           <a:cs typeface="Times New Roman" panose="02020603050405020304" pitchFamily="18" charset="0"/>
                         </a:rPr>
-                        <a:t>×</a:t>
-                      </a:r>
-                      <a:endParaRPr lang="zh-CN" altLang="en-US" dirty="0">
-                        <a:latin typeface="Times New Roman" panose="02020603050405020304" pitchFamily="18" charset="0"/>
-                        <a:cs typeface="Times New Roman" panose="02020603050405020304" pitchFamily="18" charset="0"/>
-                      </a:endParaRPr>
+                        <a:t>√</a:t>
+                      </a:r>
                     </a:p>
                   </a:txBody>
                   <a:tcPr/>
@@ -11485,16 +11671,12 @@
                     <a:p>
                       <a:pPr algn="ctr"/>
                       <a:r>
-                        <a:rPr lang="zh-CN" altLang="en-US" dirty="0" smtClean="0">
+                        <a:rPr lang="zh-CN" altLang="en-US" dirty="0">
                           <a:latin typeface="Times New Roman" panose="02020603050405020304" pitchFamily="18" charset="0"/>
                           <a:cs typeface="Times New Roman" panose="02020603050405020304" pitchFamily="18" charset="0"/>
                         </a:rPr>
                         <a:t>√</a:t>
                       </a:r>
-                      <a:endParaRPr lang="zh-CN" altLang="en-US" dirty="0">
-                        <a:latin typeface="Times New Roman" panose="02020603050405020304" pitchFamily="18" charset="0"/>
-                        <a:cs typeface="Times New Roman" panose="02020603050405020304" pitchFamily="18" charset="0"/>
-                      </a:endParaRPr>
                     </a:p>
                   </a:txBody>
                   <a:tcPr/>
@@ -11506,199 +11688,21 @@
                     <a:p>
                       <a:pPr algn="ctr"/>
                       <a:r>
-                        <a:rPr lang="zh-CN" altLang="en-US" dirty="0" smtClean="0">
+                        <a:rPr lang="zh-CN" altLang="en-US" dirty="0">
                           <a:latin typeface="Times New Roman" panose="02020603050405020304" pitchFamily="18" charset="0"/>
                           <a:cs typeface="Times New Roman" panose="02020603050405020304" pitchFamily="18" charset="0"/>
                         </a:rPr>
                         <a:t>√</a:t>
                       </a:r>
-                      <a:endParaRPr lang="zh-CN" altLang="en-US" dirty="0">
-                        <a:latin typeface="Times New Roman" panose="02020603050405020304" pitchFamily="18" charset="0"/>
-                        <a:cs typeface="Times New Roman" panose="02020603050405020304" pitchFamily="18" charset="0"/>
-                      </a:endParaRPr>
                     </a:p>
                   </a:txBody>
                   <a:tcPr/>
                 </a:tc>
-              </a:tr>
-              <a:tr h="370840">
-                <a:tc>
-                  <a:txBody>
-                    <a:bodyPr/>
-                    <a:lstStyle/>
-                    <a:p>
-                      <a:pPr algn="ctr"/>
-                      <a:r>
-                        <a:rPr lang="en-US" altLang="zh-CN" i="1" dirty="0" smtClean="0">
-                          <a:latin typeface="Times New Roman" panose="02020603050405020304" pitchFamily="18" charset="0"/>
-                          <a:cs typeface="Times New Roman" panose="02020603050405020304" pitchFamily="18" charset="0"/>
-                        </a:rPr>
-                        <a:t>h</a:t>
-                      </a:r>
-                      <a:r>
-                        <a:rPr lang="en-US" altLang="zh-CN" baseline="-25000" dirty="0" smtClean="0">
-                          <a:latin typeface="Times New Roman" panose="02020603050405020304" pitchFamily="18" charset="0"/>
-                          <a:cs typeface="Times New Roman" panose="02020603050405020304" pitchFamily="18" charset="0"/>
-                        </a:rPr>
-                        <a:t>3</a:t>
-                      </a:r>
-                      <a:endParaRPr lang="zh-CN" altLang="en-US" baseline="-25000" dirty="0">
-                        <a:latin typeface="Times New Roman" panose="02020603050405020304" pitchFamily="18" charset="0"/>
-                        <a:cs typeface="Times New Roman" panose="02020603050405020304" pitchFamily="18" charset="0"/>
-                      </a:endParaRPr>
-                    </a:p>
-                  </a:txBody>
-                  <a:tcPr/>
-                </a:tc>
-                <a:tc>
-                  <a:txBody>
-                    <a:bodyPr/>
-                    <a:lstStyle/>
-                    <a:p>
-                      <a:pPr algn="ctr"/>
-                      <a:r>
-                        <a:rPr lang="zh-CN" altLang="en-US" dirty="0" smtClean="0">
-                          <a:latin typeface="Times New Roman" panose="02020603050405020304" pitchFamily="18" charset="0"/>
-                          <a:cs typeface="Times New Roman" panose="02020603050405020304" pitchFamily="18" charset="0"/>
-                        </a:rPr>
-                        <a:t>√</a:t>
-                      </a:r>
-                      <a:endParaRPr lang="zh-CN" altLang="en-US" dirty="0">
-                        <a:latin typeface="Times New Roman" panose="02020603050405020304" pitchFamily="18" charset="0"/>
-                        <a:cs typeface="Times New Roman" panose="02020603050405020304" pitchFamily="18" charset="0"/>
-                      </a:endParaRPr>
-                    </a:p>
-                  </a:txBody>
-                  <a:tcPr/>
-                </a:tc>
-                <a:tc>
-                  <a:txBody>
-                    <a:bodyPr/>
-                    <a:lstStyle/>
-                    <a:p>
-                      <a:pPr algn="ctr"/>
-                      <a:r>
-                        <a:rPr lang="en-US" altLang="zh-CN" dirty="0" smtClean="0">
-                          <a:latin typeface="Times New Roman" panose="02020603050405020304" pitchFamily="18" charset="0"/>
-                          <a:cs typeface="Times New Roman" panose="02020603050405020304" pitchFamily="18" charset="0"/>
-                        </a:rPr>
-                        <a:t>×</a:t>
-                      </a:r>
-                      <a:endParaRPr lang="zh-CN" altLang="en-US" dirty="0">
-                        <a:latin typeface="Times New Roman" panose="02020603050405020304" pitchFamily="18" charset="0"/>
-                        <a:cs typeface="Times New Roman" panose="02020603050405020304" pitchFamily="18" charset="0"/>
-                      </a:endParaRPr>
-                    </a:p>
-                  </a:txBody>
-                  <a:tcPr/>
-                </a:tc>
-                <a:tc>
-                  <a:txBody>
-                    <a:bodyPr/>
-                    <a:lstStyle/>
-                    <a:p>
-                      <a:pPr algn="ctr"/>
-                      <a:r>
-                        <a:rPr lang="zh-CN" altLang="en-US" dirty="0" smtClean="0">
-                          <a:latin typeface="Times New Roman" panose="02020603050405020304" pitchFamily="18" charset="0"/>
-                          <a:cs typeface="Times New Roman" panose="02020603050405020304" pitchFamily="18" charset="0"/>
-                        </a:rPr>
-                        <a:t>√</a:t>
-                      </a:r>
-                      <a:endParaRPr lang="zh-CN" altLang="en-US" dirty="0">
-                        <a:latin typeface="Times New Roman" panose="02020603050405020304" pitchFamily="18" charset="0"/>
-                        <a:cs typeface="Times New Roman" panose="02020603050405020304" pitchFamily="18" charset="0"/>
-                      </a:endParaRPr>
-                    </a:p>
-                  </a:txBody>
-                  <a:tcPr/>
-                </a:tc>
-              </a:tr>
-              <a:tr h="370840">
-                <a:tc>
-                  <a:txBody>
-                    <a:bodyPr/>
-                    <a:lstStyle/>
-                    <a:p>
-                      <a:pPr algn="ctr"/>
-                      <a:r>
-                        <a:rPr lang="zh-CN" altLang="en-US" dirty="0" smtClean="0">
-                          <a:latin typeface="Times New Roman" panose="02020603050405020304" pitchFamily="18" charset="0"/>
-                          <a:cs typeface="Times New Roman" panose="02020603050405020304" pitchFamily="18" charset="0"/>
-                        </a:rPr>
-                        <a:t>集成</a:t>
-                      </a:r>
-                      <a:endParaRPr lang="zh-CN" altLang="en-US" dirty="0">
-                        <a:latin typeface="Times New Roman" panose="02020603050405020304" pitchFamily="18" charset="0"/>
-                        <a:cs typeface="Times New Roman" panose="02020603050405020304" pitchFamily="18" charset="0"/>
-                      </a:endParaRPr>
-                    </a:p>
-                  </a:txBody>
-                  <a:tcPr/>
-                </a:tc>
-                <a:tc>
-                  <a:txBody>
-                    <a:bodyPr/>
-                    <a:lstStyle/>
-                    <a:p>
-                      <a:pPr algn="ctr"/>
-                      <a:r>
-                        <a:rPr lang="zh-CN" altLang="en-US" dirty="0" smtClean="0">
-                          <a:latin typeface="Times New Roman" panose="02020603050405020304" pitchFamily="18" charset="0"/>
-                          <a:cs typeface="Times New Roman" panose="02020603050405020304" pitchFamily="18" charset="0"/>
-                        </a:rPr>
-                        <a:t>√</a:t>
-                      </a:r>
-                      <a:endParaRPr lang="zh-CN" altLang="en-US" dirty="0">
-                        <a:latin typeface="Times New Roman" panose="02020603050405020304" pitchFamily="18" charset="0"/>
-                        <a:cs typeface="Times New Roman" panose="02020603050405020304" pitchFamily="18" charset="0"/>
-                      </a:endParaRPr>
-                    </a:p>
-                  </a:txBody>
-                  <a:tcPr/>
-                </a:tc>
-                <a:tc>
-                  <a:txBody>
-                    <a:bodyPr/>
-                    <a:lstStyle/>
-                    <a:p>
-                      <a:pPr algn="ctr"/>
-                      <a:r>
-                        <a:rPr lang="zh-CN" altLang="en-US" dirty="0" smtClean="0">
-                          <a:latin typeface="Times New Roman" panose="02020603050405020304" pitchFamily="18" charset="0"/>
-                          <a:cs typeface="Times New Roman" panose="02020603050405020304" pitchFamily="18" charset="0"/>
-                        </a:rPr>
-                        <a:t>√</a:t>
-                      </a:r>
-                      <a:endParaRPr lang="zh-CN" altLang="en-US" dirty="0">
-                        <a:latin typeface="Times New Roman" panose="02020603050405020304" pitchFamily="18" charset="0"/>
-                        <a:cs typeface="Times New Roman" panose="02020603050405020304" pitchFamily="18" charset="0"/>
-                      </a:endParaRPr>
-                    </a:p>
-                  </a:txBody>
-                  <a:tcPr/>
-                </a:tc>
-                <a:tc>
-                  <a:txBody>
-                    <a:bodyPr/>
-                    <a:lstStyle/>
-                    <a:p>
-                      <a:pPr algn="ctr"/>
-                      <a:r>
-                        <a:rPr lang="zh-CN" altLang="en-US" dirty="0" smtClean="0">
-                          <a:latin typeface="Times New Roman" panose="02020603050405020304" pitchFamily="18" charset="0"/>
-                          <a:cs typeface="Times New Roman" panose="02020603050405020304" pitchFamily="18" charset="0"/>
-                        </a:rPr>
-                        <a:t>√</a:t>
-                      </a:r>
-                      <a:endParaRPr lang="zh-CN" altLang="en-US" dirty="0">
-                        <a:latin typeface="Times New Roman" panose="02020603050405020304" pitchFamily="18" charset="0"/>
-                        <a:cs typeface="Times New Roman" panose="02020603050405020304" pitchFamily="18" charset="0"/>
-                      </a:endParaRPr>
-                    </a:p>
-                  </a:txBody>
-                  <a:tcPr/>
-                </a:tc>
+                <a:extLst>
+                  <a:ext uri="{0D108BD9-81ED-4DB2-BD59-A6C34878D82A}">
+                    <a16:rowId xmlns:a16="http://schemas.microsoft.com/office/drawing/2014/main" val="10004"/>
+                  </a:ext>
+                </a:extLst>
               </a:tr>
             </a:tbl>
           </a:graphicData>
@@ -11717,7 +11721,7 @@
         <p:spPr/>
         <p:txBody>
           <a:bodyPr>
-            <a:normAutofit/>
+            <a:normAutofit fontScale="90000"/>
           </a:bodyPr>
           <a:lstStyle/>
           <a:p>
@@ -11754,10 +11758,34 @@
                 <a:tableStyleId>{5C22544A-7EE6-4342-B048-85BDC9FD1C3A}</a:tableStyleId>
               </a:tblPr>
               <a:tblGrid>
-                <a:gridCol w="660255"/>
-                <a:gridCol w="995163"/>
-                <a:gridCol w="1008112"/>
-                <a:gridCol w="1008113"/>
+                <a:gridCol w="660255">
+                  <a:extLst>
+                    <a:ext uri="{9D8B030D-6E8A-4147-A177-3AD203B41FA5}">
+                      <a16:colId xmlns:a16="http://schemas.microsoft.com/office/drawing/2014/main" val="20000"/>
+                    </a:ext>
+                  </a:extLst>
+                </a:gridCol>
+                <a:gridCol w="995163">
+                  <a:extLst>
+                    <a:ext uri="{9D8B030D-6E8A-4147-A177-3AD203B41FA5}">
+                      <a16:colId xmlns:a16="http://schemas.microsoft.com/office/drawing/2014/main" val="20001"/>
+                    </a:ext>
+                  </a:extLst>
+                </a:gridCol>
+                <a:gridCol w="1008112">
+                  <a:extLst>
+                    <a:ext uri="{9D8B030D-6E8A-4147-A177-3AD203B41FA5}">
+                      <a16:colId xmlns:a16="http://schemas.microsoft.com/office/drawing/2014/main" val="20002"/>
+                    </a:ext>
+                  </a:extLst>
+                </a:gridCol>
+                <a:gridCol w="1008113">
+                  <a:extLst>
+                    <a:ext uri="{9D8B030D-6E8A-4147-A177-3AD203B41FA5}">
+                      <a16:colId xmlns:a16="http://schemas.microsoft.com/office/drawing/2014/main" val="20003"/>
+                    </a:ext>
+                  </a:extLst>
+                </a:gridCol>
               </a:tblGrid>
               <a:tr h="370840">
                 <a:tc>
@@ -11778,11 +11806,11 @@
                     <a:p>
                       <a:pPr algn="ctr"/>
                       <a:r>
-                        <a:rPr lang="zh-CN" altLang="en-US" dirty="0" smtClean="0"/>
+                        <a:rPr lang="zh-CN" altLang="en-US" dirty="0"/>
                         <a:t>测试例</a:t>
                       </a:r>
                       <a:r>
-                        <a:rPr lang="en-US" altLang="zh-CN" dirty="0" smtClean="0"/>
+                        <a:rPr lang="en-US" altLang="zh-CN" dirty="0"/>
                         <a:t>1</a:t>
                       </a:r>
                       <a:endParaRPr lang="zh-CN" altLang="en-US" dirty="0"/>
@@ -11797,11 +11825,11 @@
                     <a:p>
                       <a:pPr algn="ctr"/>
                       <a:r>
-                        <a:rPr lang="zh-CN" altLang="en-US" dirty="0" smtClean="0"/>
+                        <a:rPr lang="zh-CN" altLang="en-US" dirty="0"/>
                         <a:t>测试例</a:t>
                       </a:r>
                       <a:r>
-                        <a:rPr lang="en-US" altLang="zh-CN" dirty="0" smtClean="0"/>
+                        <a:rPr lang="en-US" altLang="zh-CN" dirty="0"/>
                         <a:t>2</a:t>
                       </a:r>
                       <a:endParaRPr lang="zh-CN" altLang="en-US" dirty="0"/>
@@ -11816,11 +11844,11 @@
                     <a:p>
                       <a:pPr algn="ctr"/>
                       <a:r>
-                        <a:rPr lang="zh-CN" altLang="en-US" dirty="0" smtClean="0"/>
+                        <a:rPr lang="zh-CN" altLang="en-US" dirty="0"/>
                         <a:t>测试例</a:t>
                       </a:r>
                       <a:r>
-                        <a:rPr lang="en-US" altLang="zh-CN" dirty="0" smtClean="0"/>
+                        <a:rPr lang="en-US" altLang="zh-CN" dirty="0"/>
                         <a:t>3</a:t>
                       </a:r>
                       <a:endParaRPr lang="zh-CN" altLang="en-US" dirty="0"/>
@@ -11828,6 +11856,11 @@
                   </a:txBody>
                   <a:tcPr/>
                 </a:tc>
+                <a:extLst>
+                  <a:ext uri="{0D108BD9-81ED-4DB2-BD59-A6C34878D82A}">
+                    <a16:rowId xmlns:a16="http://schemas.microsoft.com/office/drawing/2014/main" val="10000"/>
+                  </a:ext>
+                </a:extLst>
               </a:tr>
               <a:tr h="370840">
                 <a:tc>
@@ -11837,14 +11870,14 @@
                     <a:p>
                       <a:pPr algn="ctr"/>
                       <a:r>
-                        <a:rPr lang="en-US" altLang="zh-CN" i="1" dirty="0" smtClean="0">
+                        <a:rPr lang="en-US" altLang="zh-CN" i="1" dirty="0">
                           <a:latin typeface="Times New Roman" panose="02020603050405020304" pitchFamily="18" charset="0"/>
                           <a:cs typeface="Times New Roman" panose="02020603050405020304" pitchFamily="18" charset="0"/>
                         </a:rPr>
                         <a:t>h</a:t>
                       </a:r>
                       <a:r>
-                        <a:rPr lang="en-US" altLang="zh-CN" i="0" baseline="-25000" dirty="0" smtClean="0">
+                        <a:rPr lang="en-US" altLang="zh-CN" i="0" baseline="-25000" dirty="0">
                           <a:latin typeface="Times New Roman" panose="02020603050405020304" pitchFamily="18" charset="0"/>
                           <a:cs typeface="Times New Roman" panose="02020603050405020304" pitchFamily="18" charset="0"/>
                         </a:rPr>
@@ -11865,16 +11898,12 @@
                     <a:p>
                       <a:pPr algn="ctr"/>
                       <a:r>
-                        <a:rPr lang="zh-CN" altLang="en-US" dirty="0" smtClean="0">
+                        <a:rPr lang="zh-CN" altLang="en-US" dirty="0">
                           <a:latin typeface="Times New Roman" panose="02020603050405020304" pitchFamily="18" charset="0"/>
                           <a:cs typeface="Times New Roman" panose="02020603050405020304" pitchFamily="18" charset="0"/>
                         </a:rPr>
                         <a:t>√</a:t>
                       </a:r>
-                      <a:endParaRPr lang="zh-CN" altLang="en-US" dirty="0">
-                        <a:latin typeface="Times New Roman" panose="02020603050405020304" pitchFamily="18" charset="0"/>
-                        <a:cs typeface="Times New Roman" panose="02020603050405020304" pitchFamily="18" charset="0"/>
-                      </a:endParaRPr>
                     </a:p>
                   </a:txBody>
                   <a:tcPr/>
@@ -11886,16 +11915,12 @@
                     <a:p>
                       <a:pPr algn="ctr"/>
                       <a:r>
-                        <a:rPr lang="zh-CN" altLang="en-US" dirty="0" smtClean="0">
+                        <a:rPr lang="zh-CN" altLang="en-US" dirty="0">
                           <a:latin typeface="Times New Roman" panose="02020603050405020304" pitchFamily="18" charset="0"/>
                           <a:cs typeface="Times New Roman" panose="02020603050405020304" pitchFamily="18" charset="0"/>
                         </a:rPr>
                         <a:t>√</a:t>
                       </a:r>
-                      <a:endParaRPr lang="zh-CN" altLang="en-US" dirty="0">
-                        <a:latin typeface="Times New Roman" panose="02020603050405020304" pitchFamily="18" charset="0"/>
-                        <a:cs typeface="Times New Roman" panose="02020603050405020304" pitchFamily="18" charset="0"/>
-                      </a:endParaRPr>
                     </a:p>
                   </a:txBody>
                   <a:tcPr/>
@@ -11907,7 +11932,7 @@
                     <a:p>
                       <a:pPr algn="ctr"/>
                       <a:r>
-                        <a:rPr lang="en-US" altLang="zh-CN" dirty="0" smtClean="0">
+                        <a:rPr lang="en-US" altLang="zh-CN" dirty="0">
                           <a:latin typeface="Times New Roman" panose="02020603050405020304" pitchFamily="18" charset="0"/>
                           <a:cs typeface="Times New Roman" panose="02020603050405020304" pitchFamily="18" charset="0"/>
                         </a:rPr>
@@ -11921,6 +11946,11 @@
                   </a:txBody>
                   <a:tcPr/>
                 </a:tc>
+                <a:extLst>
+                  <a:ext uri="{0D108BD9-81ED-4DB2-BD59-A6C34878D82A}">
+                    <a16:rowId xmlns:a16="http://schemas.microsoft.com/office/drawing/2014/main" val="10001"/>
+                  </a:ext>
+                </a:extLst>
               </a:tr>
               <a:tr h="370840">
                 <a:tc>
@@ -11930,14 +11960,14 @@
                     <a:p>
                       <a:pPr algn="ctr"/>
                       <a:r>
-                        <a:rPr lang="en-US" altLang="zh-CN" i="1" dirty="0" smtClean="0">
+                        <a:rPr lang="en-US" altLang="zh-CN" i="1" dirty="0">
                           <a:latin typeface="Times New Roman" panose="02020603050405020304" pitchFamily="18" charset="0"/>
                           <a:cs typeface="Times New Roman" panose="02020603050405020304" pitchFamily="18" charset="0"/>
                         </a:rPr>
                         <a:t>h</a:t>
                       </a:r>
                       <a:r>
-                        <a:rPr lang="en-US" altLang="zh-CN" i="0" baseline="-25000" dirty="0" smtClean="0">
+                        <a:rPr lang="en-US" altLang="zh-CN" i="0" baseline="-25000" dirty="0">
                           <a:latin typeface="Times New Roman" panose="02020603050405020304" pitchFamily="18" charset="0"/>
                           <a:cs typeface="Times New Roman" panose="02020603050405020304" pitchFamily="18" charset="0"/>
                         </a:rPr>
@@ -11958,16 +11988,12 @@
                     <a:p>
                       <a:pPr algn="ctr"/>
                       <a:r>
-                        <a:rPr lang="zh-CN" altLang="en-US" dirty="0" smtClean="0">
+                        <a:rPr lang="zh-CN" altLang="en-US" dirty="0">
                           <a:latin typeface="Times New Roman" panose="02020603050405020304" pitchFamily="18" charset="0"/>
                           <a:cs typeface="Times New Roman" panose="02020603050405020304" pitchFamily="18" charset="0"/>
                         </a:rPr>
                         <a:t>√</a:t>
                       </a:r>
-                      <a:endParaRPr lang="zh-CN" altLang="en-US" dirty="0">
-                        <a:latin typeface="Times New Roman" panose="02020603050405020304" pitchFamily="18" charset="0"/>
-                        <a:cs typeface="Times New Roman" panose="02020603050405020304" pitchFamily="18" charset="0"/>
-                      </a:endParaRPr>
                     </a:p>
                   </a:txBody>
                   <a:tcPr/>
@@ -11979,16 +12005,12 @@
                     <a:p>
                       <a:pPr algn="ctr"/>
                       <a:r>
-                        <a:rPr lang="zh-CN" altLang="en-US" dirty="0" smtClean="0">
+                        <a:rPr lang="zh-CN" altLang="en-US" dirty="0">
                           <a:latin typeface="Times New Roman" panose="02020603050405020304" pitchFamily="18" charset="0"/>
                           <a:cs typeface="Times New Roman" panose="02020603050405020304" pitchFamily="18" charset="0"/>
                         </a:rPr>
                         <a:t>√</a:t>
                       </a:r>
-                      <a:endParaRPr lang="zh-CN" altLang="en-US" dirty="0">
-                        <a:latin typeface="Times New Roman" panose="02020603050405020304" pitchFamily="18" charset="0"/>
-                        <a:cs typeface="Times New Roman" panose="02020603050405020304" pitchFamily="18" charset="0"/>
-                      </a:endParaRPr>
                     </a:p>
                   </a:txBody>
                   <a:tcPr/>
@@ -12000,7 +12022,7 @@
                     <a:p>
                       <a:pPr algn="ctr"/>
                       <a:r>
-                        <a:rPr lang="en-US" altLang="zh-CN" dirty="0" smtClean="0">
+                        <a:rPr lang="en-US" altLang="zh-CN" dirty="0">
                           <a:latin typeface="Times New Roman" panose="02020603050405020304" pitchFamily="18" charset="0"/>
                           <a:cs typeface="Times New Roman" panose="02020603050405020304" pitchFamily="18" charset="0"/>
                         </a:rPr>
@@ -12014,6 +12036,11 @@
                   </a:txBody>
                   <a:tcPr/>
                 </a:tc>
+                <a:extLst>
+                  <a:ext uri="{0D108BD9-81ED-4DB2-BD59-A6C34878D82A}">
+                    <a16:rowId xmlns:a16="http://schemas.microsoft.com/office/drawing/2014/main" val="10002"/>
+                  </a:ext>
+                </a:extLst>
               </a:tr>
               <a:tr h="370840">
                 <a:tc>
@@ -12023,14 +12050,14 @@
                     <a:p>
                       <a:pPr algn="ctr"/>
                       <a:r>
-                        <a:rPr lang="en-US" altLang="zh-CN" i="1" dirty="0" smtClean="0">
+                        <a:rPr lang="en-US" altLang="zh-CN" i="1" dirty="0">
                           <a:latin typeface="Times New Roman" panose="02020603050405020304" pitchFamily="18" charset="0"/>
                           <a:cs typeface="Times New Roman" panose="02020603050405020304" pitchFamily="18" charset="0"/>
                         </a:rPr>
                         <a:t>h</a:t>
                       </a:r>
                       <a:r>
-                        <a:rPr lang="en-US" altLang="zh-CN" baseline="-25000" dirty="0" smtClean="0">
+                        <a:rPr lang="en-US" altLang="zh-CN" baseline="-25000" dirty="0">
                           <a:latin typeface="Times New Roman" panose="02020603050405020304" pitchFamily="18" charset="0"/>
                           <a:cs typeface="Times New Roman" panose="02020603050405020304" pitchFamily="18" charset="0"/>
                         </a:rPr>
@@ -12051,16 +12078,12 @@
                     <a:p>
                       <a:pPr algn="ctr"/>
                       <a:r>
-                        <a:rPr lang="zh-CN" altLang="en-US" dirty="0" smtClean="0">
+                        <a:rPr lang="zh-CN" altLang="en-US" dirty="0">
                           <a:latin typeface="Times New Roman" panose="02020603050405020304" pitchFamily="18" charset="0"/>
                           <a:cs typeface="Times New Roman" panose="02020603050405020304" pitchFamily="18" charset="0"/>
                         </a:rPr>
                         <a:t>√</a:t>
                       </a:r>
-                      <a:endParaRPr lang="zh-CN" altLang="en-US" dirty="0">
-                        <a:latin typeface="Times New Roman" panose="02020603050405020304" pitchFamily="18" charset="0"/>
-                        <a:cs typeface="Times New Roman" panose="02020603050405020304" pitchFamily="18" charset="0"/>
-                      </a:endParaRPr>
                     </a:p>
                   </a:txBody>
                   <a:tcPr/>
@@ -12072,16 +12095,12 @@
                     <a:p>
                       <a:pPr algn="ctr"/>
                       <a:r>
-                        <a:rPr lang="zh-CN" altLang="en-US" dirty="0" smtClean="0">
+                        <a:rPr lang="zh-CN" altLang="en-US" dirty="0">
                           <a:latin typeface="Times New Roman" panose="02020603050405020304" pitchFamily="18" charset="0"/>
                           <a:cs typeface="Times New Roman" panose="02020603050405020304" pitchFamily="18" charset="0"/>
                         </a:rPr>
                         <a:t>√</a:t>
                       </a:r>
-                      <a:endParaRPr lang="zh-CN" altLang="en-US" dirty="0">
-                        <a:latin typeface="Times New Roman" panose="02020603050405020304" pitchFamily="18" charset="0"/>
-                        <a:cs typeface="Times New Roman" panose="02020603050405020304" pitchFamily="18" charset="0"/>
-                      </a:endParaRPr>
                     </a:p>
                   </a:txBody>
                   <a:tcPr/>
@@ -12093,7 +12112,7 @@
                     <a:p>
                       <a:pPr algn="ctr"/>
                       <a:r>
-                        <a:rPr lang="en-US" altLang="zh-CN" dirty="0" smtClean="0">
+                        <a:rPr lang="en-US" altLang="zh-CN" dirty="0">
                           <a:latin typeface="Times New Roman" panose="02020603050405020304" pitchFamily="18" charset="0"/>
                           <a:cs typeface="Times New Roman" panose="02020603050405020304" pitchFamily="18" charset="0"/>
                         </a:rPr>
@@ -12107,6 +12126,11 @@
                   </a:txBody>
                   <a:tcPr/>
                 </a:tc>
+                <a:extLst>
+                  <a:ext uri="{0D108BD9-81ED-4DB2-BD59-A6C34878D82A}">
+                    <a16:rowId xmlns:a16="http://schemas.microsoft.com/office/drawing/2014/main" val="10003"/>
+                  </a:ext>
+                </a:extLst>
               </a:tr>
               <a:tr h="370840">
                 <a:tc>
@@ -12116,16 +12140,12 @@
                     <a:p>
                       <a:pPr algn="ctr"/>
                       <a:r>
-                        <a:rPr lang="zh-CN" altLang="en-US" dirty="0" smtClean="0">
+                        <a:rPr lang="zh-CN" altLang="en-US" dirty="0">
                           <a:latin typeface="Times New Roman" panose="02020603050405020304" pitchFamily="18" charset="0"/>
                           <a:cs typeface="Times New Roman" panose="02020603050405020304" pitchFamily="18" charset="0"/>
                         </a:rPr>
                         <a:t>集成</a:t>
                       </a:r>
-                      <a:endParaRPr lang="zh-CN" altLang="en-US" dirty="0">
-                        <a:latin typeface="Times New Roman" panose="02020603050405020304" pitchFamily="18" charset="0"/>
-                        <a:cs typeface="Times New Roman" panose="02020603050405020304" pitchFamily="18" charset="0"/>
-                      </a:endParaRPr>
                     </a:p>
                   </a:txBody>
                   <a:tcPr/>
@@ -12137,16 +12157,12 @@
                     <a:p>
                       <a:pPr algn="ctr"/>
                       <a:r>
-                        <a:rPr lang="zh-CN" altLang="en-US" dirty="0" smtClean="0">
+                        <a:rPr lang="zh-CN" altLang="en-US" dirty="0">
                           <a:latin typeface="Times New Roman" panose="02020603050405020304" pitchFamily="18" charset="0"/>
                           <a:cs typeface="Times New Roman" panose="02020603050405020304" pitchFamily="18" charset="0"/>
                         </a:rPr>
                         <a:t>√</a:t>
                       </a:r>
-                      <a:endParaRPr lang="zh-CN" altLang="en-US" dirty="0">
-                        <a:latin typeface="Times New Roman" panose="02020603050405020304" pitchFamily="18" charset="0"/>
-                        <a:cs typeface="Times New Roman" panose="02020603050405020304" pitchFamily="18" charset="0"/>
-                      </a:endParaRPr>
                     </a:p>
                   </a:txBody>
                   <a:tcPr/>
@@ -12158,16 +12174,12 @@
                     <a:p>
                       <a:pPr algn="ctr"/>
                       <a:r>
-                        <a:rPr lang="zh-CN" altLang="en-US" dirty="0" smtClean="0">
+                        <a:rPr lang="zh-CN" altLang="en-US" dirty="0">
                           <a:latin typeface="Times New Roman" panose="02020603050405020304" pitchFamily="18" charset="0"/>
                           <a:cs typeface="Times New Roman" panose="02020603050405020304" pitchFamily="18" charset="0"/>
                         </a:rPr>
                         <a:t>√</a:t>
                       </a:r>
-                      <a:endParaRPr lang="zh-CN" altLang="en-US" dirty="0">
-                        <a:latin typeface="Times New Roman" panose="02020603050405020304" pitchFamily="18" charset="0"/>
-                        <a:cs typeface="Times New Roman" panose="02020603050405020304" pitchFamily="18" charset="0"/>
-                      </a:endParaRPr>
                     </a:p>
                   </a:txBody>
                   <a:tcPr/>
@@ -12179,7 +12191,7 @@
                     <a:p>
                       <a:pPr algn="ctr"/>
                       <a:r>
-                        <a:rPr lang="en-US" altLang="zh-CN" dirty="0" smtClean="0">
+                        <a:rPr lang="en-US" altLang="zh-CN" dirty="0">
                           <a:latin typeface="Times New Roman" panose="02020603050405020304" pitchFamily="18" charset="0"/>
                           <a:cs typeface="Times New Roman" panose="02020603050405020304" pitchFamily="18" charset="0"/>
                         </a:rPr>
@@ -12193,6 +12205,11 @@
                   </a:txBody>
                   <a:tcPr/>
                 </a:tc>
+                <a:extLst>
+                  <a:ext uri="{0D108BD9-81ED-4DB2-BD59-A6C34878D82A}">
+                    <a16:rowId xmlns:a16="http://schemas.microsoft.com/office/drawing/2014/main" val="10004"/>
+                  </a:ext>
+                </a:extLst>
               </a:tr>
             </a:tbl>
           </a:graphicData>
@@ -12221,7 +12238,7 @@
           <a:lstStyle/>
           <a:p>
             <a:r>
-              <a:rPr lang="en-US" altLang="zh-CN" dirty="0" smtClean="0">
+              <a:rPr lang="en-US" altLang="zh-CN" dirty="0">
                 <a:latin typeface="Times New Roman" panose="02020603050405020304" pitchFamily="18" charset="0"/>
                 <a:cs typeface="Times New Roman" panose="02020603050405020304" pitchFamily="18" charset="0"/>
               </a:rPr>
@@ -12257,7 +12274,7 @@
           <a:lstStyle/>
           <a:p>
             <a:r>
-              <a:rPr lang="en-US" altLang="zh-CN" dirty="0" smtClean="0">
+              <a:rPr lang="en-US" altLang="zh-CN" dirty="0">
                 <a:latin typeface="Times New Roman" panose="02020603050405020304" pitchFamily="18" charset="0"/>
                 <a:cs typeface="Times New Roman" panose="02020603050405020304" pitchFamily="18" charset="0"/>
               </a:rPr>
@@ -12295,10 +12312,34 @@
                 <a:tableStyleId>{5C22544A-7EE6-4342-B048-85BDC9FD1C3A}</a:tableStyleId>
               </a:tblPr>
               <a:tblGrid>
-                <a:gridCol w="660255"/>
-                <a:gridCol w="995163"/>
-                <a:gridCol w="1008112"/>
-                <a:gridCol w="1008113"/>
+                <a:gridCol w="660255">
+                  <a:extLst>
+                    <a:ext uri="{9D8B030D-6E8A-4147-A177-3AD203B41FA5}">
+                      <a16:colId xmlns:a16="http://schemas.microsoft.com/office/drawing/2014/main" val="20000"/>
+                    </a:ext>
+                  </a:extLst>
+                </a:gridCol>
+                <a:gridCol w="995163">
+                  <a:extLst>
+                    <a:ext uri="{9D8B030D-6E8A-4147-A177-3AD203B41FA5}">
+                      <a16:colId xmlns:a16="http://schemas.microsoft.com/office/drawing/2014/main" val="20001"/>
+                    </a:ext>
+                  </a:extLst>
+                </a:gridCol>
+                <a:gridCol w="1008112">
+                  <a:extLst>
+                    <a:ext uri="{9D8B030D-6E8A-4147-A177-3AD203B41FA5}">
+                      <a16:colId xmlns:a16="http://schemas.microsoft.com/office/drawing/2014/main" val="20002"/>
+                    </a:ext>
+                  </a:extLst>
+                </a:gridCol>
+                <a:gridCol w="1008113">
+                  <a:extLst>
+                    <a:ext uri="{9D8B030D-6E8A-4147-A177-3AD203B41FA5}">
+                      <a16:colId xmlns:a16="http://schemas.microsoft.com/office/drawing/2014/main" val="20003"/>
+                    </a:ext>
+                  </a:extLst>
+                </a:gridCol>
               </a:tblGrid>
               <a:tr h="370840">
                 <a:tc>
@@ -12319,11 +12360,11 @@
                     <a:p>
                       <a:pPr algn="ctr"/>
                       <a:r>
-                        <a:rPr lang="zh-CN" altLang="en-US" dirty="0" smtClean="0"/>
+                        <a:rPr lang="zh-CN" altLang="en-US" dirty="0"/>
                         <a:t>测试例</a:t>
                       </a:r>
                       <a:r>
-                        <a:rPr lang="en-US" altLang="zh-CN" dirty="0" smtClean="0"/>
+                        <a:rPr lang="en-US" altLang="zh-CN" dirty="0"/>
                         <a:t>1</a:t>
                       </a:r>
                       <a:endParaRPr lang="zh-CN" altLang="en-US" dirty="0"/>
@@ -12338,11 +12379,11 @@
                     <a:p>
                       <a:pPr algn="ctr"/>
                       <a:r>
-                        <a:rPr lang="zh-CN" altLang="en-US" dirty="0" smtClean="0"/>
+                        <a:rPr lang="zh-CN" altLang="en-US" dirty="0"/>
                         <a:t>测试例</a:t>
                       </a:r>
                       <a:r>
-                        <a:rPr lang="en-US" altLang="zh-CN" dirty="0" smtClean="0"/>
+                        <a:rPr lang="en-US" altLang="zh-CN" dirty="0"/>
                         <a:t>2</a:t>
                       </a:r>
                       <a:endParaRPr lang="zh-CN" altLang="en-US" dirty="0"/>
@@ -12357,11 +12398,11 @@
                     <a:p>
                       <a:pPr algn="ctr"/>
                       <a:r>
-                        <a:rPr lang="zh-CN" altLang="en-US" dirty="0" smtClean="0"/>
+                        <a:rPr lang="zh-CN" altLang="en-US" dirty="0"/>
                         <a:t>测试例</a:t>
                       </a:r>
                       <a:r>
-                        <a:rPr lang="en-US" altLang="zh-CN" dirty="0" smtClean="0"/>
+                        <a:rPr lang="en-US" altLang="zh-CN" dirty="0"/>
                         <a:t>3</a:t>
                       </a:r>
                       <a:endParaRPr lang="zh-CN" altLang="en-US" dirty="0"/>
@@ -12369,6 +12410,11 @@
                   </a:txBody>
                   <a:tcPr/>
                 </a:tc>
+                <a:extLst>
+                  <a:ext uri="{0D108BD9-81ED-4DB2-BD59-A6C34878D82A}">
+                    <a16:rowId xmlns:a16="http://schemas.microsoft.com/office/drawing/2014/main" val="10000"/>
+                  </a:ext>
+                </a:extLst>
               </a:tr>
               <a:tr h="370840">
                 <a:tc>
@@ -12378,14 +12424,14 @@
                     <a:p>
                       <a:pPr algn="ctr"/>
                       <a:r>
-                        <a:rPr lang="en-US" altLang="zh-CN" i="1" dirty="0" smtClean="0">
+                        <a:rPr lang="en-US" altLang="zh-CN" i="1" dirty="0">
                           <a:latin typeface="Times New Roman" panose="02020603050405020304" pitchFamily="18" charset="0"/>
                           <a:cs typeface="Times New Roman" panose="02020603050405020304" pitchFamily="18" charset="0"/>
                         </a:rPr>
                         <a:t>h</a:t>
                       </a:r>
                       <a:r>
-                        <a:rPr lang="en-US" altLang="zh-CN" i="0" baseline="-25000" dirty="0" smtClean="0">
+                        <a:rPr lang="en-US" altLang="zh-CN" i="0" baseline="-25000" dirty="0">
                           <a:latin typeface="Times New Roman" panose="02020603050405020304" pitchFamily="18" charset="0"/>
                           <a:cs typeface="Times New Roman" panose="02020603050405020304" pitchFamily="18" charset="0"/>
                         </a:rPr>
@@ -12406,11 +12452,28 @@
                     <a:p>
                       <a:pPr algn="ctr"/>
                       <a:r>
-                        <a:rPr lang="zh-CN" altLang="en-US" dirty="0" smtClean="0">
+                        <a:rPr lang="zh-CN" altLang="en-US" dirty="0">
                           <a:latin typeface="Times New Roman" panose="02020603050405020304" pitchFamily="18" charset="0"/>
                           <a:cs typeface="Times New Roman" panose="02020603050405020304" pitchFamily="18" charset="0"/>
                         </a:rPr>
                         <a:t>√</a:t>
+                      </a:r>
+                    </a:p>
+                  </a:txBody>
+                  <a:tcPr/>
+                </a:tc>
+                <a:tc>
+                  <a:txBody>
+                    <a:bodyPr/>
+                    <a:lstStyle/>
+                    <a:p>
+                      <a:pPr algn="ctr"/>
+                      <a:r>
+                        <a:rPr lang="en-US" altLang="zh-CN" dirty="0">
+                          <a:latin typeface="Times New Roman" panose="02020603050405020304" pitchFamily="18" charset="0"/>
+                          <a:cs typeface="Times New Roman" panose="02020603050405020304" pitchFamily="18" charset="0"/>
+                        </a:rPr>
+                        <a:t>×</a:t>
                       </a:r>
                       <a:endParaRPr lang="zh-CN" altLang="en-US" dirty="0">
                         <a:latin typeface="Times New Roman" panose="02020603050405020304" pitchFamily="18" charset="0"/>
@@ -12427,7 +12490,63 @@
                     <a:p>
                       <a:pPr algn="ctr"/>
                       <a:r>
-                        <a:rPr lang="en-US" altLang="zh-CN" dirty="0" smtClean="0">
+                        <a:rPr lang="en-US" altLang="zh-CN" dirty="0">
+                          <a:latin typeface="Times New Roman" panose="02020603050405020304" pitchFamily="18" charset="0"/>
+                          <a:cs typeface="Times New Roman" panose="02020603050405020304" pitchFamily="18" charset="0"/>
+                        </a:rPr>
+                        <a:t>×</a:t>
+                      </a:r>
+                      <a:endParaRPr lang="zh-CN" altLang="en-US" dirty="0">
+                        <a:latin typeface="Times New Roman" panose="02020603050405020304" pitchFamily="18" charset="0"/>
+                        <a:cs typeface="Times New Roman" panose="02020603050405020304" pitchFamily="18" charset="0"/>
+                      </a:endParaRPr>
+                    </a:p>
+                  </a:txBody>
+                  <a:tcPr/>
+                </a:tc>
+                <a:extLst>
+                  <a:ext uri="{0D108BD9-81ED-4DB2-BD59-A6C34878D82A}">
+                    <a16:rowId xmlns:a16="http://schemas.microsoft.com/office/drawing/2014/main" val="10001"/>
+                  </a:ext>
+                </a:extLst>
+              </a:tr>
+              <a:tr h="370840">
+                <a:tc>
+                  <a:txBody>
+                    <a:bodyPr/>
+                    <a:lstStyle/>
+                    <a:p>
+                      <a:pPr algn="ctr"/>
+                      <a:r>
+                        <a:rPr lang="en-US" altLang="zh-CN" i="1" dirty="0">
+                          <a:latin typeface="Times New Roman" panose="02020603050405020304" pitchFamily="18" charset="0"/>
+                          <a:cs typeface="Times New Roman" panose="02020603050405020304" pitchFamily="18" charset="0"/>
+                        </a:rPr>
+                        <a:t>h</a:t>
+                      </a:r>
+                      <a:r>
+                        <a:rPr lang="en-US" altLang="zh-CN" i="0" baseline="-25000" dirty="0">
+                          <a:latin typeface="Times New Roman" panose="02020603050405020304" pitchFamily="18" charset="0"/>
+                          <a:cs typeface="Times New Roman" panose="02020603050405020304" pitchFamily="18" charset="0"/>
+                        </a:rPr>
+                        <a:t>2</a:t>
+                      </a:r>
+                      <a:endParaRPr lang="zh-CN" altLang="en-US" i="0" baseline="-25000" dirty="0">
+                        <a:latin typeface="Times New Roman" panose="02020603050405020304" pitchFamily="18" charset="0"/>
+                        <a:cs typeface="Times New Roman" panose="02020603050405020304" pitchFamily="18" charset="0"/>
+                      </a:endParaRPr>
+                    </a:p>
+                  </a:txBody>
+                  <a:tcPr/>
+                </a:tc>
+                <a:tc>
+                  <a:txBody>
+                    <a:bodyPr/>
+                    <a:lstStyle/>
+                    <a:p>
+                      <a:pPr algn="ctr"/>
+                      <a:r>
+                        <a:rPr lang="en-US" altLang="zh-CN" dirty="0">
                           <a:latin typeface="Times New Roman" panose="02020603050405020304" pitchFamily="18" charset="0"/>
                           <a:cs typeface="Times New Roman" panose="02020603050405020304" pitchFamily="18" charset="0"/>
                         </a:rPr>
@@ -12448,7 +12567,24 @@
                     <a:p>
                       <a:pPr algn="ctr"/>
                       <a:r>
-                        <a:rPr lang="en-US" altLang="zh-CN" dirty="0" smtClean="0">
+                        <a:rPr lang="zh-CN" altLang="en-US" dirty="0">
+                          <a:latin typeface="Times New Roman" panose="02020603050405020304" pitchFamily="18" charset="0"/>
+                          <a:cs typeface="Times New Roman" panose="02020603050405020304" pitchFamily="18" charset="0"/>
+                        </a:rPr>
+                        <a:t>√</a:t>
+                      </a:r>
+                    </a:p>
+                  </a:txBody>
+                  <a:tcPr/>
+                </a:tc>
+                <a:tc>
+                  <a:txBody>
+                    <a:bodyPr/>
+                    <a:lstStyle/>
+                    <a:p>
+                      <a:pPr algn="ctr"/>
+                      <a:r>
+                        <a:rPr lang="en-US" altLang="zh-CN" dirty="0">
                           <a:latin typeface="Times New Roman" panose="02020603050405020304" pitchFamily="18" charset="0"/>
                           <a:cs typeface="Times New Roman" panose="02020603050405020304" pitchFamily="18" charset="0"/>
                         </a:rPr>
@@ -12462,6 +12598,11 @@
                   </a:txBody>
                   <a:tcPr/>
                 </a:tc>
+                <a:extLst>
+                  <a:ext uri="{0D108BD9-81ED-4DB2-BD59-A6C34878D82A}">
+                    <a16:rowId xmlns:a16="http://schemas.microsoft.com/office/drawing/2014/main" val="10002"/>
+                  </a:ext>
+                </a:extLst>
               </a:tr>
               <a:tr h="370840">
                 <a:tc>
@@ -12471,20 +12612,20 @@
                     <a:p>
                       <a:pPr algn="ctr"/>
                       <a:r>
-                        <a:rPr lang="en-US" altLang="zh-CN" i="1" dirty="0" smtClean="0">
+                        <a:rPr lang="en-US" altLang="zh-CN" i="1" dirty="0">
                           <a:latin typeface="Times New Roman" panose="02020603050405020304" pitchFamily="18" charset="0"/>
                           <a:cs typeface="Times New Roman" panose="02020603050405020304" pitchFamily="18" charset="0"/>
                         </a:rPr>
                         <a:t>h</a:t>
                       </a:r>
                       <a:r>
-                        <a:rPr lang="en-US" altLang="zh-CN" i="0" baseline="-25000" dirty="0" smtClean="0">
+                        <a:rPr lang="en-US" altLang="zh-CN" baseline="-25000" dirty="0">
                           <a:latin typeface="Times New Roman" panose="02020603050405020304" pitchFamily="18" charset="0"/>
                           <a:cs typeface="Times New Roman" panose="02020603050405020304" pitchFamily="18" charset="0"/>
                         </a:rPr>
-                        <a:t>2</a:t>
-                      </a:r>
-                      <a:endParaRPr lang="zh-CN" altLang="en-US" i="0" baseline="-25000" dirty="0">
+                        <a:t>3</a:t>
+                      </a:r>
+                      <a:endParaRPr lang="zh-CN" altLang="en-US" baseline="-25000" dirty="0">
                         <a:latin typeface="Times New Roman" panose="02020603050405020304" pitchFamily="18" charset="0"/>
                         <a:cs typeface="Times New Roman" panose="02020603050405020304" pitchFamily="18" charset="0"/>
                       </a:endParaRPr>
@@ -12499,7 +12640,7 @@
                     <a:p>
                       <a:pPr algn="ctr"/>
                       <a:r>
-                        <a:rPr lang="en-US" altLang="zh-CN" dirty="0" smtClean="0">
+                        <a:rPr lang="en-US" altLang="zh-CN" dirty="0">
                           <a:latin typeface="Times New Roman" panose="02020603050405020304" pitchFamily="18" charset="0"/>
                           <a:cs typeface="Times New Roman" panose="02020603050405020304" pitchFamily="18" charset="0"/>
                         </a:rPr>
@@ -12520,11 +12661,11 @@
                     <a:p>
                       <a:pPr algn="ctr"/>
                       <a:r>
-                        <a:rPr lang="zh-CN" altLang="en-US" dirty="0" smtClean="0">
+                        <a:rPr lang="en-US" altLang="zh-CN" dirty="0">
                           <a:latin typeface="Times New Roman" panose="02020603050405020304" pitchFamily="18" charset="0"/>
                           <a:cs typeface="Times New Roman" panose="02020603050405020304" pitchFamily="18" charset="0"/>
                         </a:rPr>
-                        <a:t>√</a:t>
+                        <a:t>×</a:t>
                       </a:r>
                       <a:endParaRPr lang="zh-CN" altLang="en-US" dirty="0">
                         <a:latin typeface="Times New Roman" panose="02020603050405020304" pitchFamily="18" charset="0"/>
@@ -12541,20 +12682,21 @@
                     <a:p>
                       <a:pPr algn="ctr"/>
                       <a:r>
-                        <a:rPr lang="en-US" altLang="zh-CN" dirty="0" smtClean="0">
+                        <a:rPr lang="zh-CN" altLang="en-US" dirty="0">
                           <a:latin typeface="Times New Roman" panose="02020603050405020304" pitchFamily="18" charset="0"/>
                           <a:cs typeface="Times New Roman" panose="02020603050405020304" pitchFamily="18" charset="0"/>
                         </a:rPr>
-                        <a:t>×</a:t>
-                      </a:r>
-                      <a:endParaRPr lang="zh-CN" altLang="en-US" dirty="0">
-                        <a:latin typeface="Times New Roman" panose="02020603050405020304" pitchFamily="18" charset="0"/>
-                        <a:cs typeface="Times New Roman" panose="02020603050405020304" pitchFamily="18" charset="0"/>
-                      </a:endParaRPr>
+                        <a:t>√</a:t>
+                      </a:r>
                     </a:p>
                   </a:txBody>
                   <a:tcPr/>
                 </a:tc>
+                <a:extLst>
+                  <a:ext uri="{0D108BD9-81ED-4DB2-BD59-A6C34878D82A}">
+                    <a16:rowId xmlns:a16="http://schemas.microsoft.com/office/drawing/2014/main" val="10003"/>
+                  </a:ext>
+                </a:extLst>
               </a:tr>
               <a:tr h="370840">
                 <a:tc>
@@ -12564,23 +12706,12 @@
                     <a:p>
                       <a:pPr algn="ctr"/>
                       <a:r>
-                        <a:rPr lang="en-US" altLang="zh-CN" i="1" dirty="0" smtClean="0">
+                        <a:rPr lang="zh-CN" altLang="en-US" dirty="0">
                           <a:latin typeface="Times New Roman" panose="02020603050405020304" pitchFamily="18" charset="0"/>
                           <a:cs typeface="Times New Roman" panose="02020603050405020304" pitchFamily="18" charset="0"/>
                         </a:rPr>
-                        <a:t>h</a:t>
-                      </a:r>
-                      <a:r>
-                        <a:rPr lang="en-US" altLang="zh-CN" baseline="-25000" dirty="0" smtClean="0">
-                          <a:latin typeface="Times New Roman" panose="02020603050405020304" pitchFamily="18" charset="0"/>
-                          <a:cs typeface="Times New Roman" panose="02020603050405020304" pitchFamily="18" charset="0"/>
-                        </a:rPr>
-                        <a:t>3</a:t>
-                      </a:r>
-                      <a:endParaRPr lang="zh-CN" altLang="en-US" baseline="-25000" dirty="0">
-                        <a:latin typeface="Times New Roman" panose="02020603050405020304" pitchFamily="18" charset="0"/>
-                        <a:cs typeface="Times New Roman" panose="02020603050405020304" pitchFamily="18" charset="0"/>
-                      </a:endParaRPr>
+                        <a:t>集成</a:t>
+                      </a:r>
                     </a:p>
                   </a:txBody>
                   <a:tcPr/>
@@ -12592,7 +12723,7 @@
                     <a:p>
                       <a:pPr algn="ctr"/>
                       <a:r>
-                        <a:rPr lang="en-US" altLang="zh-CN" dirty="0" smtClean="0">
+                        <a:rPr lang="en-US" altLang="zh-CN" dirty="0">
                           <a:latin typeface="Times New Roman" panose="02020603050405020304" pitchFamily="18" charset="0"/>
                           <a:cs typeface="Times New Roman" panose="02020603050405020304" pitchFamily="18" charset="0"/>
                         </a:rPr>
@@ -12613,7 +12744,7 @@
                     <a:p>
                       <a:pPr algn="ctr"/>
                       <a:r>
-                        <a:rPr lang="en-US" altLang="zh-CN" dirty="0" smtClean="0">
+                        <a:rPr lang="en-US" altLang="zh-CN" dirty="0">
                           <a:latin typeface="Times New Roman" panose="02020603050405020304" pitchFamily="18" charset="0"/>
                           <a:cs typeface="Times New Roman" panose="02020603050405020304" pitchFamily="18" charset="0"/>
                         </a:rPr>
@@ -12634,11 +12765,11 @@
                     <a:p>
                       <a:pPr algn="ctr"/>
                       <a:r>
-                        <a:rPr lang="zh-CN" altLang="en-US" dirty="0" smtClean="0">
+                        <a:rPr lang="en-US" altLang="zh-CN" dirty="0">
                           <a:latin typeface="Times New Roman" panose="02020603050405020304" pitchFamily="18" charset="0"/>
                           <a:cs typeface="Times New Roman" panose="02020603050405020304" pitchFamily="18" charset="0"/>
                         </a:rPr>
-                        <a:t>√</a:t>
+                        <a:t>×</a:t>
                       </a:r>
                       <a:endParaRPr lang="zh-CN" altLang="en-US" dirty="0">
                         <a:latin typeface="Times New Roman" panose="02020603050405020304" pitchFamily="18" charset="0"/>
@@ -12648,92 +12779,11 @@
                   </a:txBody>
                   <a:tcPr/>
                 </a:tc>
-              </a:tr>
-              <a:tr h="370840">
-                <a:tc>
-                  <a:txBody>
-                    <a:bodyPr/>
-                    <a:lstStyle/>
-                    <a:p>
-                      <a:pPr algn="ctr"/>
-                      <a:r>
-                        <a:rPr lang="zh-CN" altLang="en-US" dirty="0" smtClean="0">
-                          <a:latin typeface="Times New Roman" panose="02020603050405020304" pitchFamily="18" charset="0"/>
-                          <a:cs typeface="Times New Roman" panose="02020603050405020304" pitchFamily="18" charset="0"/>
-                        </a:rPr>
-                        <a:t>集成</a:t>
-                      </a:r>
-                      <a:endParaRPr lang="zh-CN" altLang="en-US" dirty="0">
-                        <a:latin typeface="Times New Roman" panose="02020603050405020304" pitchFamily="18" charset="0"/>
-                        <a:cs typeface="Times New Roman" panose="02020603050405020304" pitchFamily="18" charset="0"/>
-                      </a:endParaRPr>
-                    </a:p>
-                  </a:txBody>
-                  <a:tcPr/>
-                </a:tc>
-                <a:tc>
-                  <a:txBody>
-                    <a:bodyPr/>
-                    <a:lstStyle/>
-                    <a:p>
-                      <a:pPr algn="ctr"/>
-                      <a:r>
-                        <a:rPr lang="en-US" altLang="zh-CN" dirty="0" smtClean="0">
-                          <a:latin typeface="Times New Roman" panose="02020603050405020304" pitchFamily="18" charset="0"/>
-                          <a:cs typeface="Times New Roman" panose="02020603050405020304" pitchFamily="18" charset="0"/>
-                        </a:rPr>
-                        <a:t>×</a:t>
-                      </a:r>
-                      <a:endParaRPr lang="zh-CN" altLang="en-US" dirty="0">
-                        <a:latin typeface="Times New Roman" panose="02020603050405020304" pitchFamily="18" charset="0"/>
-                        <a:cs typeface="Times New Roman" panose="02020603050405020304" pitchFamily="18" charset="0"/>
-                      </a:endParaRPr>
-                    </a:p>
-                  </a:txBody>
-                  <a:tcPr/>
-                </a:tc>
-                <a:tc>
-                  <a:txBody>
-                    <a:bodyPr/>
-                    <a:lstStyle/>
-                    <a:p>
-                      <a:pPr algn="ctr"/>
-                      <a:r>
-                        <a:rPr lang="en-US" altLang="zh-CN" dirty="0" smtClean="0">
-                          <a:latin typeface="Times New Roman" panose="02020603050405020304" pitchFamily="18" charset="0"/>
-                          <a:cs typeface="Times New Roman" panose="02020603050405020304" pitchFamily="18" charset="0"/>
-                        </a:rPr>
-                        <a:t>×</a:t>
-                      </a:r>
-                      <a:endParaRPr lang="zh-CN" altLang="en-US" dirty="0">
-                        <a:latin typeface="Times New Roman" panose="02020603050405020304" pitchFamily="18" charset="0"/>
-                        <a:cs typeface="Times New Roman" panose="02020603050405020304" pitchFamily="18" charset="0"/>
-                      </a:endParaRPr>
-                    </a:p>
-                  </a:txBody>
-                  <a:tcPr/>
-                </a:tc>
-                <a:tc>
-                  <a:txBody>
-                    <a:bodyPr/>
-                    <a:lstStyle/>
-                    <a:p>
-                      <a:pPr algn="ctr"/>
-                      <a:r>
-                        <a:rPr lang="en-US" altLang="zh-CN" dirty="0" smtClean="0">
-                          <a:latin typeface="Times New Roman" panose="02020603050405020304" pitchFamily="18" charset="0"/>
-                          <a:cs typeface="Times New Roman" panose="02020603050405020304" pitchFamily="18" charset="0"/>
-                        </a:rPr>
-                        <a:t>×</a:t>
-                      </a:r>
-                      <a:endParaRPr lang="zh-CN" altLang="en-US" dirty="0">
-                        <a:latin typeface="Times New Roman" panose="02020603050405020304" pitchFamily="18" charset="0"/>
-                        <a:cs typeface="Times New Roman" panose="02020603050405020304" pitchFamily="18" charset="0"/>
-                      </a:endParaRPr>
-                    </a:p>
-                  </a:txBody>
-                  <a:tcPr/>
-                </a:tc>
+                <a:extLst>
+                  <a:ext uri="{0D108BD9-81ED-4DB2-BD59-A6C34878D82A}">
+                    <a16:rowId xmlns:a16="http://schemas.microsoft.com/office/drawing/2014/main" val="10004"/>
+                  </a:ext>
+                </a:extLst>
               </a:tr>
             </a:tbl>
           </a:graphicData>
@@ -12761,17 +12811,6 @@
           <a:lstStyle/>
           <a:p>
             <a:r>
-              <a:rPr lang="en-US" altLang="zh-CN" dirty="0" smtClean="0">
-                <a:solidFill>
-                  <a:srgbClr val="32220E"/>
-                </a:solidFill>
-                <a:latin typeface="Times New Roman" panose="02020603050405020304" pitchFamily="18" charset="0"/>
-                <a:ea typeface="Microsoft Yahei" panose="020B0503020204020204" pitchFamily="34" charset="-122"/>
-                <a:cs typeface="Times New Roman" panose="02020603050405020304" pitchFamily="18" charset="0"/>
-              </a:rPr>
-              <a:t>Negative </a:t>
-            </a:r>
-            <a:r>
               <a:rPr lang="en-US" altLang="zh-CN" dirty="0">
                 <a:solidFill>
                   <a:srgbClr val="32220E"/>
@@ -12780,7 +12819,7 @@
                 <a:ea typeface="Microsoft Yahei" panose="020B0503020204020204" pitchFamily="34" charset="-122"/>
                 <a:cs typeface="Times New Roman" panose="02020603050405020304" pitchFamily="18" charset="0"/>
               </a:rPr>
-              <a:t>effect</a:t>
+              <a:t>Negative effect</a:t>
             </a:r>
             <a:endParaRPr lang="zh-CN" altLang="en-US" dirty="0">
               <a:latin typeface="Times New Roman" panose="02020603050405020304" pitchFamily="18" charset="0"/>
@@ -12844,7 +12883,7 @@
               <a:buChar char="l"/>
             </a:pPr>
             <a:r>
-              <a:rPr lang="en-US" altLang="zh-CN" dirty="0" smtClean="0"/>
+              <a:rPr lang="en-US" altLang="zh-CN" dirty="0"/>
               <a:t>Considering a binary classification</a:t>
             </a:r>
           </a:p>
@@ -12861,18 +12900,18 @@
               <a:buChar char="l"/>
             </a:pPr>
             <a:r>
-              <a:rPr lang="en-US" altLang="zh-CN" dirty="0" smtClean="0"/>
+              <a:rPr lang="en-US" altLang="zh-CN" dirty="0"/>
               <a:t>The error rate is defined as </a:t>
             </a:r>
             <a:r>
-              <a:rPr lang="el-GR" altLang="zh-CN" i="1" dirty="0" smtClean="0">
+              <a:rPr lang="el-GR" altLang="zh-CN" i="1" dirty="0">
                 <a:latin typeface="Times New Roman" panose="02020603050405020304" pitchFamily="18" charset="0"/>
                 <a:cs typeface="Times New Roman" panose="02020603050405020304" pitchFamily="18" charset="0"/>
               </a:rPr>
               <a:t>ϵ</a:t>
             </a:r>
             <a:r>
-              <a:rPr lang="en-US" altLang="zh-CN" dirty="0" smtClean="0"/>
+              <a:rPr lang="en-US" altLang="zh-CN" dirty="0"/>
               <a:t> , that is</a:t>
             </a:r>
           </a:p>
@@ -12888,7 +12927,7 @@
               <a:buFont typeface="Wingdings" panose="05000000000000000000" pitchFamily="2" charset="2"/>
               <a:buChar char="l"/>
             </a:pPr>
-            <a:endParaRPr lang="en-US" altLang="zh-CN" dirty="0" smtClean="0"/>
+            <a:endParaRPr lang="en-US" altLang="zh-CN" dirty="0"/>
           </a:p>
           <a:p>
             <a:pPr marL="342900" indent="-342900">
@@ -12896,18 +12935,18 @@
               <a:buChar char="l"/>
             </a:pPr>
             <a:r>
-              <a:rPr lang="en-US" altLang="zh-CN" dirty="0" smtClean="0"/>
+              <a:rPr lang="en-US" altLang="zh-CN" dirty="0"/>
               <a:t>We use voting schema to combine </a:t>
             </a:r>
             <a:r>
-              <a:rPr lang="en-US" altLang="zh-CN" i="1" dirty="0" smtClean="0">
+              <a:rPr lang="en-US" altLang="zh-CN" i="1" dirty="0">
                 <a:latin typeface="Times New Roman" panose="02020603050405020304" pitchFamily="18" charset="0"/>
                 <a:cs typeface="Times New Roman" panose="02020603050405020304" pitchFamily="18" charset="0"/>
               </a:rPr>
               <a:t>T</a:t>
             </a:r>
             <a:r>
-              <a:rPr lang="en-US" altLang="zh-CN" dirty="0" smtClean="0"/>
+              <a:rPr lang="en-US" altLang="zh-CN" dirty="0"/>
               <a:t> classifier</a:t>
             </a:r>
           </a:p>
@@ -12923,7 +12962,7 @@
               <a:buFont typeface="Wingdings" panose="05000000000000000000" pitchFamily="2" charset="2"/>
               <a:buChar char="l"/>
             </a:pPr>
-            <a:endParaRPr lang="en-US" altLang="zh-CN" dirty="0" smtClean="0"/>
+            <a:endParaRPr lang="en-US" altLang="zh-CN" dirty="0"/>
           </a:p>
           <a:p>
             <a:pPr marL="342900" indent="-342900">
@@ -12931,15 +12970,15 @@
               <a:buChar char="l"/>
             </a:pPr>
             <a:r>
-              <a:rPr lang="en-US" altLang="zh-CN" dirty="0" smtClean="0"/>
+              <a:rPr lang="en-US" altLang="zh-CN" dirty="0"/>
               <a:t>According to </a:t>
             </a:r>
             <a:r>
-              <a:rPr lang="en-US" altLang="zh-CN" dirty="0" err="1" smtClean="0"/>
+              <a:rPr lang="en-US" altLang="zh-CN" dirty="0" err="1"/>
               <a:t>Hoeffding</a:t>
             </a:r>
             <a:r>
-              <a:rPr lang="en-US" altLang="zh-CN" dirty="0" smtClean="0"/>
+              <a:rPr lang="en-US" altLang="zh-CN" dirty="0"/>
               <a:t> inequality, the error rate of ensemble is</a:t>
             </a:r>
             <a:endParaRPr lang="zh-CN" altLang="en-US" dirty="0"/>
@@ -12959,7 +12998,7 @@
         <p:spPr/>
         <p:txBody>
           <a:bodyPr>
-            <a:normAutofit/>
+            <a:normAutofit fontScale="90000"/>
           </a:bodyPr>
           <a:lstStyle/>
           <a:p>
@@ -12993,7 +13032,7 @@
           <a:graphicData uri="http://schemas.openxmlformats.org/presentationml/2006/ole">
             <mc:AlternateContent xmlns:mc="http://schemas.openxmlformats.org/markup-compatibility/2006">
               <mc:Choice xmlns:v="urn:schemas-microsoft-com:vml" Requires="v">
-                <p:oleObj spid="_x0000_s5193" name="Equation" r:id="rId3" imgW="736560" imgH="203040" progId="Equation.DSMT4">
+                <p:oleObj spid="_x0000_s5197" name="Equation" r:id="rId3" imgW="736560" imgH="203040" progId="Equation.DSMT4">
                   <p:embed/>
                 </p:oleObj>
               </mc:Choice>
@@ -13050,7 +13089,7 @@
           <a:graphicData uri="http://schemas.openxmlformats.org/presentationml/2006/ole">
             <mc:AlternateContent xmlns:mc="http://schemas.openxmlformats.org/markup-compatibility/2006">
               <mc:Choice xmlns:v="urn:schemas-microsoft-com:vml" Requires="v">
-                <p:oleObj spid="_x0000_s5194" name="Equation" r:id="rId5" imgW="1231560" imgH="228600" progId="Equation.DSMT4">
+                <p:oleObj spid="_x0000_s5198" name="Equation" r:id="rId5" imgW="1231560" imgH="228600" progId="Equation.DSMT4">
                   <p:embed/>
                 </p:oleObj>
               </mc:Choice>
@@ -13107,7 +13146,7 @@
           <a:graphicData uri="http://schemas.openxmlformats.org/presentationml/2006/ole">
             <mc:AlternateContent xmlns:mc="http://schemas.openxmlformats.org/markup-compatibility/2006">
               <mc:Choice xmlns:v="urn:schemas-microsoft-com:vml" Requires="v">
-                <p:oleObj spid="_x0000_s5195" name="Equation" r:id="rId7" imgW="1422360" imgH="457200" progId="Equation.DSMT4">
+                <p:oleObj spid="_x0000_s5199" name="Equation" r:id="rId7" imgW="1422360" imgH="457200" progId="Equation.DSMT4">
                   <p:embed/>
                 </p:oleObj>
               </mc:Choice>
@@ -13164,7 +13203,7 @@
           <a:graphicData uri="http://schemas.openxmlformats.org/presentationml/2006/ole">
             <mc:AlternateContent xmlns:mc="http://schemas.openxmlformats.org/markup-compatibility/2006">
               <mc:Choice xmlns:v="urn:schemas-microsoft-com:vml" Requires="v">
-                <p:oleObj spid="_x0000_s5196" name="Equation" r:id="rId9" imgW="3746160" imgH="469800" progId="Equation.DSMT4">
+                <p:oleObj spid="_x0000_s5200" name="Equation" r:id="rId9" imgW="3746160" imgH="469800" progId="Equation.DSMT4">
                   <p:embed/>
                 </p:oleObj>
               </mc:Choice>
@@ -13249,23 +13288,19 @@
               <a:buChar char="l"/>
             </a:pPr>
             <a:r>
-              <a:rPr lang="en-US" altLang="zh-CN" dirty="0" err="1" smtClean="0"/>
+              <a:rPr lang="en-US" altLang="zh-CN" dirty="0" err="1"/>
               <a:t>Adaboost</a:t>
             </a:r>
             <a:r>
-              <a:rPr lang="en-US" altLang="zh-CN" dirty="0" smtClean="0"/>
-              <a:t> (</a:t>
-            </a:r>
-            <a:r>
               <a:rPr lang="en-US" altLang="zh-CN" dirty="0"/>
-              <a:t>short for </a:t>
+              <a:t> (short for </a:t>
             </a:r>
             <a:r>
               <a:rPr lang="en-US" altLang="zh-CN" i="1" dirty="0"/>
               <a:t>Adaptive Boosting</a:t>
             </a:r>
             <a:r>
-              <a:rPr lang="en-US" altLang="zh-CN" dirty="0" smtClean="0"/>
+              <a:rPr lang="en-US" altLang="zh-CN" dirty="0"/>
               <a:t>)</a:t>
             </a:r>
           </a:p>
@@ -13276,11 +13311,7 @@
             </a:pPr>
             <a:r>
               <a:rPr lang="en-US" altLang="zh-CN" dirty="0"/>
-              <a:t>The output of the other learning algorithms ('weak learners') is combined into a weighted sum that represents the final output of the boosted classifier</a:t>
-            </a:r>
-            <a:r>
-              <a:rPr lang="en-US" altLang="zh-CN" dirty="0" smtClean="0"/>
-              <a:t>.</a:t>
+              <a:t>The output of the other learning algorithms ('weak learners') is combined into a weighted sum that represents the final output of the boosted classifier.</a:t>
             </a:r>
           </a:p>
           <a:p>
@@ -13295,7 +13326,7 @@
               <a:buFont typeface="Wingdings" panose="05000000000000000000" pitchFamily="2" charset="2"/>
               <a:buChar char="l"/>
             </a:pPr>
-            <a:endParaRPr lang="en-US" altLang="zh-CN" dirty="0" smtClean="0"/>
+            <a:endParaRPr lang="en-US" altLang="zh-CN" dirty="0"/>
           </a:p>
           <a:p>
             <a:pPr marL="342900" indent="-342900">
@@ -13310,7 +13341,7 @@
               <a:buChar char="l"/>
             </a:pPr>
             <a:r>
-              <a:rPr lang="en-US" altLang="zh-CN" dirty="0" smtClean="0"/>
+              <a:rPr lang="en-US" altLang="zh-CN" dirty="0"/>
               <a:t>Re-weighting mechanism</a:t>
             </a:r>
             <a:endParaRPr lang="zh-CN" altLang="en-US" dirty="0"/>
@@ -13333,7 +13364,7 @@
           <a:lstStyle/>
           <a:p>
             <a:r>
-              <a:rPr lang="en-US" altLang="zh-CN" dirty="0" smtClean="0"/>
+              <a:rPr lang="en-US" altLang="zh-CN" dirty="0"/>
               <a:t>Boosting</a:t>
             </a:r>
             <a:endParaRPr lang="zh-CN" altLang="en-US" dirty="0"/>
@@ -13362,7 +13393,7 @@
           <a:graphicData uri="http://schemas.openxmlformats.org/presentationml/2006/ole">
             <mc:AlternateContent xmlns:mc="http://schemas.openxmlformats.org/markup-compatibility/2006">
               <mc:Choice xmlns:v="urn:schemas-microsoft-com:vml" Requires="v">
-                <p:oleObj spid="_x0000_s6164" name="Equation" r:id="rId3" imgW="1130040" imgH="431640" progId="Equation.DSMT4">
+                <p:oleObj spid="_x0000_s6165" name="Equation" r:id="rId3" imgW="1130040" imgH="431640" progId="Equation.DSMT4">
                   <p:embed/>
                 </p:oleObj>
               </mc:Choice>
@@ -13443,144 +13474,144 @@
           <a:lstStyle/>
           <a:p>
             <a:r>
-              <a:rPr lang="en-US" altLang="zh-CN" dirty="0" smtClean="0"/>
+              <a:rPr lang="en-US" altLang="zh-CN" dirty="0"/>
               <a:t>Input: Training set </a:t>
             </a:r>
             <a:r>
-              <a:rPr lang="en-US" altLang="zh-CN" i="1" dirty="0" smtClean="0">
+              <a:rPr lang="en-US" altLang="zh-CN" i="1" dirty="0">
                 <a:latin typeface="Times New Roman" panose="02020603050405020304" pitchFamily="18" charset="0"/>
                 <a:cs typeface="Times New Roman" panose="02020603050405020304" pitchFamily="18" charset="0"/>
               </a:rPr>
               <a:t>D</a:t>
             </a:r>
             <a:r>
-              <a:rPr lang="en-US" altLang="zh-CN" dirty="0" smtClean="0">
+              <a:rPr lang="en-US" altLang="zh-CN" dirty="0">
                 <a:latin typeface="Times New Roman" panose="02020603050405020304" pitchFamily="18" charset="0"/>
                 <a:cs typeface="Times New Roman" panose="02020603050405020304" pitchFamily="18" charset="0"/>
               </a:rPr>
               <a:t>={(</a:t>
             </a:r>
             <a:r>
-              <a:rPr lang="en-US" altLang="zh-CN" i="1" dirty="0" smtClean="0">
+              <a:rPr lang="en-US" altLang="zh-CN" i="1" dirty="0">
                 <a:latin typeface="Times New Roman" panose="02020603050405020304" pitchFamily="18" charset="0"/>
                 <a:cs typeface="Times New Roman" panose="02020603050405020304" pitchFamily="18" charset="0"/>
               </a:rPr>
               <a:t>x</a:t>
             </a:r>
             <a:r>
-              <a:rPr lang="en-US" altLang="zh-CN" baseline="-25000" dirty="0" smtClean="0">
+              <a:rPr lang="en-US" altLang="zh-CN" baseline="-25000" dirty="0">
                 <a:latin typeface="Times New Roman" panose="02020603050405020304" pitchFamily="18" charset="0"/>
                 <a:cs typeface="Times New Roman" panose="02020603050405020304" pitchFamily="18" charset="0"/>
               </a:rPr>
               <a:t>1</a:t>
             </a:r>
             <a:r>
-              <a:rPr lang="en-US" altLang="zh-CN" dirty="0" smtClean="0">
+              <a:rPr lang="en-US" altLang="zh-CN" dirty="0">
                 <a:latin typeface="Times New Roman" panose="02020603050405020304" pitchFamily="18" charset="0"/>
                 <a:cs typeface="Times New Roman" panose="02020603050405020304" pitchFamily="18" charset="0"/>
               </a:rPr>
               <a:t>, </a:t>
             </a:r>
             <a:r>
-              <a:rPr lang="en-US" altLang="zh-CN" i="1" dirty="0" smtClean="0">
+              <a:rPr lang="en-US" altLang="zh-CN" i="1" dirty="0">
                 <a:latin typeface="Times New Roman" panose="02020603050405020304" pitchFamily="18" charset="0"/>
                 <a:cs typeface="Times New Roman" panose="02020603050405020304" pitchFamily="18" charset="0"/>
               </a:rPr>
               <a:t>y</a:t>
             </a:r>
             <a:r>
-              <a:rPr lang="en-US" altLang="zh-CN" baseline="-25000" dirty="0" smtClean="0">
+              <a:rPr lang="en-US" altLang="zh-CN" baseline="-25000" dirty="0">
                 <a:latin typeface="Times New Roman" panose="02020603050405020304" pitchFamily="18" charset="0"/>
                 <a:cs typeface="Times New Roman" panose="02020603050405020304" pitchFamily="18" charset="0"/>
               </a:rPr>
               <a:t>1</a:t>
             </a:r>
             <a:r>
-              <a:rPr lang="en-US" altLang="zh-CN" dirty="0" smtClean="0">
+              <a:rPr lang="en-US" altLang="zh-CN" dirty="0">
                 <a:latin typeface="Times New Roman" panose="02020603050405020304" pitchFamily="18" charset="0"/>
                 <a:cs typeface="Times New Roman" panose="02020603050405020304" pitchFamily="18" charset="0"/>
               </a:rPr>
               <a:t>), (</a:t>
             </a:r>
             <a:r>
-              <a:rPr lang="en-US" altLang="zh-CN" i="1" dirty="0" smtClean="0">
+              <a:rPr lang="en-US" altLang="zh-CN" i="1" dirty="0">
                 <a:latin typeface="Times New Roman" panose="02020603050405020304" pitchFamily="18" charset="0"/>
                 <a:cs typeface="Times New Roman" panose="02020603050405020304" pitchFamily="18" charset="0"/>
               </a:rPr>
               <a:t>x</a:t>
             </a:r>
             <a:r>
-              <a:rPr lang="en-US" altLang="zh-CN" baseline="-25000" dirty="0" smtClean="0">
+              <a:rPr lang="en-US" altLang="zh-CN" baseline="-25000" dirty="0">
                 <a:latin typeface="Times New Roman" panose="02020603050405020304" pitchFamily="18" charset="0"/>
                 <a:cs typeface="Times New Roman" panose="02020603050405020304" pitchFamily="18" charset="0"/>
               </a:rPr>
               <a:t>2</a:t>
             </a:r>
             <a:r>
-              <a:rPr lang="en-US" altLang="zh-CN" dirty="0" smtClean="0">
+              <a:rPr lang="en-US" altLang="zh-CN" dirty="0">
                 <a:latin typeface="Times New Roman" panose="02020603050405020304" pitchFamily="18" charset="0"/>
                 <a:cs typeface="Times New Roman" panose="02020603050405020304" pitchFamily="18" charset="0"/>
               </a:rPr>
               <a:t>, </a:t>
             </a:r>
             <a:r>
-              <a:rPr lang="en-US" altLang="zh-CN" i="1" dirty="0" smtClean="0">
+              <a:rPr lang="en-US" altLang="zh-CN" i="1" dirty="0">
                 <a:latin typeface="Times New Roman" panose="02020603050405020304" pitchFamily="18" charset="0"/>
                 <a:cs typeface="Times New Roman" panose="02020603050405020304" pitchFamily="18" charset="0"/>
               </a:rPr>
               <a:t>y</a:t>
             </a:r>
             <a:r>
-              <a:rPr lang="en-US" altLang="zh-CN" baseline="-25000" dirty="0" smtClean="0">
+              <a:rPr lang="en-US" altLang="zh-CN" baseline="-25000" dirty="0">
                 <a:latin typeface="Times New Roman" panose="02020603050405020304" pitchFamily="18" charset="0"/>
                 <a:cs typeface="Times New Roman" panose="02020603050405020304" pitchFamily="18" charset="0"/>
               </a:rPr>
               <a:t>2</a:t>
             </a:r>
             <a:r>
-              <a:rPr lang="en-US" altLang="zh-CN" dirty="0" smtClean="0">
+              <a:rPr lang="en-US" altLang="zh-CN" dirty="0">
                 <a:latin typeface="Times New Roman" panose="02020603050405020304" pitchFamily="18" charset="0"/>
                 <a:cs typeface="Times New Roman" panose="02020603050405020304" pitchFamily="18" charset="0"/>
               </a:rPr>
               <a:t>), …, (</a:t>
             </a:r>
             <a:r>
-              <a:rPr lang="en-US" altLang="zh-CN" i="1" dirty="0" err="1" smtClean="0">
+              <a:rPr lang="en-US" altLang="zh-CN" i="1" dirty="0" err="1">
                 <a:latin typeface="Times New Roman" panose="02020603050405020304" pitchFamily="18" charset="0"/>
                 <a:cs typeface="Times New Roman" panose="02020603050405020304" pitchFamily="18" charset="0"/>
               </a:rPr>
               <a:t>x</a:t>
             </a:r>
             <a:r>
-              <a:rPr lang="en-US" altLang="zh-CN" i="1" baseline="-25000" dirty="0" err="1" smtClean="0">
+              <a:rPr lang="en-US" altLang="zh-CN" i="1" baseline="-25000" dirty="0" err="1">
                 <a:latin typeface="Times New Roman" panose="02020603050405020304" pitchFamily="18" charset="0"/>
                 <a:cs typeface="Times New Roman" panose="02020603050405020304" pitchFamily="18" charset="0"/>
               </a:rPr>
               <a:t>m</a:t>
             </a:r>
             <a:r>
-              <a:rPr lang="en-US" altLang="zh-CN" dirty="0" smtClean="0">
+              <a:rPr lang="en-US" altLang="zh-CN" dirty="0">
                 <a:latin typeface="Times New Roman" panose="02020603050405020304" pitchFamily="18" charset="0"/>
                 <a:cs typeface="Times New Roman" panose="02020603050405020304" pitchFamily="18" charset="0"/>
               </a:rPr>
               <a:t>, </a:t>
             </a:r>
             <a:r>
-              <a:rPr lang="en-US" altLang="zh-CN" i="1" dirty="0" err="1" smtClean="0">
+              <a:rPr lang="en-US" altLang="zh-CN" i="1" dirty="0" err="1">
                 <a:latin typeface="Times New Roman" panose="02020603050405020304" pitchFamily="18" charset="0"/>
                 <a:cs typeface="Times New Roman" panose="02020603050405020304" pitchFamily="18" charset="0"/>
               </a:rPr>
               <a:t>y</a:t>
             </a:r>
             <a:r>
-              <a:rPr lang="en-US" altLang="zh-CN" i="1" baseline="-25000" dirty="0" err="1" smtClean="0">
+              <a:rPr lang="en-US" altLang="zh-CN" i="1" baseline="-25000" dirty="0" err="1">
                 <a:latin typeface="Times New Roman" panose="02020603050405020304" pitchFamily="18" charset="0"/>
                 <a:cs typeface="Times New Roman" panose="02020603050405020304" pitchFamily="18" charset="0"/>
               </a:rPr>
               <a:t>m</a:t>
             </a:r>
             <a:r>
-              <a:rPr lang="en-US" altLang="zh-CN" dirty="0" smtClean="0">
+              <a:rPr lang="en-US" altLang="zh-CN" dirty="0">
                 <a:latin typeface="Times New Roman" panose="02020603050405020304" pitchFamily="18" charset="0"/>
                 <a:cs typeface="Times New Roman" panose="02020603050405020304" pitchFamily="18" charset="0"/>
               </a:rPr>
@@ -13593,25 +13624,14 @@
                 <a:latin typeface="Times New Roman" panose="02020603050405020304" pitchFamily="18" charset="0"/>
                 <a:cs typeface="Times New Roman" panose="02020603050405020304" pitchFamily="18" charset="0"/>
               </a:rPr>
-              <a:t> </a:t>
-            </a:r>
-            <a:r>
-              <a:rPr lang="en-US" altLang="zh-CN" dirty="0" smtClean="0">
-                <a:latin typeface="Times New Roman" panose="02020603050405020304" pitchFamily="18" charset="0"/>
-                <a:cs typeface="Times New Roman" panose="02020603050405020304" pitchFamily="18" charset="0"/>
-              </a:rPr>
-              <a:t>          </a:t>
+              <a:t>           </a:t>
             </a:r>
             <a:r>
               <a:rPr lang="en-US" altLang="zh-CN" dirty="0"/>
-              <a:t>Base </a:t>
-            </a:r>
-            <a:r>
-              <a:rPr lang="en-US" altLang="zh-CN" dirty="0" smtClean="0"/>
-              <a:t>learner </a:t>
-            </a:r>
-            <a:r>
-              <a:rPr lang="en-US" altLang="zh-CN" i="1" dirty="0" smtClean="0">
+              <a:t>Base learner </a:t>
+            </a:r>
+            <a:r>
+              <a:rPr lang="en-US" altLang="zh-CN" i="1" dirty="0">
                 <a:latin typeface="Times New Roman" panose="02020603050405020304" pitchFamily="18" charset="0"/>
                 <a:cs typeface="Times New Roman" panose="02020603050405020304" pitchFamily="18" charset="0"/>
               </a:rPr>
@@ -13621,72 +13641,64 @@
           <a:p>
             <a:r>
               <a:rPr lang="en-US" altLang="zh-CN" dirty="0"/>
-              <a:t> </a:t>
-            </a:r>
-            <a:r>
-              <a:rPr lang="en-US" altLang="zh-CN" dirty="0" smtClean="0"/>
-              <a:t>           Training epoch </a:t>
-            </a:r>
-            <a:r>
-              <a:rPr lang="en-US" altLang="zh-CN" i="1" dirty="0" smtClean="0">
+              <a:t>            Training epoch </a:t>
+            </a:r>
+            <a:r>
+              <a:rPr lang="en-US" altLang="zh-CN" i="1" dirty="0">
                 <a:latin typeface="Times New Roman" panose="02020603050405020304" pitchFamily="18" charset="0"/>
                 <a:cs typeface="Times New Roman" panose="02020603050405020304" pitchFamily="18" charset="0"/>
               </a:rPr>
               <a:t>T</a:t>
             </a:r>
-            <a:endParaRPr lang="en-US" altLang="zh-CN" i="1" dirty="0">
-              <a:latin typeface="Times New Roman" panose="02020603050405020304" pitchFamily="18" charset="0"/>
-              <a:cs typeface="Times New Roman" panose="02020603050405020304" pitchFamily="18" charset="0"/>
-            </a:endParaRPr>
-          </a:p>
-          <a:p>
-            <a:r>
-              <a:rPr lang="en-US" altLang="zh-CN" dirty="0" smtClean="0"/>
+          </a:p>
+          <a:p>
+            <a:r>
+              <a:rPr lang="en-US" altLang="zh-CN" dirty="0"/>
               <a:t>Algorithm:</a:t>
             </a:r>
           </a:p>
           <a:p>
             <a:r>
-              <a:rPr lang="en-US" altLang="zh-CN" dirty="0" smtClean="0"/>
+              <a:rPr lang="en-US" altLang="zh-CN" dirty="0"/>
               <a:t>1: </a:t>
             </a:r>
             <a:r>
-              <a:rPr lang="en-US" altLang="zh-CN" i="1" dirty="0" smtClean="0">
+              <a:rPr lang="en-US" altLang="zh-CN" i="1" dirty="0">
                 <a:latin typeface="Times New Roman" panose="02020603050405020304" pitchFamily="18" charset="0"/>
                 <a:cs typeface="Times New Roman" panose="02020603050405020304" pitchFamily="18" charset="0"/>
               </a:rPr>
               <a:t>D</a:t>
             </a:r>
             <a:r>
-              <a:rPr lang="en-US" altLang="zh-CN" baseline="-25000" dirty="0" smtClean="0">
+              <a:rPr lang="en-US" altLang="zh-CN" baseline="-25000" dirty="0">
                 <a:latin typeface="Times New Roman" panose="02020603050405020304" pitchFamily="18" charset="0"/>
                 <a:cs typeface="Times New Roman" panose="02020603050405020304" pitchFamily="18" charset="0"/>
               </a:rPr>
               <a:t>1</a:t>
             </a:r>
             <a:r>
-              <a:rPr lang="en-US" altLang="zh-CN" dirty="0" smtClean="0">
+              <a:rPr lang="en-US" altLang="zh-CN" dirty="0">
                 <a:latin typeface="Times New Roman" panose="02020603050405020304" pitchFamily="18" charset="0"/>
                 <a:cs typeface="Times New Roman" panose="02020603050405020304" pitchFamily="18" charset="0"/>
               </a:rPr>
               <a:t>(</a:t>
             </a:r>
             <a:r>
-              <a:rPr lang="en-US" altLang="zh-CN" i="1" dirty="0" smtClean="0">
+              <a:rPr lang="en-US" altLang="zh-CN" i="1" dirty="0">
                 <a:latin typeface="Times New Roman" panose="02020603050405020304" pitchFamily="18" charset="0"/>
                 <a:cs typeface="Times New Roman" panose="02020603050405020304" pitchFamily="18" charset="0"/>
               </a:rPr>
               <a:t>x</a:t>
             </a:r>
             <a:r>
-              <a:rPr lang="en-US" altLang="zh-CN" dirty="0" smtClean="0">
+              <a:rPr lang="en-US" altLang="zh-CN" dirty="0">
                 <a:latin typeface="Times New Roman" panose="02020603050405020304" pitchFamily="18" charset="0"/>
                 <a:cs typeface="Times New Roman" panose="02020603050405020304" pitchFamily="18" charset="0"/>
               </a:rPr>
               <a:t>) = 1/</a:t>
             </a:r>
             <a:r>
-              <a:rPr lang="en-US" altLang="zh-CN" i="1" dirty="0" smtClean="0">
+              <a:rPr lang="en-US" altLang="zh-CN" i="1" dirty="0">
                 <a:latin typeface="Times New Roman" panose="02020603050405020304" pitchFamily="18" charset="0"/>
                 <a:cs typeface="Times New Roman" panose="02020603050405020304" pitchFamily="18" charset="0"/>
               </a:rPr>
@@ -13695,105 +13707,105 @@
           </a:p>
           <a:p>
             <a:r>
-              <a:rPr lang="en-US" altLang="zh-CN" dirty="0" smtClean="0"/>
+              <a:rPr lang="en-US" altLang="zh-CN" dirty="0"/>
               <a:t>2: for </a:t>
             </a:r>
             <a:r>
-              <a:rPr lang="en-US" altLang="zh-CN" i="1" dirty="0" smtClean="0">
+              <a:rPr lang="en-US" altLang="zh-CN" i="1" dirty="0">
                 <a:latin typeface="Times New Roman" panose="02020603050405020304" pitchFamily="18" charset="0"/>
                 <a:cs typeface="Times New Roman" panose="02020603050405020304" pitchFamily="18" charset="0"/>
               </a:rPr>
               <a:t>t</a:t>
             </a:r>
             <a:r>
-              <a:rPr lang="en-US" altLang="zh-CN" dirty="0" smtClean="0">
+              <a:rPr lang="en-US" altLang="zh-CN" dirty="0">
                 <a:latin typeface="Times New Roman" panose="02020603050405020304" pitchFamily="18" charset="0"/>
                 <a:cs typeface="Times New Roman" panose="02020603050405020304" pitchFamily="18" charset="0"/>
               </a:rPr>
               <a:t>=1, 2, …, </a:t>
             </a:r>
             <a:r>
-              <a:rPr lang="en-US" altLang="zh-CN" i="1" dirty="0" smtClean="0">
+              <a:rPr lang="en-US" altLang="zh-CN" i="1" dirty="0">
                 <a:latin typeface="Times New Roman" panose="02020603050405020304" pitchFamily="18" charset="0"/>
                 <a:cs typeface="Times New Roman" panose="02020603050405020304" pitchFamily="18" charset="0"/>
               </a:rPr>
               <a:t>T</a:t>
             </a:r>
             <a:r>
-              <a:rPr lang="en-US" altLang="zh-CN" dirty="0" smtClean="0"/>
+              <a:rPr lang="en-US" altLang="zh-CN" dirty="0"/>
               <a:t> do</a:t>
             </a:r>
           </a:p>
           <a:p>
             <a:r>
-              <a:rPr lang="en-US" altLang="zh-CN" dirty="0" smtClean="0"/>
+              <a:rPr lang="en-US" altLang="zh-CN" dirty="0"/>
               <a:t>3:       </a:t>
             </a:r>
             <a:r>
-              <a:rPr lang="en-US" altLang="zh-CN" i="1" dirty="0" smtClean="0">
+              <a:rPr lang="en-US" altLang="zh-CN" i="1" dirty="0">
                 <a:latin typeface="Times New Roman" panose="02020603050405020304" pitchFamily="18" charset="0"/>
                 <a:cs typeface="Times New Roman" panose="02020603050405020304" pitchFamily="18" charset="0"/>
               </a:rPr>
               <a:t>h</a:t>
             </a:r>
             <a:r>
-              <a:rPr lang="en-US" altLang="zh-CN" i="1" baseline="-25000" dirty="0" smtClean="0">
+              <a:rPr lang="en-US" altLang="zh-CN" i="1" baseline="-25000" dirty="0">
                 <a:latin typeface="Times New Roman" panose="02020603050405020304" pitchFamily="18" charset="0"/>
                 <a:cs typeface="Times New Roman" panose="02020603050405020304" pitchFamily="18" charset="0"/>
               </a:rPr>
               <a:t>t </a:t>
             </a:r>
             <a:r>
-              <a:rPr lang="en-US" altLang="zh-CN" dirty="0" smtClean="0">
+              <a:rPr lang="en-US" altLang="zh-CN" dirty="0">
                 <a:latin typeface="Times New Roman" panose="02020603050405020304" pitchFamily="18" charset="0"/>
                 <a:cs typeface="Times New Roman" panose="02020603050405020304" pitchFamily="18" charset="0"/>
               </a:rPr>
               <a:t>= </a:t>
             </a:r>
             <a:r>
-              <a:rPr lang="en-US" altLang="zh-CN" i="1" dirty="0" smtClean="0">
+              <a:rPr lang="en-US" altLang="zh-CN" i="1" dirty="0">
                 <a:latin typeface="Times New Roman" panose="02020603050405020304" pitchFamily="18" charset="0"/>
                 <a:cs typeface="Times New Roman" panose="02020603050405020304" pitchFamily="18" charset="0"/>
               </a:rPr>
               <a:t> L</a:t>
             </a:r>
             <a:r>
-              <a:rPr lang="en-US" altLang="zh-CN" dirty="0" smtClean="0">
+              <a:rPr lang="en-US" altLang="zh-CN" dirty="0">
                 <a:latin typeface="Times New Roman" panose="02020603050405020304" pitchFamily="18" charset="0"/>
                 <a:cs typeface="Times New Roman" panose="02020603050405020304" pitchFamily="18" charset="0"/>
               </a:rPr>
               <a:t>(</a:t>
             </a:r>
             <a:r>
-              <a:rPr lang="en-US" altLang="zh-CN" i="1" dirty="0" smtClean="0">
+              <a:rPr lang="en-US" altLang="zh-CN" i="1" dirty="0">
                 <a:latin typeface="Times New Roman" panose="02020603050405020304" pitchFamily="18" charset="0"/>
                 <a:cs typeface="Times New Roman" panose="02020603050405020304" pitchFamily="18" charset="0"/>
               </a:rPr>
               <a:t>D</a:t>
             </a:r>
             <a:r>
-              <a:rPr lang="en-US" altLang="zh-CN" dirty="0" smtClean="0">
+              <a:rPr lang="en-US" altLang="zh-CN" dirty="0">
                 <a:latin typeface="Times New Roman" panose="02020603050405020304" pitchFamily="18" charset="0"/>
                 <a:cs typeface="Times New Roman" panose="02020603050405020304" pitchFamily="18" charset="0"/>
               </a:rPr>
               <a:t>, </a:t>
             </a:r>
             <a:r>
-              <a:rPr lang="en-US" altLang="zh-CN" i="1" dirty="0" smtClean="0">
+              <a:rPr lang="en-US" altLang="zh-CN" i="1" dirty="0">
                 <a:latin typeface="Times New Roman" panose="02020603050405020304" pitchFamily="18" charset="0"/>
                 <a:cs typeface="Times New Roman" panose="02020603050405020304" pitchFamily="18" charset="0"/>
               </a:rPr>
               <a:t>D</a:t>
             </a:r>
             <a:r>
-              <a:rPr lang="en-US" altLang="zh-CN" i="1" baseline="-25000" dirty="0" smtClean="0">
+              <a:rPr lang="en-US" altLang="zh-CN" i="1" baseline="-25000" dirty="0">
                 <a:latin typeface="Times New Roman" panose="02020603050405020304" pitchFamily="18" charset="0"/>
                 <a:cs typeface="Times New Roman" panose="02020603050405020304" pitchFamily="18" charset="0"/>
               </a:rPr>
               <a:t>t</a:t>
             </a:r>
             <a:r>
-              <a:rPr lang="en-US" altLang="zh-CN" dirty="0" smtClean="0">
+              <a:rPr lang="en-US" altLang="zh-CN" dirty="0">
                 <a:latin typeface="Times New Roman" panose="02020603050405020304" pitchFamily="18" charset="0"/>
                 <a:cs typeface="Times New Roman" panose="02020603050405020304" pitchFamily="18" charset="0"/>
               </a:rPr>
@@ -13806,119 +13818,119 @@
               <a:t>4:       </a:t>
             </a:r>
             <a:r>
-              <a:rPr lang="el-GR" altLang="zh-CN" i="1" dirty="0" smtClean="0">
+              <a:rPr lang="el-GR" altLang="zh-CN" i="1" dirty="0">
                 <a:latin typeface="Times New Roman" panose="02020603050405020304" pitchFamily="18" charset="0"/>
                 <a:cs typeface="Times New Roman" panose="02020603050405020304" pitchFamily="18" charset="0"/>
               </a:rPr>
               <a:t>ϵ</a:t>
             </a:r>
             <a:r>
-              <a:rPr lang="en-US" altLang="zh-CN" i="1" baseline="-25000" dirty="0" smtClean="0">
+              <a:rPr lang="en-US" altLang="zh-CN" i="1" baseline="-25000" dirty="0">
                 <a:latin typeface="Times New Roman" panose="02020603050405020304" pitchFamily="18" charset="0"/>
                 <a:cs typeface="Times New Roman" panose="02020603050405020304" pitchFamily="18" charset="0"/>
               </a:rPr>
               <a:t>t </a:t>
             </a:r>
             <a:r>
-              <a:rPr lang="en-US" altLang="zh-CN" dirty="0" smtClean="0">
+              <a:rPr lang="en-US" altLang="zh-CN" dirty="0">
                 <a:latin typeface="Times New Roman" panose="02020603050405020304" pitchFamily="18" charset="0"/>
                 <a:cs typeface="Times New Roman" panose="02020603050405020304" pitchFamily="18" charset="0"/>
               </a:rPr>
               <a:t>= </a:t>
             </a:r>
             <a:r>
-              <a:rPr lang="en-US" altLang="zh-CN" i="1" dirty="0" err="1" smtClean="0">
+              <a:rPr lang="en-US" altLang="zh-CN" i="1" dirty="0" err="1">
                 <a:latin typeface="Times New Roman" panose="02020603050405020304" pitchFamily="18" charset="0"/>
                 <a:cs typeface="Times New Roman" panose="02020603050405020304" pitchFamily="18" charset="0"/>
               </a:rPr>
               <a:t>P</a:t>
             </a:r>
             <a:r>
-              <a:rPr lang="en-US" altLang="zh-CN" i="1" baseline="-25000" dirty="0" err="1" smtClean="0">
+              <a:rPr lang="en-US" altLang="zh-CN" i="1" baseline="-25000" dirty="0" err="1">
                 <a:latin typeface="Times New Roman" panose="02020603050405020304" pitchFamily="18" charset="0"/>
                 <a:cs typeface="Times New Roman" panose="02020603050405020304" pitchFamily="18" charset="0"/>
               </a:rPr>
               <a:t>x</a:t>
             </a:r>
             <a:r>
-              <a:rPr lang="en-US" altLang="zh-CN" baseline="-25000" dirty="0" err="1" smtClean="0">
+              <a:rPr lang="en-US" altLang="zh-CN" baseline="-25000" dirty="0" err="1">
                 <a:latin typeface="Times New Roman" panose="02020603050405020304" pitchFamily="18" charset="0"/>
                 <a:cs typeface="Times New Roman" panose="02020603050405020304" pitchFamily="18" charset="0"/>
               </a:rPr>
               <a:t>~</a:t>
             </a:r>
             <a:r>
-              <a:rPr lang="en-US" altLang="zh-CN" i="1" baseline="-25000" dirty="0" err="1" smtClean="0">
+              <a:rPr lang="en-US" altLang="zh-CN" i="1" baseline="-25000" dirty="0" err="1">
                 <a:latin typeface="Times New Roman" panose="02020603050405020304" pitchFamily="18" charset="0"/>
                 <a:cs typeface="Times New Roman" panose="02020603050405020304" pitchFamily="18" charset="0"/>
               </a:rPr>
               <a:t>Dt</a:t>
             </a:r>
             <a:r>
-              <a:rPr lang="en-US" altLang="zh-CN" dirty="0" smtClean="0">
+              <a:rPr lang="en-US" altLang="zh-CN" dirty="0">
                 <a:latin typeface="Times New Roman" panose="02020603050405020304" pitchFamily="18" charset="0"/>
                 <a:cs typeface="Times New Roman" panose="02020603050405020304" pitchFamily="18" charset="0"/>
               </a:rPr>
               <a:t>(</a:t>
             </a:r>
             <a:r>
-              <a:rPr lang="en-US" altLang="zh-CN" i="1" dirty="0" smtClean="0">
+              <a:rPr lang="en-US" altLang="zh-CN" i="1" dirty="0">
                 <a:latin typeface="Times New Roman" panose="02020603050405020304" pitchFamily="18" charset="0"/>
                 <a:cs typeface="Times New Roman" panose="02020603050405020304" pitchFamily="18" charset="0"/>
               </a:rPr>
               <a:t>h</a:t>
             </a:r>
             <a:r>
-              <a:rPr lang="en-US" altLang="zh-CN" i="1" baseline="-25000" dirty="0" smtClean="0">
+              <a:rPr lang="en-US" altLang="zh-CN" i="1" baseline="-25000" dirty="0">
                 <a:latin typeface="Times New Roman" panose="02020603050405020304" pitchFamily="18" charset="0"/>
                 <a:cs typeface="Times New Roman" panose="02020603050405020304" pitchFamily="18" charset="0"/>
               </a:rPr>
               <a:t>t</a:t>
             </a:r>
             <a:r>
-              <a:rPr lang="en-US" altLang="zh-CN" dirty="0" smtClean="0">
+              <a:rPr lang="en-US" altLang="zh-CN" dirty="0">
                 <a:latin typeface="Times New Roman" panose="02020603050405020304" pitchFamily="18" charset="0"/>
                 <a:cs typeface="Times New Roman" panose="02020603050405020304" pitchFamily="18" charset="0"/>
               </a:rPr>
               <a:t>(</a:t>
             </a:r>
             <a:r>
-              <a:rPr lang="en-US" altLang="zh-CN" i="1" dirty="0" smtClean="0">
+              <a:rPr lang="en-US" altLang="zh-CN" i="1" dirty="0">
                 <a:latin typeface="Times New Roman" panose="02020603050405020304" pitchFamily="18" charset="0"/>
                 <a:cs typeface="Times New Roman" panose="02020603050405020304" pitchFamily="18" charset="0"/>
               </a:rPr>
               <a:t>x</a:t>
             </a:r>
             <a:r>
-              <a:rPr lang="en-US" altLang="zh-CN" dirty="0" smtClean="0">
+              <a:rPr lang="en-US" altLang="zh-CN" dirty="0">
                 <a:latin typeface="Times New Roman" panose="02020603050405020304" pitchFamily="18" charset="0"/>
                 <a:cs typeface="Times New Roman" panose="02020603050405020304" pitchFamily="18" charset="0"/>
               </a:rPr>
               <a:t>) ≠ </a:t>
             </a:r>
             <a:r>
-              <a:rPr lang="en-US" altLang="zh-CN" i="1" dirty="0" smtClean="0">
+              <a:rPr lang="en-US" altLang="zh-CN" i="1" dirty="0">
                 <a:latin typeface="Times New Roman" panose="02020603050405020304" pitchFamily="18" charset="0"/>
                 <a:cs typeface="Times New Roman" panose="02020603050405020304" pitchFamily="18" charset="0"/>
               </a:rPr>
               <a:t>f</a:t>
             </a:r>
             <a:r>
-              <a:rPr lang="en-US" altLang="zh-CN" dirty="0" smtClean="0">
+              <a:rPr lang="en-US" altLang="zh-CN" dirty="0">
                 <a:latin typeface="Times New Roman" panose="02020603050405020304" pitchFamily="18" charset="0"/>
                 <a:cs typeface="Times New Roman" panose="02020603050405020304" pitchFamily="18" charset="0"/>
               </a:rPr>
               <a:t>(</a:t>
             </a:r>
             <a:r>
-              <a:rPr lang="en-US" altLang="zh-CN" i="1" dirty="0" smtClean="0">
+              <a:rPr lang="en-US" altLang="zh-CN" i="1" dirty="0">
                 <a:latin typeface="Times New Roman" panose="02020603050405020304" pitchFamily="18" charset="0"/>
                 <a:cs typeface="Times New Roman" panose="02020603050405020304" pitchFamily="18" charset="0"/>
               </a:rPr>
               <a:t>x</a:t>
             </a:r>
             <a:r>
-              <a:rPr lang="en-US" altLang="zh-CN" dirty="0" smtClean="0">
+              <a:rPr lang="en-US" altLang="zh-CN" dirty="0">
                 <a:latin typeface="Times New Roman" panose="02020603050405020304" pitchFamily="18" charset="0"/>
                 <a:cs typeface="Times New Roman" panose="02020603050405020304" pitchFamily="18" charset="0"/>
               </a:rPr>
@@ -13931,7 +13943,7 @@
               <a:t>5:       </a:t>
             </a:r>
             <a:r>
-              <a:rPr lang="en-US" altLang="zh-CN" dirty="0" smtClean="0">
+              <a:rPr lang="en-US" altLang="zh-CN" dirty="0">
                 <a:latin typeface="Times New Roman" panose="02020603050405020304" pitchFamily="18" charset="0"/>
                 <a:cs typeface="Times New Roman" panose="02020603050405020304" pitchFamily="18" charset="0"/>
               </a:rPr>
@@ -13952,7 +13964,7 @@
               <a:t>t</a:t>
             </a:r>
             <a:r>
-              <a:rPr lang="en-US" altLang="zh-CN" dirty="0" smtClean="0">
+              <a:rPr lang="en-US" altLang="zh-CN" dirty="0">
                 <a:latin typeface="Times New Roman" panose="02020603050405020304" pitchFamily="18" charset="0"/>
                 <a:cs typeface="Times New Roman" panose="02020603050405020304" pitchFamily="18" charset="0"/>
               </a:rPr>
@@ -14013,7 +14025,7 @@
           <a:graphicData uri="http://schemas.openxmlformats.org/presentationml/2006/ole">
             <mc:AlternateContent xmlns:mc="http://schemas.openxmlformats.org/markup-compatibility/2006">
               <mc:Choice xmlns:v="urn:schemas-microsoft-com:vml" Requires="v">
-                <p:oleObj spid="_x0000_s7220" name="Equation" r:id="rId3" imgW="1066680" imgH="482400" progId="Equation.DSMT4">
+                <p:oleObj spid="_x0000_s7223" name="Equation" r:id="rId3" imgW="1066680" imgH="482400" progId="Equation.DSMT4">
                   <p:embed/>
                 </p:oleObj>
               </mc:Choice>
@@ -14208,7 +14220,7 @@
           </a:lstStyle>
           <a:p>
             <a:r>
-              <a:rPr lang="en-US" altLang="zh-CN" dirty="0" smtClean="0"/>
+              <a:rPr lang="en-US" altLang="zh-CN" dirty="0"/>
               <a:t>7:</a:t>
             </a:r>
           </a:p>
@@ -14216,20 +14228,20 @@
             <a:endParaRPr lang="en-US" altLang="zh-CN" dirty="0"/>
           </a:p>
           <a:p>
-            <a:endParaRPr lang="en-US" altLang="zh-CN" dirty="0" smtClean="0"/>
-          </a:p>
-          <a:p>
             <a:endParaRPr lang="en-US" altLang="zh-CN" dirty="0"/>
           </a:p>
           <a:p>
-            <a:r>
-              <a:rPr lang="en-US" altLang="zh-CN" dirty="0" smtClean="0"/>
+            <a:endParaRPr lang="en-US" altLang="zh-CN" dirty="0"/>
+          </a:p>
+          <a:p>
+            <a:r>
+              <a:rPr lang="en-US" altLang="zh-CN" dirty="0"/>
               <a:t>8: end for</a:t>
             </a:r>
           </a:p>
           <a:p>
             <a:r>
-              <a:rPr lang="en-US" altLang="zh-CN" dirty="0" smtClean="0"/>
+              <a:rPr lang="en-US" altLang="zh-CN" dirty="0"/>
               <a:t>Output: </a:t>
             </a:r>
           </a:p>
@@ -14257,7 +14269,7 @@
           <a:graphicData uri="http://schemas.openxmlformats.org/presentationml/2006/ole">
             <mc:AlternateContent xmlns:mc="http://schemas.openxmlformats.org/markup-compatibility/2006">
               <mc:Choice xmlns:v="urn:schemas-microsoft-com:vml" Requires="v">
-                <p:oleObj spid="_x0000_s7221" name="Equation" r:id="rId5" imgW="2869920" imgH="914400" progId="Equation.DSMT4">
+                <p:oleObj spid="_x0000_s7224" name="Equation" r:id="rId5" imgW="2869920" imgH="914400" progId="Equation.DSMT4">
                   <p:embed/>
                 </p:oleObj>
               </mc:Choice>
@@ -14314,7 +14326,7 @@
           <a:graphicData uri="http://schemas.openxmlformats.org/presentationml/2006/ole">
             <mc:AlternateContent xmlns:mc="http://schemas.openxmlformats.org/markup-compatibility/2006">
               <mc:Choice xmlns:v="urn:schemas-microsoft-com:vml" Requires="v">
-                <p:oleObj spid="_x0000_s7222" name="Equation" r:id="rId7" imgW="1562040" imgH="457200" progId="Equation.DSMT4">
+                <p:oleObj spid="_x0000_s7225" name="Equation" r:id="rId7" imgW="1562040" imgH="457200" progId="Equation.DSMT4">
                   <p:embed/>
                 </p:oleObj>
               </mc:Choice>
@@ -14406,7 +14418,7 @@
               <a:buChar char="l"/>
             </a:pPr>
             <a:r>
-              <a:rPr lang="en-US" altLang="zh-CN" dirty="0" smtClean="0"/>
+              <a:rPr lang="en-US" altLang="zh-CN" dirty="0"/>
               <a:t>Re-sampling</a:t>
             </a:r>
           </a:p>
@@ -14422,7 +14434,7 @@
               <a:buFont typeface="Wingdings" panose="05000000000000000000" pitchFamily="2" charset="2"/>
               <a:buChar char="l"/>
             </a:pPr>
-            <a:endParaRPr lang="en-US" altLang="zh-CN" dirty="0" smtClean="0"/>
+            <a:endParaRPr lang="en-US" altLang="zh-CN" dirty="0"/>
           </a:p>
           <a:p>
             <a:pPr marL="342900" indent="-342900">
@@ -14737,7 +14749,7 @@
             <a:endParaRPr lang="zh-CN" altLang="en-US" dirty="0"/>
           </a:p>
           <a:p>
-            <a:endParaRPr lang="en-US" altLang="zh-CN" dirty="0" smtClean="0"/>
+            <a:endParaRPr lang="en-US" altLang="zh-CN" dirty="0"/>
           </a:p>
         </p:txBody>
       </p:sp>
@@ -14757,7 +14769,7 @@
           <a:lstStyle/>
           <a:p>
             <a:r>
-              <a:rPr lang="en-US" altLang="zh-CN" dirty="0" smtClean="0"/>
+              <a:rPr lang="en-US" altLang="zh-CN" dirty="0"/>
               <a:t>Bagging</a:t>
             </a:r>
             <a:endParaRPr lang="zh-CN" altLang="en-US" dirty="0"/>
@@ -14786,7 +14798,7 @@
           <a:graphicData uri="http://schemas.openxmlformats.org/presentationml/2006/ole">
             <mc:AlternateContent xmlns:mc="http://schemas.openxmlformats.org/markup-compatibility/2006">
               <mc:Choice xmlns:v="urn:schemas-microsoft-com:vml" Requires="v">
-                <p:oleObj spid="_x0000_s8219" name="Equation" r:id="rId3" imgW="1574640" imgH="469800" progId="Equation.DSMT4">
+                <p:oleObj spid="_x0000_s8221" name="Equation" r:id="rId3" imgW="1574640" imgH="469800" progId="Equation.DSMT4">
                   <p:embed/>
                 </p:oleObj>
               </mc:Choice>
@@ -14843,7 +14855,7 @@
           <a:graphicData uri="http://schemas.openxmlformats.org/presentationml/2006/ole">
             <mc:AlternateContent xmlns:mc="http://schemas.openxmlformats.org/markup-compatibility/2006">
               <mc:Choice xmlns:v="urn:schemas-microsoft-com:vml" Requires="v">
-                <p:oleObj spid="_x0000_s8220" name="Equation" r:id="rId5" imgW="1968480" imgH="431640" progId="Equation.DSMT4">
+                <p:oleObj spid="_x0000_s8222" name="Equation" r:id="rId5" imgW="1968480" imgH="431640" progId="Equation.DSMT4">
                   <p:embed/>
                 </p:oleObj>
               </mc:Choice>
